--- a/交通事故分析.pptx
+++ b/交通事故分析.pptx
@@ -8,6 +8,10 @@
     <p:sldId id="256" r:id="rId2"/>
     <p:sldId id="257" r:id="rId3"/>
     <p:sldId id="258" r:id="rId4"/>
+    <p:sldId id="260" r:id="rId5"/>
+    <p:sldId id="261" r:id="rId6"/>
+    <p:sldId id="259" r:id="rId7"/>
+    <p:sldId id="262" r:id="rId8"/>
   </p:sldIdLst>
   <p:sldSz cx="12192000" cy="6858000"/>
   <p:notesSz cx="6858000" cy="9144000"/>
@@ -106,6 +110,11 @@
       </a:defRPr>
     </a:lvl9pPr>
   </p:defaultTextStyle>
+  <p:extLst>
+    <p:ext uri="{EFAFB233-063F-42B5-8137-9DF3F51BA10A}">
+      <p15:sldGuideLst xmlns:p15="http://schemas.microsoft.com/office/powerpoint/2012/main"/>
+    </p:ext>
+  </p:extLst>
 </p:presentation>
 </file>
 
@@ -240,7 +249,7 @@
           <a:p>
             <a:fld id="{3C7091D5-6E74-4B5F-99D8-9C9FB68C08A7}" type="datetimeFigureOut">
               <a:rPr lang="zh-TW" altLang="en-US" smtClean="0"/>
-              <a:t>2022/11/10</a:t>
+              <a:t>2022/12/12</a:t>
             </a:fld>
             <a:endParaRPr lang="zh-TW" altLang="en-US"/>
           </a:p>
@@ -410,7 +419,7 @@
           <a:p>
             <a:fld id="{3C7091D5-6E74-4B5F-99D8-9C9FB68C08A7}" type="datetimeFigureOut">
               <a:rPr lang="zh-TW" altLang="en-US" smtClean="0"/>
-              <a:t>2022/11/10</a:t>
+              <a:t>2022/12/12</a:t>
             </a:fld>
             <a:endParaRPr lang="zh-TW" altLang="en-US"/>
           </a:p>
@@ -590,7 +599,7 @@
           <a:p>
             <a:fld id="{3C7091D5-6E74-4B5F-99D8-9C9FB68C08A7}" type="datetimeFigureOut">
               <a:rPr lang="zh-TW" altLang="en-US" smtClean="0"/>
-              <a:t>2022/11/10</a:t>
+              <a:t>2022/12/12</a:t>
             </a:fld>
             <a:endParaRPr lang="zh-TW" altLang="en-US"/>
           </a:p>
@@ -760,7 +769,7 @@
           <a:p>
             <a:fld id="{3C7091D5-6E74-4B5F-99D8-9C9FB68C08A7}" type="datetimeFigureOut">
               <a:rPr lang="zh-TW" altLang="en-US" smtClean="0"/>
-              <a:t>2022/11/10</a:t>
+              <a:t>2022/12/12</a:t>
             </a:fld>
             <a:endParaRPr lang="zh-TW" altLang="en-US"/>
           </a:p>
@@ -1006,7 +1015,7 @@
           <a:p>
             <a:fld id="{3C7091D5-6E74-4B5F-99D8-9C9FB68C08A7}" type="datetimeFigureOut">
               <a:rPr lang="zh-TW" altLang="en-US" smtClean="0"/>
-              <a:t>2022/11/10</a:t>
+              <a:t>2022/12/12</a:t>
             </a:fld>
             <a:endParaRPr lang="zh-TW" altLang="en-US"/>
           </a:p>
@@ -1238,7 +1247,7 @@
           <a:p>
             <a:fld id="{3C7091D5-6E74-4B5F-99D8-9C9FB68C08A7}" type="datetimeFigureOut">
               <a:rPr lang="zh-TW" altLang="en-US" smtClean="0"/>
-              <a:t>2022/11/10</a:t>
+              <a:t>2022/12/12</a:t>
             </a:fld>
             <a:endParaRPr lang="zh-TW" altLang="en-US"/>
           </a:p>
@@ -1605,7 +1614,7 @@
           <a:p>
             <a:fld id="{3C7091D5-6E74-4B5F-99D8-9C9FB68C08A7}" type="datetimeFigureOut">
               <a:rPr lang="zh-TW" altLang="en-US" smtClean="0"/>
-              <a:t>2022/11/10</a:t>
+              <a:t>2022/12/12</a:t>
             </a:fld>
             <a:endParaRPr lang="zh-TW" altLang="en-US"/>
           </a:p>
@@ -1723,7 +1732,7 @@
           <a:p>
             <a:fld id="{3C7091D5-6E74-4B5F-99D8-9C9FB68C08A7}" type="datetimeFigureOut">
               <a:rPr lang="zh-TW" altLang="en-US" smtClean="0"/>
-              <a:t>2022/11/10</a:t>
+              <a:t>2022/12/12</a:t>
             </a:fld>
             <a:endParaRPr lang="zh-TW" altLang="en-US"/>
           </a:p>
@@ -1818,7 +1827,7 @@
           <a:p>
             <a:fld id="{3C7091D5-6E74-4B5F-99D8-9C9FB68C08A7}" type="datetimeFigureOut">
               <a:rPr lang="zh-TW" altLang="en-US" smtClean="0"/>
-              <a:t>2022/11/10</a:t>
+              <a:t>2022/12/12</a:t>
             </a:fld>
             <a:endParaRPr lang="zh-TW" altLang="en-US"/>
           </a:p>
@@ -2095,7 +2104,7 @@
           <a:p>
             <a:fld id="{3C7091D5-6E74-4B5F-99D8-9C9FB68C08A7}" type="datetimeFigureOut">
               <a:rPr lang="zh-TW" altLang="en-US" smtClean="0"/>
-              <a:t>2022/11/10</a:t>
+              <a:t>2022/12/12</a:t>
             </a:fld>
             <a:endParaRPr lang="zh-TW" altLang="en-US"/>
           </a:p>
@@ -2348,7 +2357,7 @@
           <a:p>
             <a:fld id="{3C7091D5-6E74-4B5F-99D8-9C9FB68C08A7}" type="datetimeFigureOut">
               <a:rPr lang="zh-TW" altLang="en-US" smtClean="0"/>
-              <a:t>2022/11/10</a:t>
+              <a:t>2022/12/12</a:t>
             </a:fld>
             <a:endParaRPr lang="zh-TW" altLang="en-US"/>
           </a:p>
@@ -2561,7 +2570,7 @@
           <a:p>
             <a:fld id="{3C7091D5-6E74-4B5F-99D8-9C9FB68C08A7}" type="datetimeFigureOut">
               <a:rPr lang="zh-TW" altLang="en-US" smtClean="0"/>
-              <a:t>2022/11/10</a:t>
+              <a:t>2022/12/12</a:t>
             </a:fld>
             <a:endParaRPr lang="zh-TW" altLang="en-US"/>
           </a:p>
@@ -2950,6 +2959,2183 @@
 </file>
 
 <file path=ppt/slides/slide1.xml><?xml version="1.0" encoding="utf-8"?>
+<p:sld xmlns:a="http://schemas.openxmlformats.org/drawingml/2006/main" xmlns:r="http://schemas.openxmlformats.org/officeDocument/2006/relationships" xmlns:p="http://schemas.openxmlformats.org/presentationml/2006/main" show="0">
+  <p:cSld>
+    <p:spTree>
+      <p:nvGrpSpPr>
+        <p:cNvPr id="1" name=""/>
+        <p:cNvGrpSpPr/>
+        <p:nvPr/>
+      </p:nvGrpSpPr>
+      <p:grpSpPr>
+        <a:xfrm>
+          <a:off x="0" y="0"/>
+          <a:ext cx="0" cy="0"/>
+          <a:chOff x="0" y="0"/>
+          <a:chExt cx="0" cy="0"/>
+        </a:xfrm>
+      </p:grpSpPr>
+      <p:sp>
+        <p:nvSpPr>
+          <p:cNvPr id="6" name="矩形 5"/>
+          <p:cNvSpPr/>
+          <p:nvPr/>
+        </p:nvSpPr>
+        <p:spPr>
+          <a:xfrm>
+            <a:off x="329512" y="562399"/>
+            <a:ext cx="8826843" cy="1754326"/>
+          </a:xfrm>
+          <a:prstGeom prst="rect">
+            <a:avLst/>
+          </a:prstGeom>
+        </p:spPr>
+        <p:txBody>
+          <a:bodyPr wrap="square">
+            <a:spAutoFit/>
+          </a:bodyPr>
+          <a:lstStyle/>
+          <a:p>
+            <a:pPr>
+              <a:lnSpc>
+                <a:spcPct val="150000"/>
+              </a:lnSpc>
+            </a:pPr>
+            <a:r>
+              <a:rPr lang="zh-TW" altLang="en-US" dirty="0" smtClean="0"/>
+              <a:t>事故類型及型態大類別名稱  車與車  834  57.99999999999999%</a:t>
+            </a:r>
+          </a:p>
+          <a:p>
+            <a:pPr>
+              <a:lnSpc>
+                <a:spcPct val="150000"/>
+              </a:lnSpc>
+            </a:pPr>
+            <a:r>
+              <a:rPr lang="zh-TW" altLang="en-US" dirty="0" smtClean="0"/>
+              <a:t>事故類型及型態大類別名稱  汽(機)車本身  417  28.999999999999996%</a:t>
+            </a:r>
+          </a:p>
+          <a:p>
+            <a:pPr>
+              <a:lnSpc>
+                <a:spcPct val="150000"/>
+              </a:lnSpc>
+            </a:pPr>
+            <a:r>
+              <a:rPr lang="zh-TW" altLang="en-US" dirty="0" smtClean="0"/>
+              <a:t>事故類型及型態大類別名稱  人與汽(機)車  188  13.0%</a:t>
+            </a:r>
+          </a:p>
+          <a:p>
+            <a:pPr>
+              <a:lnSpc>
+                <a:spcPct val="150000"/>
+              </a:lnSpc>
+            </a:pPr>
+            <a:r>
+              <a:rPr lang="zh-TW" altLang="en-US" dirty="0" smtClean="0"/>
+              <a:t>事故類型及型態大類別名稱  平交道事故  1  0.0%</a:t>
+            </a:r>
+            <a:endParaRPr lang="zh-TW" altLang="en-US" dirty="0"/>
+          </a:p>
+        </p:txBody>
+      </p:sp>
+      <p:sp>
+        <p:nvSpPr>
+          <p:cNvPr id="7" name="文字方塊 6"/>
+          <p:cNvSpPr txBox="1"/>
+          <p:nvPr/>
+        </p:nvSpPr>
+        <p:spPr>
+          <a:xfrm>
+            <a:off x="329512" y="3113903"/>
+            <a:ext cx="4801314" cy="369332"/>
+          </a:xfrm>
+          <a:prstGeom prst="rect">
+            <a:avLst/>
+          </a:prstGeom>
+          <a:noFill/>
+        </p:spPr>
+        <p:txBody>
+          <a:bodyPr wrap="none" rtlCol="0">
+            <a:spAutoFit/>
+          </a:bodyPr>
+          <a:lstStyle/>
+          <a:p>
+            <a:r>
+              <a:rPr lang="zh-TW" altLang="en-US" dirty="0" smtClean="0"/>
+              <a:t>車與車的事故是最多的，著重於車與車的事故</a:t>
+            </a:r>
+            <a:endParaRPr lang="zh-TW" altLang="en-US" dirty="0"/>
+          </a:p>
+        </p:txBody>
+      </p:sp>
+      <p:sp>
+        <p:nvSpPr>
+          <p:cNvPr id="2" name="乘號 1"/>
+          <p:cNvSpPr/>
+          <p:nvPr/>
+        </p:nvSpPr>
+        <p:spPr>
+          <a:xfrm>
+            <a:off x="0" y="0"/>
+            <a:ext cx="12192000" cy="6858000"/>
+          </a:xfrm>
+          <a:prstGeom prst="mathMultiply">
+            <a:avLst>
+              <a:gd name="adj1" fmla="val 3520"/>
+            </a:avLst>
+          </a:prstGeom>
+          <a:solidFill>
+            <a:srgbClr val="FF0000"/>
+          </a:solidFill>
+          <a:ln>
+            <a:solidFill>
+              <a:srgbClr val="FF0000"/>
+            </a:solidFill>
+          </a:ln>
+        </p:spPr>
+        <p:style>
+          <a:lnRef idx="2">
+            <a:schemeClr val="accent1">
+              <a:shade val="50000"/>
+            </a:schemeClr>
+          </a:lnRef>
+          <a:fillRef idx="1">
+            <a:schemeClr val="accent1"/>
+          </a:fillRef>
+          <a:effectRef idx="0">
+            <a:schemeClr val="accent1"/>
+          </a:effectRef>
+          <a:fontRef idx="minor">
+            <a:schemeClr val="lt1"/>
+          </a:fontRef>
+        </p:style>
+        <p:txBody>
+          <a:bodyPr rtlCol="0" anchor="ctr"/>
+          <a:lstStyle/>
+          <a:p>
+            <a:pPr algn="ctr"/>
+            <a:endParaRPr lang="zh-TW" altLang="en-US">
+              <a:solidFill>
+                <a:srgbClr val="FF0000"/>
+              </a:solidFill>
+            </a:endParaRPr>
+          </a:p>
+        </p:txBody>
+      </p:sp>
+    </p:spTree>
+    <p:extLst>
+      <p:ext uri="{BB962C8B-B14F-4D97-AF65-F5344CB8AC3E}">
+        <p14:creationId xmlns:p14="http://schemas.microsoft.com/office/powerpoint/2010/main" val="82738776"/>
+      </p:ext>
+    </p:extLst>
+  </p:cSld>
+  <p:clrMapOvr>
+    <a:masterClrMapping/>
+  </p:clrMapOvr>
+  <mc:AlternateContent xmlns:mc="http://schemas.openxmlformats.org/markup-compatibility/2006" xmlns:p14="http://schemas.microsoft.com/office/powerpoint/2010/main">
+    <mc:Choice Requires="p14">
+      <p:transition spd="slow" p14:dur="2000"/>
+    </mc:Choice>
+    <mc:Fallback xmlns="">
+      <p:transition spd="slow"/>
+    </mc:Fallback>
+  </mc:AlternateContent>
+</p:sld>
+</file>
+
+<file path=ppt/slides/slide2.xml><?xml version="1.0" encoding="utf-8"?>
+<p:sld xmlns:a="http://schemas.openxmlformats.org/drawingml/2006/main" xmlns:r="http://schemas.openxmlformats.org/officeDocument/2006/relationships" xmlns:p="http://schemas.openxmlformats.org/presentationml/2006/main" show="0">
+  <p:cSld>
+    <p:spTree>
+      <p:nvGrpSpPr>
+        <p:cNvPr id="1" name=""/>
+        <p:cNvGrpSpPr/>
+        <p:nvPr/>
+      </p:nvGrpSpPr>
+      <p:grpSpPr>
+        <a:xfrm>
+          <a:off x="0" y="0"/>
+          <a:ext cx="0" cy="0"/>
+          <a:chOff x="0" y="0"/>
+          <a:chExt cx="0" cy="0"/>
+        </a:xfrm>
+      </p:grpSpPr>
+      <p:sp>
+        <p:nvSpPr>
+          <p:cNvPr id="4" name="文字方塊 3"/>
+          <p:cNvSpPr txBox="1"/>
+          <p:nvPr/>
+        </p:nvSpPr>
+        <p:spPr>
+          <a:xfrm>
+            <a:off x="94734" y="86498"/>
+            <a:ext cx="2031325" cy="369332"/>
+          </a:xfrm>
+          <a:prstGeom prst="rect">
+            <a:avLst/>
+          </a:prstGeom>
+          <a:noFill/>
+        </p:spPr>
+        <p:txBody>
+          <a:bodyPr wrap="none" rtlCol="0">
+            <a:spAutoFit/>
+          </a:bodyPr>
+          <a:lstStyle/>
+          <a:p>
+            <a:r>
+              <a:rPr lang="zh-TW" altLang="en-US" dirty="0" smtClean="0"/>
+              <a:t>分析車與車的事故</a:t>
+            </a:r>
+            <a:endParaRPr lang="zh-TW" altLang="en-US" dirty="0"/>
+          </a:p>
+        </p:txBody>
+      </p:sp>
+      <p:sp>
+        <p:nvSpPr>
+          <p:cNvPr id="5" name="矩形 4"/>
+          <p:cNvSpPr/>
+          <p:nvPr/>
+        </p:nvSpPr>
+        <p:spPr>
+          <a:xfrm>
+            <a:off x="7203989" y="1094258"/>
+            <a:ext cx="1507524" cy="778476"/>
+          </a:xfrm>
+          <a:prstGeom prst="rect">
+            <a:avLst/>
+          </a:prstGeom>
+        </p:spPr>
+        <p:style>
+          <a:lnRef idx="2">
+            <a:schemeClr val="accent1">
+              <a:shade val="50000"/>
+            </a:schemeClr>
+          </a:lnRef>
+          <a:fillRef idx="1">
+            <a:schemeClr val="accent1"/>
+          </a:fillRef>
+          <a:effectRef idx="0">
+            <a:schemeClr val="accent1"/>
+          </a:effectRef>
+          <a:fontRef idx="minor">
+            <a:schemeClr val="lt1"/>
+          </a:fontRef>
+        </p:style>
+        <p:txBody>
+          <a:bodyPr rtlCol="0" anchor="ctr"/>
+          <a:lstStyle/>
+          <a:p>
+            <a:pPr algn="ctr"/>
+            <a:r>
+              <a:rPr lang="zh-TW" altLang="en-US" dirty="0" smtClean="0"/>
+              <a:t>車與車事故</a:t>
+            </a:r>
+            <a:endParaRPr lang="en-US" altLang="zh-TW" dirty="0" smtClean="0"/>
+          </a:p>
+          <a:p>
+            <a:pPr algn="ctr"/>
+            <a:r>
+              <a:rPr lang="en-US" altLang="zh-TW" dirty="0" smtClean="0"/>
+              <a:t>834</a:t>
+            </a:r>
+            <a:endParaRPr lang="zh-TW" altLang="en-US" dirty="0"/>
+          </a:p>
+        </p:txBody>
+      </p:sp>
+      <p:sp>
+        <p:nvSpPr>
+          <p:cNvPr id="6" name="矩形 5"/>
+          <p:cNvSpPr/>
+          <p:nvPr/>
+        </p:nvSpPr>
+        <p:spPr>
+          <a:xfrm>
+            <a:off x="3945597" y="2695828"/>
+            <a:ext cx="1507524" cy="848498"/>
+          </a:xfrm>
+          <a:prstGeom prst="rect">
+            <a:avLst/>
+          </a:prstGeom>
+        </p:spPr>
+        <p:style>
+          <a:lnRef idx="2">
+            <a:schemeClr val="accent1">
+              <a:shade val="50000"/>
+            </a:schemeClr>
+          </a:lnRef>
+          <a:fillRef idx="1">
+            <a:schemeClr val="accent1"/>
+          </a:fillRef>
+          <a:effectRef idx="0">
+            <a:schemeClr val="accent1"/>
+          </a:effectRef>
+          <a:fontRef idx="minor">
+            <a:schemeClr val="lt1"/>
+          </a:fontRef>
+        </p:style>
+        <p:txBody>
+          <a:bodyPr rtlCol="0" anchor="ctr"/>
+          <a:lstStyle/>
+          <a:p>
+            <a:pPr algn="ctr"/>
+            <a:r>
+              <a:rPr lang="zh-TW" altLang="en-US" dirty="0" smtClean="0"/>
+              <a:t>側撞</a:t>
+            </a:r>
+            <a:endParaRPr lang="en-US" altLang="zh-TW" dirty="0" smtClean="0"/>
+          </a:p>
+          <a:p>
+            <a:pPr algn="ctr"/>
+            <a:r>
+              <a:rPr lang="en-US" altLang="zh-TW" dirty="0" smtClean="0"/>
+              <a:t>286</a:t>
+            </a:r>
+          </a:p>
+          <a:p>
+            <a:pPr algn="ctr"/>
+            <a:r>
+              <a:rPr lang="en-US" altLang="zh-TW" dirty="0" smtClean="0"/>
+              <a:t>34%</a:t>
+            </a:r>
+            <a:endParaRPr lang="zh-TW" altLang="en-US" dirty="0"/>
+          </a:p>
+        </p:txBody>
+      </p:sp>
+      <p:sp>
+        <p:nvSpPr>
+          <p:cNvPr id="7" name="矩形 6"/>
+          <p:cNvSpPr/>
+          <p:nvPr/>
+        </p:nvSpPr>
+        <p:spPr>
+          <a:xfrm>
+            <a:off x="6609497" y="2595474"/>
+            <a:ext cx="1507524" cy="848498"/>
+          </a:xfrm>
+          <a:prstGeom prst="rect">
+            <a:avLst/>
+          </a:prstGeom>
+        </p:spPr>
+        <p:style>
+          <a:lnRef idx="2">
+            <a:schemeClr val="accent1">
+              <a:shade val="50000"/>
+            </a:schemeClr>
+          </a:lnRef>
+          <a:fillRef idx="1">
+            <a:schemeClr val="accent1"/>
+          </a:fillRef>
+          <a:effectRef idx="0">
+            <a:schemeClr val="accent1"/>
+          </a:effectRef>
+          <a:fontRef idx="minor">
+            <a:schemeClr val="lt1"/>
+          </a:fontRef>
+        </p:style>
+        <p:txBody>
+          <a:bodyPr rtlCol="0" anchor="ctr"/>
+          <a:lstStyle/>
+          <a:p>
+            <a:pPr algn="ctr"/>
+            <a:r>
+              <a:rPr lang="zh-TW" altLang="en-US" dirty="0" smtClean="0"/>
+              <a:t>路口交岔撞</a:t>
+            </a:r>
+            <a:r>
+              <a:rPr lang="en-US" altLang="zh-TW" dirty="0" smtClean="0"/>
+              <a:t>162</a:t>
+            </a:r>
+          </a:p>
+          <a:p>
+            <a:pPr algn="ctr"/>
+            <a:r>
+              <a:rPr lang="en-US" altLang="zh-TW" dirty="0" smtClean="0"/>
+              <a:t>19%</a:t>
+            </a:r>
+            <a:endParaRPr lang="zh-TW" altLang="en-US" dirty="0"/>
+          </a:p>
+        </p:txBody>
+      </p:sp>
+      <p:sp>
+        <p:nvSpPr>
+          <p:cNvPr id="10" name="矩形 9"/>
+          <p:cNvSpPr/>
+          <p:nvPr/>
+        </p:nvSpPr>
+        <p:spPr>
+          <a:xfrm>
+            <a:off x="-1" y="1298830"/>
+            <a:ext cx="2954655" cy="369332"/>
+          </a:xfrm>
+          <a:prstGeom prst="rect">
+            <a:avLst/>
+          </a:prstGeom>
+        </p:spPr>
+        <p:txBody>
+          <a:bodyPr wrap="none">
+            <a:spAutoFit/>
+          </a:bodyPr>
+          <a:lstStyle/>
+          <a:p>
+            <a:r>
+              <a:rPr lang="zh-TW" altLang="en-US" dirty="0" smtClean="0"/>
+              <a:t>事故類型及型態大類別名稱</a:t>
+            </a:r>
+            <a:endParaRPr lang="zh-TW" altLang="en-US" dirty="0"/>
+          </a:p>
+        </p:txBody>
+      </p:sp>
+      <p:sp>
+        <p:nvSpPr>
+          <p:cNvPr id="11" name="矩形 10"/>
+          <p:cNvSpPr/>
+          <p:nvPr/>
+        </p:nvSpPr>
+        <p:spPr>
+          <a:xfrm>
+            <a:off x="-2" y="2684846"/>
+            <a:ext cx="2954655" cy="369332"/>
+          </a:xfrm>
+          <a:prstGeom prst="rect">
+            <a:avLst/>
+          </a:prstGeom>
+        </p:spPr>
+        <p:txBody>
+          <a:bodyPr wrap="none">
+            <a:spAutoFit/>
+          </a:bodyPr>
+          <a:lstStyle/>
+          <a:p>
+            <a:r>
+              <a:rPr lang="zh-TW" altLang="en-US" dirty="0" smtClean="0"/>
+              <a:t>事故類型及型態子類別名稱</a:t>
+            </a:r>
+            <a:endParaRPr lang="zh-TW" altLang="en-US" dirty="0"/>
+          </a:p>
+        </p:txBody>
+      </p:sp>
+      <p:sp>
+        <p:nvSpPr>
+          <p:cNvPr id="12" name="矩形 11"/>
+          <p:cNvSpPr/>
+          <p:nvPr/>
+        </p:nvSpPr>
+        <p:spPr>
+          <a:xfrm>
+            <a:off x="94734" y="4105873"/>
+            <a:ext cx="2262158" cy="369332"/>
+          </a:xfrm>
+          <a:prstGeom prst="rect">
+            <a:avLst/>
+          </a:prstGeom>
+        </p:spPr>
+        <p:txBody>
+          <a:bodyPr wrap="none">
+            <a:spAutoFit/>
+          </a:bodyPr>
+          <a:lstStyle/>
+          <a:p>
+            <a:r>
+              <a:rPr lang="zh-TW" altLang="en-US" dirty="0" smtClean="0"/>
+              <a:t>事故位置子類別名稱</a:t>
+            </a:r>
+            <a:endParaRPr lang="zh-TW" altLang="en-US" dirty="0"/>
+          </a:p>
+        </p:txBody>
+      </p:sp>
+      <p:sp>
+        <p:nvSpPr>
+          <p:cNvPr id="16" name="矩形 15"/>
+          <p:cNvSpPr/>
+          <p:nvPr/>
+        </p:nvSpPr>
+        <p:spPr>
+          <a:xfrm>
+            <a:off x="2398142" y="3744656"/>
+            <a:ext cx="1342768" cy="848498"/>
+          </a:xfrm>
+          <a:prstGeom prst="rect">
+            <a:avLst/>
+          </a:prstGeom>
+        </p:spPr>
+        <p:style>
+          <a:lnRef idx="2">
+            <a:schemeClr val="accent1">
+              <a:shade val="50000"/>
+            </a:schemeClr>
+          </a:lnRef>
+          <a:fillRef idx="1">
+            <a:schemeClr val="accent1"/>
+          </a:fillRef>
+          <a:effectRef idx="0">
+            <a:schemeClr val="accent1"/>
+          </a:effectRef>
+          <a:fontRef idx="minor">
+            <a:schemeClr val="lt1"/>
+          </a:fontRef>
+        </p:style>
+        <p:txBody>
+          <a:bodyPr rtlCol="0" anchor="ctr"/>
+          <a:lstStyle/>
+          <a:p>
+            <a:pPr algn="ctr"/>
+            <a:r>
+              <a:rPr lang="zh-TW" altLang="en-US" dirty="0" smtClean="0"/>
+              <a:t>交叉路口</a:t>
+            </a:r>
+            <a:r>
+              <a:rPr lang="zh-TW" altLang="en-US" dirty="0"/>
+              <a:t>內</a:t>
+            </a:r>
+            <a:endParaRPr lang="en-US" altLang="zh-TW" dirty="0" smtClean="0"/>
+          </a:p>
+          <a:p>
+            <a:pPr algn="ctr"/>
+            <a:r>
+              <a:rPr lang="en-US" altLang="zh-TW" dirty="0" smtClean="0"/>
+              <a:t>211</a:t>
+            </a:r>
+          </a:p>
+          <a:p>
+            <a:pPr algn="ctr"/>
+            <a:r>
+              <a:rPr lang="en-US" altLang="zh-TW" dirty="0" smtClean="0"/>
+              <a:t>74%</a:t>
+            </a:r>
+            <a:endParaRPr lang="zh-TW" altLang="en-US" dirty="0"/>
+          </a:p>
+        </p:txBody>
+      </p:sp>
+      <p:sp>
+        <p:nvSpPr>
+          <p:cNvPr id="17" name="矩形 16"/>
+          <p:cNvSpPr/>
+          <p:nvPr/>
+        </p:nvSpPr>
+        <p:spPr>
+          <a:xfrm>
+            <a:off x="3782374" y="3740893"/>
+            <a:ext cx="1342768" cy="848498"/>
+          </a:xfrm>
+          <a:prstGeom prst="rect">
+            <a:avLst/>
+          </a:prstGeom>
+        </p:spPr>
+        <p:style>
+          <a:lnRef idx="2">
+            <a:schemeClr val="accent1">
+              <a:shade val="50000"/>
+            </a:schemeClr>
+          </a:lnRef>
+          <a:fillRef idx="1">
+            <a:schemeClr val="accent1"/>
+          </a:fillRef>
+          <a:effectRef idx="0">
+            <a:schemeClr val="accent1"/>
+          </a:effectRef>
+          <a:fontRef idx="minor">
+            <a:schemeClr val="lt1"/>
+          </a:fontRef>
+        </p:style>
+        <p:txBody>
+          <a:bodyPr rtlCol="0" anchor="ctr"/>
+          <a:lstStyle/>
+          <a:p>
+            <a:pPr algn="ctr"/>
+            <a:r>
+              <a:rPr lang="zh-TW" altLang="en-US" dirty="0" smtClean="0"/>
+              <a:t>一般車道</a:t>
+            </a:r>
+            <a:endParaRPr lang="en-US" altLang="zh-TW" dirty="0" smtClean="0"/>
+          </a:p>
+          <a:p>
+            <a:pPr algn="ctr"/>
+            <a:r>
+              <a:rPr lang="en-US" altLang="zh-TW" dirty="0" smtClean="0"/>
+              <a:t>35</a:t>
+            </a:r>
+          </a:p>
+          <a:p>
+            <a:pPr algn="ctr"/>
+            <a:r>
+              <a:rPr lang="en-US" altLang="zh-TW" dirty="0" smtClean="0"/>
+              <a:t>12%</a:t>
+            </a:r>
+            <a:endParaRPr lang="zh-TW" altLang="en-US" dirty="0"/>
+          </a:p>
+        </p:txBody>
+      </p:sp>
+      <p:sp>
+        <p:nvSpPr>
+          <p:cNvPr id="18" name="矩形 17"/>
+          <p:cNvSpPr/>
+          <p:nvPr/>
+        </p:nvSpPr>
+        <p:spPr>
+          <a:xfrm>
+            <a:off x="5172154" y="3744656"/>
+            <a:ext cx="1342768" cy="848498"/>
+          </a:xfrm>
+          <a:prstGeom prst="rect">
+            <a:avLst/>
+          </a:prstGeom>
+        </p:spPr>
+        <p:style>
+          <a:lnRef idx="2">
+            <a:schemeClr val="accent1">
+              <a:shade val="50000"/>
+            </a:schemeClr>
+          </a:lnRef>
+          <a:fillRef idx="1">
+            <a:schemeClr val="accent1"/>
+          </a:fillRef>
+          <a:effectRef idx="0">
+            <a:schemeClr val="accent1"/>
+          </a:effectRef>
+          <a:fontRef idx="minor">
+            <a:schemeClr val="lt1"/>
+          </a:fontRef>
+        </p:style>
+        <p:txBody>
+          <a:bodyPr rtlCol="0" anchor="ctr"/>
+          <a:lstStyle/>
+          <a:p>
+            <a:pPr algn="ctr"/>
+            <a:r>
+              <a:rPr lang="zh-TW" altLang="en-US" dirty="0" smtClean="0"/>
+              <a:t>交叉口附近</a:t>
+            </a:r>
+            <a:endParaRPr lang="en-US" altLang="zh-TW" dirty="0" smtClean="0"/>
+          </a:p>
+          <a:p>
+            <a:pPr algn="ctr"/>
+            <a:r>
+              <a:rPr lang="en-US" altLang="zh-TW" dirty="0" smtClean="0"/>
+              <a:t>18</a:t>
+            </a:r>
+          </a:p>
+          <a:p>
+            <a:pPr algn="ctr"/>
+            <a:r>
+              <a:rPr lang="en-US" altLang="zh-TW" dirty="0"/>
+              <a:t>6</a:t>
+            </a:r>
+            <a:r>
+              <a:rPr lang="en-US" altLang="zh-TW" dirty="0" smtClean="0"/>
+              <a:t>%</a:t>
+            </a:r>
+            <a:endParaRPr lang="zh-TW" altLang="en-US" dirty="0"/>
+          </a:p>
+        </p:txBody>
+      </p:sp>
+      <p:sp>
+        <p:nvSpPr>
+          <p:cNvPr id="19" name="矩形 18"/>
+          <p:cNvSpPr/>
+          <p:nvPr/>
+        </p:nvSpPr>
+        <p:spPr>
+          <a:xfrm>
+            <a:off x="6725739" y="3740893"/>
+            <a:ext cx="1342768" cy="848498"/>
+          </a:xfrm>
+          <a:prstGeom prst="rect">
+            <a:avLst/>
+          </a:prstGeom>
+        </p:spPr>
+        <p:style>
+          <a:lnRef idx="2">
+            <a:schemeClr val="accent1">
+              <a:shade val="50000"/>
+            </a:schemeClr>
+          </a:lnRef>
+          <a:fillRef idx="1">
+            <a:schemeClr val="accent1"/>
+          </a:fillRef>
+          <a:effectRef idx="0">
+            <a:schemeClr val="accent1"/>
+          </a:effectRef>
+          <a:fontRef idx="minor">
+            <a:schemeClr val="lt1"/>
+          </a:fontRef>
+        </p:style>
+        <p:txBody>
+          <a:bodyPr rtlCol="0" anchor="ctr"/>
+          <a:lstStyle/>
+          <a:p>
+            <a:pPr algn="ctr"/>
+            <a:r>
+              <a:rPr lang="zh-TW" altLang="en-US" dirty="0" smtClean="0"/>
+              <a:t>交叉</a:t>
+            </a:r>
+            <a:r>
+              <a:rPr lang="zh-TW" altLang="en-US" dirty="0"/>
+              <a:t>路</a:t>
+            </a:r>
+            <a:r>
+              <a:rPr lang="zh-TW" altLang="en-US" dirty="0" smtClean="0"/>
+              <a:t>口</a:t>
+            </a:r>
+            <a:r>
+              <a:rPr lang="zh-TW" altLang="en-US" dirty="0"/>
+              <a:t>內</a:t>
+            </a:r>
+            <a:endParaRPr lang="en-US" altLang="zh-TW" dirty="0" smtClean="0"/>
+          </a:p>
+          <a:p>
+            <a:pPr algn="ctr"/>
+            <a:r>
+              <a:rPr lang="en-US" altLang="zh-TW" dirty="0" smtClean="0"/>
+              <a:t>159</a:t>
+            </a:r>
+          </a:p>
+          <a:p>
+            <a:pPr algn="ctr"/>
+            <a:r>
+              <a:rPr lang="en-US" altLang="zh-TW" dirty="0" smtClean="0"/>
+              <a:t>98%</a:t>
+            </a:r>
+            <a:endParaRPr lang="zh-TW" altLang="en-US" dirty="0"/>
+          </a:p>
+        </p:txBody>
+      </p:sp>
+      <p:cxnSp>
+        <p:nvCxnSpPr>
+          <p:cNvPr id="21" name="直線接點 20"/>
+          <p:cNvCxnSpPr>
+            <a:stCxn id="5" idx="2"/>
+            <a:endCxn id="6" idx="0"/>
+          </p:cNvCxnSpPr>
+          <p:nvPr/>
+        </p:nvCxnSpPr>
+        <p:spPr>
+          <a:xfrm flipH="1">
+            <a:off x="4699359" y="1872734"/>
+            <a:ext cx="3258392" cy="823094"/>
+          </a:xfrm>
+          <a:prstGeom prst="line">
+            <a:avLst/>
+          </a:prstGeom>
+        </p:spPr>
+        <p:style>
+          <a:lnRef idx="1">
+            <a:schemeClr val="accent1"/>
+          </a:lnRef>
+          <a:fillRef idx="0">
+            <a:schemeClr val="accent1"/>
+          </a:fillRef>
+          <a:effectRef idx="0">
+            <a:schemeClr val="accent1"/>
+          </a:effectRef>
+          <a:fontRef idx="minor">
+            <a:schemeClr val="tx1"/>
+          </a:fontRef>
+        </p:style>
+      </p:cxnSp>
+      <p:cxnSp>
+        <p:nvCxnSpPr>
+          <p:cNvPr id="23" name="直線接點 22"/>
+          <p:cNvCxnSpPr>
+            <a:stCxn id="5" idx="2"/>
+            <a:endCxn id="7" idx="0"/>
+          </p:cNvCxnSpPr>
+          <p:nvPr/>
+        </p:nvCxnSpPr>
+        <p:spPr>
+          <a:xfrm flipH="1">
+            <a:off x="7363259" y="1872734"/>
+            <a:ext cx="594492" cy="722740"/>
+          </a:xfrm>
+          <a:prstGeom prst="line">
+            <a:avLst/>
+          </a:prstGeom>
+        </p:spPr>
+        <p:style>
+          <a:lnRef idx="1">
+            <a:schemeClr val="accent1"/>
+          </a:lnRef>
+          <a:fillRef idx="0">
+            <a:schemeClr val="accent1"/>
+          </a:fillRef>
+          <a:effectRef idx="0">
+            <a:schemeClr val="accent1"/>
+          </a:effectRef>
+          <a:fontRef idx="minor">
+            <a:schemeClr val="tx1"/>
+          </a:fontRef>
+        </p:style>
+      </p:cxnSp>
+      <p:cxnSp>
+        <p:nvCxnSpPr>
+          <p:cNvPr id="25" name="直線接點 24"/>
+          <p:cNvCxnSpPr>
+            <a:stCxn id="6" idx="2"/>
+            <a:endCxn id="16" idx="0"/>
+          </p:cNvCxnSpPr>
+          <p:nvPr/>
+        </p:nvCxnSpPr>
+        <p:spPr>
+          <a:xfrm flipH="1">
+            <a:off x="3069526" y="3544326"/>
+            <a:ext cx="1629833" cy="200330"/>
+          </a:xfrm>
+          <a:prstGeom prst="line">
+            <a:avLst/>
+          </a:prstGeom>
+        </p:spPr>
+        <p:style>
+          <a:lnRef idx="1">
+            <a:schemeClr val="accent1"/>
+          </a:lnRef>
+          <a:fillRef idx="0">
+            <a:schemeClr val="accent1"/>
+          </a:fillRef>
+          <a:effectRef idx="0">
+            <a:schemeClr val="accent1"/>
+          </a:effectRef>
+          <a:fontRef idx="minor">
+            <a:schemeClr val="tx1"/>
+          </a:fontRef>
+        </p:style>
+      </p:cxnSp>
+      <p:cxnSp>
+        <p:nvCxnSpPr>
+          <p:cNvPr id="31" name="直線接點 30"/>
+          <p:cNvCxnSpPr>
+            <a:stCxn id="7" idx="2"/>
+            <a:endCxn id="19" idx="0"/>
+          </p:cNvCxnSpPr>
+          <p:nvPr/>
+        </p:nvCxnSpPr>
+        <p:spPr>
+          <a:xfrm>
+            <a:off x="7363259" y="3443972"/>
+            <a:ext cx="33864" cy="296921"/>
+          </a:xfrm>
+          <a:prstGeom prst="line">
+            <a:avLst/>
+          </a:prstGeom>
+        </p:spPr>
+        <p:style>
+          <a:lnRef idx="1">
+            <a:schemeClr val="accent1"/>
+          </a:lnRef>
+          <a:fillRef idx="0">
+            <a:schemeClr val="accent1"/>
+          </a:fillRef>
+          <a:effectRef idx="0">
+            <a:schemeClr val="accent1"/>
+          </a:effectRef>
+          <a:fontRef idx="minor">
+            <a:schemeClr val="tx1"/>
+          </a:fontRef>
+        </p:style>
+      </p:cxnSp>
+      <p:cxnSp>
+        <p:nvCxnSpPr>
+          <p:cNvPr id="37" name="直線接點 36"/>
+          <p:cNvCxnSpPr>
+            <a:stCxn id="6" idx="2"/>
+            <a:endCxn id="17" idx="0"/>
+          </p:cNvCxnSpPr>
+          <p:nvPr/>
+        </p:nvCxnSpPr>
+        <p:spPr>
+          <a:xfrm flipH="1">
+            <a:off x="4453758" y="3544326"/>
+            <a:ext cx="245601" cy="196567"/>
+          </a:xfrm>
+          <a:prstGeom prst="line">
+            <a:avLst/>
+          </a:prstGeom>
+        </p:spPr>
+        <p:style>
+          <a:lnRef idx="1">
+            <a:schemeClr val="accent1"/>
+          </a:lnRef>
+          <a:fillRef idx="0">
+            <a:schemeClr val="accent1"/>
+          </a:fillRef>
+          <a:effectRef idx="0">
+            <a:schemeClr val="accent1"/>
+          </a:effectRef>
+          <a:fontRef idx="minor">
+            <a:schemeClr val="tx1"/>
+          </a:fontRef>
+        </p:style>
+      </p:cxnSp>
+      <p:cxnSp>
+        <p:nvCxnSpPr>
+          <p:cNvPr id="39" name="直線接點 38"/>
+          <p:cNvCxnSpPr>
+            <a:stCxn id="18" idx="0"/>
+            <a:endCxn id="6" idx="2"/>
+          </p:cNvCxnSpPr>
+          <p:nvPr/>
+        </p:nvCxnSpPr>
+        <p:spPr>
+          <a:xfrm flipH="1" flipV="1">
+            <a:off x="4699359" y="3544326"/>
+            <a:ext cx="1144179" cy="200330"/>
+          </a:xfrm>
+          <a:prstGeom prst="line">
+            <a:avLst/>
+          </a:prstGeom>
+        </p:spPr>
+        <p:style>
+          <a:lnRef idx="1">
+            <a:schemeClr val="accent1"/>
+          </a:lnRef>
+          <a:fillRef idx="0">
+            <a:schemeClr val="accent1"/>
+          </a:fillRef>
+          <a:effectRef idx="0">
+            <a:schemeClr val="accent1"/>
+          </a:effectRef>
+          <a:fontRef idx="minor">
+            <a:schemeClr val="tx1"/>
+          </a:fontRef>
+        </p:style>
+      </p:cxnSp>
+      <p:sp>
+        <p:nvSpPr>
+          <p:cNvPr id="46" name="文字方塊 45"/>
+          <p:cNvSpPr txBox="1"/>
+          <p:nvPr/>
+        </p:nvSpPr>
+        <p:spPr>
+          <a:xfrm>
+            <a:off x="1940011" y="5498757"/>
+            <a:ext cx="184731" cy="369332"/>
+          </a:xfrm>
+          <a:prstGeom prst="rect">
+            <a:avLst/>
+          </a:prstGeom>
+          <a:noFill/>
+        </p:spPr>
+        <p:txBody>
+          <a:bodyPr wrap="none" rtlCol="0">
+            <a:spAutoFit/>
+          </a:bodyPr>
+          <a:lstStyle/>
+          <a:p>
+            <a:endParaRPr lang="zh-TW" altLang="en-US" dirty="0"/>
+          </a:p>
+        </p:txBody>
+      </p:sp>
+      <p:sp>
+        <p:nvSpPr>
+          <p:cNvPr id="47" name="文字方塊 46"/>
+          <p:cNvSpPr txBox="1"/>
+          <p:nvPr/>
+        </p:nvSpPr>
+        <p:spPr>
+          <a:xfrm>
+            <a:off x="654908" y="5622324"/>
+            <a:ext cx="6417141" cy="369332"/>
+          </a:xfrm>
+          <a:prstGeom prst="rect">
+            <a:avLst/>
+          </a:prstGeom>
+          <a:noFill/>
+        </p:spPr>
+        <p:txBody>
+          <a:bodyPr wrap="none" rtlCol="0">
+            <a:spAutoFit/>
+          </a:bodyPr>
+          <a:lstStyle/>
+          <a:p>
+            <a:r>
+              <a:rPr lang="zh-TW" altLang="en-US" dirty="0" smtClean="0"/>
+              <a:t>由分析結果可得知，大部分事故發生的地方以交叉入口為主</a:t>
+            </a:r>
+            <a:endParaRPr lang="zh-TW" altLang="en-US" dirty="0"/>
+          </a:p>
+        </p:txBody>
+      </p:sp>
+      <p:sp>
+        <p:nvSpPr>
+          <p:cNvPr id="57" name="矩形 56"/>
+          <p:cNvSpPr/>
+          <p:nvPr/>
+        </p:nvSpPr>
+        <p:spPr>
+          <a:xfrm>
+            <a:off x="8753039" y="2511162"/>
+            <a:ext cx="1507524" cy="848498"/>
+          </a:xfrm>
+          <a:prstGeom prst="rect">
+            <a:avLst/>
+          </a:prstGeom>
+        </p:spPr>
+        <p:style>
+          <a:lnRef idx="2">
+            <a:schemeClr val="accent1">
+              <a:shade val="50000"/>
+            </a:schemeClr>
+          </a:lnRef>
+          <a:fillRef idx="1">
+            <a:schemeClr val="accent1"/>
+          </a:fillRef>
+          <a:effectRef idx="0">
+            <a:schemeClr val="accent1"/>
+          </a:effectRef>
+          <a:fontRef idx="minor">
+            <a:schemeClr val="lt1"/>
+          </a:fontRef>
+        </p:style>
+        <p:txBody>
+          <a:bodyPr rtlCol="0" anchor="ctr"/>
+          <a:lstStyle/>
+          <a:p>
+            <a:pPr algn="ctr"/>
+            <a:r>
+              <a:rPr lang="zh-TW" altLang="en-US" dirty="0" smtClean="0"/>
+              <a:t>其他</a:t>
+            </a:r>
+            <a:endParaRPr lang="en-US" altLang="zh-TW" dirty="0" smtClean="0"/>
+          </a:p>
+          <a:p>
+            <a:pPr algn="ctr"/>
+            <a:r>
+              <a:rPr lang="en-US" altLang="zh-TW" dirty="0" smtClean="0"/>
+              <a:t>122</a:t>
+            </a:r>
+          </a:p>
+          <a:p>
+            <a:pPr algn="ctr"/>
+            <a:r>
+              <a:rPr lang="en-US" altLang="zh-TW" dirty="0" smtClean="0"/>
+              <a:t>15%</a:t>
+            </a:r>
+            <a:endParaRPr lang="zh-TW" altLang="en-US" dirty="0"/>
+          </a:p>
+        </p:txBody>
+      </p:sp>
+      <p:sp>
+        <p:nvSpPr>
+          <p:cNvPr id="58" name="矩形 57"/>
+          <p:cNvSpPr/>
+          <p:nvPr/>
+        </p:nvSpPr>
+        <p:spPr>
+          <a:xfrm>
+            <a:off x="8306798" y="3740893"/>
+            <a:ext cx="1342768" cy="848498"/>
+          </a:xfrm>
+          <a:prstGeom prst="rect">
+            <a:avLst/>
+          </a:prstGeom>
+        </p:spPr>
+        <p:style>
+          <a:lnRef idx="2">
+            <a:schemeClr val="accent1">
+              <a:shade val="50000"/>
+            </a:schemeClr>
+          </a:lnRef>
+          <a:fillRef idx="1">
+            <a:schemeClr val="accent1"/>
+          </a:fillRef>
+          <a:effectRef idx="0">
+            <a:schemeClr val="accent1"/>
+          </a:effectRef>
+          <a:fontRef idx="minor">
+            <a:schemeClr val="lt1"/>
+          </a:fontRef>
+        </p:style>
+        <p:txBody>
+          <a:bodyPr rtlCol="0" anchor="ctr"/>
+          <a:lstStyle/>
+          <a:p>
+            <a:pPr algn="ctr"/>
+            <a:r>
+              <a:rPr lang="zh-TW" altLang="en-US" dirty="0" smtClean="0"/>
+              <a:t>交叉</a:t>
+            </a:r>
+            <a:r>
+              <a:rPr lang="zh-TW" altLang="en-US" dirty="0"/>
+              <a:t>路</a:t>
+            </a:r>
+            <a:r>
+              <a:rPr lang="zh-TW" altLang="en-US" dirty="0" smtClean="0"/>
+              <a:t>口</a:t>
+            </a:r>
+            <a:r>
+              <a:rPr lang="zh-TW" altLang="en-US" dirty="0"/>
+              <a:t>內</a:t>
+            </a:r>
+            <a:endParaRPr lang="en-US" altLang="zh-TW" dirty="0" smtClean="0"/>
+          </a:p>
+          <a:p>
+            <a:pPr algn="ctr"/>
+            <a:r>
+              <a:rPr lang="en-US" altLang="zh-TW" dirty="0" smtClean="0"/>
+              <a:t>40</a:t>
+            </a:r>
+          </a:p>
+          <a:p>
+            <a:pPr algn="ctr"/>
+            <a:r>
+              <a:rPr lang="en-US" altLang="zh-TW" dirty="0" smtClean="0"/>
+              <a:t>32.79%</a:t>
+            </a:r>
+            <a:endParaRPr lang="zh-TW" altLang="en-US" dirty="0"/>
+          </a:p>
+        </p:txBody>
+      </p:sp>
+      <p:cxnSp>
+        <p:nvCxnSpPr>
+          <p:cNvPr id="59" name="直線接點 58"/>
+          <p:cNvCxnSpPr>
+            <a:stCxn id="5" idx="2"/>
+            <a:endCxn id="57" idx="0"/>
+          </p:cNvCxnSpPr>
+          <p:nvPr/>
+        </p:nvCxnSpPr>
+        <p:spPr>
+          <a:xfrm>
+            <a:off x="7957751" y="1872734"/>
+            <a:ext cx="1549050" cy="638428"/>
+          </a:xfrm>
+          <a:prstGeom prst="line">
+            <a:avLst/>
+          </a:prstGeom>
+        </p:spPr>
+        <p:style>
+          <a:lnRef idx="1">
+            <a:schemeClr val="accent1"/>
+          </a:lnRef>
+          <a:fillRef idx="0">
+            <a:schemeClr val="accent1"/>
+          </a:fillRef>
+          <a:effectRef idx="0">
+            <a:schemeClr val="accent1"/>
+          </a:effectRef>
+          <a:fontRef idx="minor">
+            <a:schemeClr val="tx1"/>
+          </a:fontRef>
+        </p:style>
+      </p:cxnSp>
+      <p:cxnSp>
+        <p:nvCxnSpPr>
+          <p:cNvPr id="60" name="直線接點 59"/>
+          <p:cNvCxnSpPr>
+            <a:stCxn id="57" idx="2"/>
+            <a:endCxn id="58" idx="0"/>
+          </p:cNvCxnSpPr>
+          <p:nvPr/>
+        </p:nvCxnSpPr>
+        <p:spPr>
+          <a:xfrm flipH="1">
+            <a:off x="8978182" y="3359660"/>
+            <a:ext cx="528619" cy="381233"/>
+          </a:xfrm>
+          <a:prstGeom prst="line">
+            <a:avLst/>
+          </a:prstGeom>
+        </p:spPr>
+        <p:style>
+          <a:lnRef idx="1">
+            <a:schemeClr val="accent1"/>
+          </a:lnRef>
+          <a:fillRef idx="0">
+            <a:schemeClr val="accent1"/>
+          </a:fillRef>
+          <a:effectRef idx="0">
+            <a:schemeClr val="accent1"/>
+          </a:effectRef>
+          <a:fontRef idx="minor">
+            <a:schemeClr val="tx1"/>
+          </a:fontRef>
+        </p:style>
+      </p:cxnSp>
+      <p:sp>
+        <p:nvSpPr>
+          <p:cNvPr id="66" name="矩形 65"/>
+          <p:cNvSpPr/>
+          <p:nvPr/>
+        </p:nvSpPr>
+        <p:spPr>
+          <a:xfrm>
+            <a:off x="9696578" y="3736687"/>
+            <a:ext cx="1342768" cy="848498"/>
+          </a:xfrm>
+          <a:prstGeom prst="rect">
+            <a:avLst/>
+          </a:prstGeom>
+        </p:spPr>
+        <p:style>
+          <a:lnRef idx="2">
+            <a:schemeClr val="accent1">
+              <a:shade val="50000"/>
+            </a:schemeClr>
+          </a:lnRef>
+          <a:fillRef idx="1">
+            <a:schemeClr val="accent1"/>
+          </a:fillRef>
+          <a:effectRef idx="0">
+            <a:schemeClr val="accent1"/>
+          </a:effectRef>
+          <a:fontRef idx="minor">
+            <a:schemeClr val="lt1"/>
+          </a:fontRef>
+        </p:style>
+        <p:txBody>
+          <a:bodyPr rtlCol="0" anchor="ctr"/>
+          <a:lstStyle/>
+          <a:p>
+            <a:pPr algn="ctr"/>
+            <a:r>
+              <a:rPr lang="zh-TW" altLang="en-US" dirty="0" smtClean="0"/>
+              <a:t>一般車道</a:t>
+            </a:r>
+            <a:endParaRPr lang="en-US" altLang="zh-TW" dirty="0" smtClean="0"/>
+          </a:p>
+          <a:p>
+            <a:pPr algn="ctr"/>
+            <a:r>
+              <a:rPr lang="en-US" altLang="zh-TW" dirty="0" smtClean="0"/>
+              <a:t>42</a:t>
+            </a:r>
+          </a:p>
+          <a:p>
+            <a:pPr algn="ctr"/>
+            <a:r>
+              <a:rPr lang="en-US" altLang="zh-TW" dirty="0" smtClean="0"/>
+              <a:t>34.43%</a:t>
+            </a:r>
+            <a:endParaRPr lang="zh-TW" altLang="en-US" dirty="0"/>
+          </a:p>
+        </p:txBody>
+      </p:sp>
+      <p:cxnSp>
+        <p:nvCxnSpPr>
+          <p:cNvPr id="68" name="直線接點 67"/>
+          <p:cNvCxnSpPr>
+            <a:stCxn id="66" idx="0"/>
+            <a:endCxn id="57" idx="2"/>
+          </p:cNvCxnSpPr>
+          <p:nvPr/>
+        </p:nvCxnSpPr>
+        <p:spPr>
+          <a:xfrm flipH="1" flipV="1">
+            <a:off x="9506801" y="3359660"/>
+            <a:ext cx="861161" cy="377027"/>
+          </a:xfrm>
+          <a:prstGeom prst="line">
+            <a:avLst/>
+          </a:prstGeom>
+        </p:spPr>
+        <p:style>
+          <a:lnRef idx="1">
+            <a:schemeClr val="accent1"/>
+          </a:lnRef>
+          <a:fillRef idx="0">
+            <a:schemeClr val="accent1"/>
+          </a:fillRef>
+          <a:effectRef idx="0">
+            <a:schemeClr val="accent1"/>
+          </a:effectRef>
+          <a:fontRef idx="minor">
+            <a:schemeClr val="tx1"/>
+          </a:fontRef>
+        </p:style>
+      </p:cxnSp>
+      <p:sp>
+        <p:nvSpPr>
+          <p:cNvPr id="27" name="乘號 26"/>
+          <p:cNvSpPr/>
+          <p:nvPr/>
+        </p:nvSpPr>
+        <p:spPr>
+          <a:xfrm>
+            <a:off x="0" y="0"/>
+            <a:ext cx="12192000" cy="6858000"/>
+          </a:xfrm>
+          <a:prstGeom prst="mathMultiply">
+            <a:avLst>
+              <a:gd name="adj1" fmla="val 3520"/>
+            </a:avLst>
+          </a:prstGeom>
+          <a:solidFill>
+            <a:srgbClr val="FF0000"/>
+          </a:solidFill>
+          <a:ln>
+            <a:solidFill>
+              <a:srgbClr val="FF0000"/>
+            </a:solidFill>
+          </a:ln>
+        </p:spPr>
+        <p:style>
+          <a:lnRef idx="2">
+            <a:schemeClr val="accent1">
+              <a:shade val="50000"/>
+            </a:schemeClr>
+          </a:lnRef>
+          <a:fillRef idx="1">
+            <a:schemeClr val="accent1"/>
+          </a:fillRef>
+          <a:effectRef idx="0">
+            <a:schemeClr val="accent1"/>
+          </a:effectRef>
+          <a:fontRef idx="minor">
+            <a:schemeClr val="lt1"/>
+          </a:fontRef>
+        </p:style>
+        <p:txBody>
+          <a:bodyPr rtlCol="0" anchor="ctr"/>
+          <a:lstStyle/>
+          <a:p>
+            <a:pPr algn="ctr"/>
+            <a:endParaRPr lang="zh-TW" altLang="en-US">
+              <a:solidFill>
+                <a:srgbClr val="FF0000"/>
+              </a:solidFill>
+            </a:endParaRPr>
+          </a:p>
+        </p:txBody>
+      </p:sp>
+    </p:spTree>
+    <p:extLst>
+      <p:ext uri="{BB962C8B-B14F-4D97-AF65-F5344CB8AC3E}">
+        <p14:creationId xmlns:p14="http://schemas.microsoft.com/office/powerpoint/2010/main" val="3279747601"/>
+      </p:ext>
+    </p:extLst>
+  </p:cSld>
+  <p:clrMapOvr>
+    <a:masterClrMapping/>
+  </p:clrMapOvr>
+  <mc:AlternateContent xmlns:mc="http://schemas.openxmlformats.org/markup-compatibility/2006" xmlns:p14="http://schemas.microsoft.com/office/powerpoint/2010/main">
+    <mc:Choice Requires="p14">
+      <p:transition spd="slow" p14:dur="2000"/>
+    </mc:Choice>
+    <mc:Fallback xmlns="">
+      <p:transition spd="slow"/>
+    </mc:Fallback>
+  </mc:AlternateContent>
+</p:sld>
+</file>
+
+<file path=ppt/slides/slide3.xml><?xml version="1.0" encoding="utf-8"?>
+<p:sld xmlns:a="http://schemas.openxmlformats.org/drawingml/2006/main" xmlns:r="http://schemas.openxmlformats.org/officeDocument/2006/relationships" xmlns:p="http://schemas.openxmlformats.org/presentationml/2006/main" show="0">
+  <p:cSld>
+    <p:spTree>
+      <p:nvGrpSpPr>
+        <p:cNvPr id="1" name=""/>
+        <p:cNvGrpSpPr/>
+        <p:nvPr/>
+      </p:nvGrpSpPr>
+      <p:grpSpPr>
+        <a:xfrm>
+          <a:off x="0" y="0"/>
+          <a:ext cx="0" cy="0"/>
+          <a:chOff x="0" y="0"/>
+          <a:chExt cx="0" cy="0"/>
+        </a:xfrm>
+      </p:grpSpPr>
+      <p:sp>
+        <p:nvSpPr>
+          <p:cNvPr id="4" name="文字方塊 3"/>
+          <p:cNvSpPr txBox="1"/>
+          <p:nvPr/>
+        </p:nvSpPr>
+        <p:spPr>
+          <a:xfrm>
+            <a:off x="94734" y="86498"/>
+            <a:ext cx="2031325" cy="369332"/>
+          </a:xfrm>
+          <a:prstGeom prst="rect">
+            <a:avLst/>
+          </a:prstGeom>
+          <a:noFill/>
+        </p:spPr>
+        <p:txBody>
+          <a:bodyPr wrap="none" rtlCol="0">
+            <a:spAutoFit/>
+          </a:bodyPr>
+          <a:lstStyle/>
+          <a:p>
+            <a:r>
+              <a:rPr lang="zh-TW" altLang="en-US" dirty="0" smtClean="0"/>
+              <a:t>分析車與車的事故</a:t>
+            </a:r>
+            <a:endParaRPr lang="zh-TW" altLang="en-US" dirty="0"/>
+          </a:p>
+        </p:txBody>
+      </p:sp>
+      <p:sp>
+        <p:nvSpPr>
+          <p:cNvPr id="5" name="矩形 4"/>
+          <p:cNvSpPr/>
+          <p:nvPr/>
+        </p:nvSpPr>
+        <p:spPr>
+          <a:xfrm>
+            <a:off x="7080421" y="1094258"/>
+            <a:ext cx="1507524" cy="778476"/>
+          </a:xfrm>
+          <a:prstGeom prst="rect">
+            <a:avLst/>
+          </a:prstGeom>
+        </p:spPr>
+        <p:style>
+          <a:lnRef idx="2">
+            <a:schemeClr val="accent1">
+              <a:shade val="50000"/>
+            </a:schemeClr>
+          </a:lnRef>
+          <a:fillRef idx="1">
+            <a:schemeClr val="accent1"/>
+          </a:fillRef>
+          <a:effectRef idx="0">
+            <a:schemeClr val="accent1"/>
+          </a:effectRef>
+          <a:fontRef idx="minor">
+            <a:schemeClr val="lt1"/>
+          </a:fontRef>
+        </p:style>
+        <p:txBody>
+          <a:bodyPr rtlCol="0" anchor="ctr"/>
+          <a:lstStyle/>
+          <a:p>
+            <a:pPr algn="ctr"/>
+            <a:r>
+              <a:rPr lang="zh-TW" altLang="en-US" dirty="0" smtClean="0"/>
+              <a:t>車與車事故</a:t>
+            </a:r>
+            <a:endParaRPr lang="en-US" altLang="zh-TW" dirty="0" smtClean="0"/>
+          </a:p>
+          <a:p>
+            <a:pPr algn="ctr"/>
+            <a:r>
+              <a:rPr lang="en-US" altLang="zh-TW" dirty="0" smtClean="0"/>
+              <a:t>834</a:t>
+            </a:r>
+            <a:endParaRPr lang="zh-TW" altLang="en-US" dirty="0"/>
+          </a:p>
+        </p:txBody>
+      </p:sp>
+      <p:sp>
+        <p:nvSpPr>
+          <p:cNvPr id="6" name="矩形 5"/>
+          <p:cNvSpPr/>
+          <p:nvPr/>
+        </p:nvSpPr>
+        <p:spPr>
+          <a:xfrm>
+            <a:off x="5301049" y="2445263"/>
+            <a:ext cx="1507524" cy="848498"/>
+          </a:xfrm>
+          <a:prstGeom prst="rect">
+            <a:avLst/>
+          </a:prstGeom>
+        </p:spPr>
+        <p:style>
+          <a:lnRef idx="2">
+            <a:schemeClr val="accent1">
+              <a:shade val="50000"/>
+            </a:schemeClr>
+          </a:lnRef>
+          <a:fillRef idx="1">
+            <a:schemeClr val="accent1"/>
+          </a:fillRef>
+          <a:effectRef idx="0">
+            <a:schemeClr val="accent1"/>
+          </a:effectRef>
+          <a:fontRef idx="minor">
+            <a:schemeClr val="lt1"/>
+          </a:fontRef>
+        </p:style>
+        <p:txBody>
+          <a:bodyPr rtlCol="0" anchor="ctr"/>
+          <a:lstStyle/>
+          <a:p>
+            <a:pPr algn="ctr"/>
+            <a:r>
+              <a:rPr lang="zh-TW" altLang="en-US" dirty="0" smtClean="0"/>
+              <a:t>無號誌</a:t>
+            </a:r>
+            <a:endParaRPr lang="en-US" altLang="zh-TW" dirty="0" smtClean="0"/>
+          </a:p>
+          <a:p>
+            <a:pPr algn="ctr"/>
+            <a:r>
+              <a:rPr lang="en-US" altLang="zh-TW" dirty="0" smtClean="0"/>
+              <a:t>474</a:t>
+            </a:r>
+          </a:p>
+          <a:p>
+            <a:pPr algn="ctr"/>
+            <a:r>
+              <a:rPr lang="en-US" altLang="zh-TW" dirty="0" smtClean="0"/>
+              <a:t>57%</a:t>
+            </a:r>
+            <a:endParaRPr lang="zh-TW" altLang="en-US" dirty="0"/>
+          </a:p>
+        </p:txBody>
+      </p:sp>
+      <p:sp>
+        <p:nvSpPr>
+          <p:cNvPr id="7" name="矩形 6"/>
+          <p:cNvSpPr/>
+          <p:nvPr/>
+        </p:nvSpPr>
+        <p:spPr>
+          <a:xfrm>
+            <a:off x="8850168" y="2445263"/>
+            <a:ext cx="1665431" cy="848498"/>
+          </a:xfrm>
+          <a:prstGeom prst="rect">
+            <a:avLst/>
+          </a:prstGeom>
+        </p:spPr>
+        <p:style>
+          <a:lnRef idx="2">
+            <a:schemeClr val="accent1">
+              <a:shade val="50000"/>
+            </a:schemeClr>
+          </a:lnRef>
+          <a:fillRef idx="1">
+            <a:schemeClr val="accent1"/>
+          </a:fillRef>
+          <a:effectRef idx="0">
+            <a:schemeClr val="accent1"/>
+          </a:effectRef>
+          <a:fontRef idx="minor">
+            <a:schemeClr val="lt1"/>
+          </a:fontRef>
+        </p:style>
+        <p:txBody>
+          <a:bodyPr rtlCol="0" anchor="ctr"/>
+          <a:lstStyle/>
+          <a:p>
+            <a:pPr algn="ctr"/>
+            <a:r>
+              <a:rPr lang="zh-TW" altLang="en-US" dirty="0" smtClean="0"/>
+              <a:t>行車管制號誌</a:t>
+            </a:r>
+            <a:r>
+              <a:rPr lang="en-US" altLang="zh-TW" dirty="0" smtClean="0"/>
+              <a:t>235</a:t>
+            </a:r>
+          </a:p>
+          <a:p>
+            <a:pPr algn="ctr"/>
+            <a:r>
+              <a:rPr lang="en-US" altLang="zh-TW" dirty="0" smtClean="0"/>
+              <a:t>28%</a:t>
+            </a:r>
+            <a:endParaRPr lang="zh-TW" altLang="en-US" dirty="0"/>
+          </a:p>
+        </p:txBody>
+      </p:sp>
+      <p:sp>
+        <p:nvSpPr>
+          <p:cNvPr id="10" name="矩形 9"/>
+          <p:cNvSpPr/>
+          <p:nvPr/>
+        </p:nvSpPr>
+        <p:spPr>
+          <a:xfrm>
+            <a:off x="-1" y="1298830"/>
+            <a:ext cx="2954655" cy="369332"/>
+          </a:xfrm>
+          <a:prstGeom prst="rect">
+            <a:avLst/>
+          </a:prstGeom>
+        </p:spPr>
+        <p:txBody>
+          <a:bodyPr wrap="none">
+            <a:spAutoFit/>
+          </a:bodyPr>
+          <a:lstStyle/>
+          <a:p>
+            <a:r>
+              <a:rPr lang="zh-TW" altLang="en-US" dirty="0" smtClean="0"/>
+              <a:t>事故類型及型態大類別名稱</a:t>
+            </a:r>
+            <a:endParaRPr lang="zh-TW" altLang="en-US" dirty="0"/>
+          </a:p>
+        </p:txBody>
+      </p:sp>
+      <p:sp>
+        <p:nvSpPr>
+          <p:cNvPr id="13" name="矩形 12"/>
+          <p:cNvSpPr/>
+          <p:nvPr/>
+        </p:nvSpPr>
+        <p:spPr>
+          <a:xfrm>
+            <a:off x="59467" y="2680040"/>
+            <a:ext cx="2101857" cy="369332"/>
+          </a:xfrm>
+          <a:prstGeom prst="rect">
+            <a:avLst/>
+          </a:prstGeom>
+        </p:spPr>
+        <p:txBody>
+          <a:bodyPr wrap="none">
+            <a:spAutoFit/>
+          </a:bodyPr>
+          <a:lstStyle/>
+          <a:p>
+            <a:r>
+              <a:rPr lang="zh-TW" altLang="en-US" dirty="0" smtClean="0"/>
+              <a:t>號誌</a:t>
+            </a:r>
+            <a:r>
+              <a:rPr lang="en-US" altLang="zh-TW" dirty="0" smtClean="0"/>
+              <a:t>-</a:t>
+            </a:r>
+            <a:r>
+              <a:rPr lang="zh-TW" altLang="en-US" dirty="0" smtClean="0"/>
+              <a:t>號誌種類名稱</a:t>
+            </a:r>
+            <a:endParaRPr lang="zh-TW" altLang="en-US" dirty="0"/>
+          </a:p>
+        </p:txBody>
+      </p:sp>
+      <p:sp>
+        <p:nvSpPr>
+          <p:cNvPr id="2" name="矩形 1"/>
+          <p:cNvSpPr/>
+          <p:nvPr/>
+        </p:nvSpPr>
+        <p:spPr>
+          <a:xfrm>
+            <a:off x="94734" y="4430582"/>
+            <a:ext cx="2794355" cy="369332"/>
+          </a:xfrm>
+          <a:prstGeom prst="rect">
+            <a:avLst/>
+          </a:prstGeom>
+        </p:spPr>
+        <p:txBody>
+          <a:bodyPr wrap="none">
+            <a:spAutoFit/>
+          </a:bodyPr>
+          <a:lstStyle/>
+          <a:p>
+            <a:r>
+              <a:rPr lang="zh-TW" altLang="en-US" dirty="0" smtClean="0"/>
+              <a:t>肇因研判子類別名稱-主要</a:t>
+            </a:r>
+            <a:endParaRPr lang="zh-TW" altLang="en-US" dirty="0"/>
+          </a:p>
+        </p:txBody>
+      </p:sp>
+      <p:sp>
+        <p:nvSpPr>
+          <p:cNvPr id="15" name="矩形 14"/>
+          <p:cNvSpPr/>
+          <p:nvPr/>
+        </p:nvSpPr>
+        <p:spPr>
+          <a:xfrm>
+            <a:off x="3884139" y="4104502"/>
+            <a:ext cx="1651687" cy="848498"/>
+          </a:xfrm>
+          <a:prstGeom prst="rect">
+            <a:avLst/>
+          </a:prstGeom>
+        </p:spPr>
+        <p:style>
+          <a:lnRef idx="2">
+            <a:schemeClr val="accent1">
+              <a:shade val="50000"/>
+            </a:schemeClr>
+          </a:lnRef>
+          <a:fillRef idx="1">
+            <a:schemeClr val="accent1"/>
+          </a:fillRef>
+          <a:effectRef idx="0">
+            <a:schemeClr val="accent1"/>
+          </a:effectRef>
+          <a:fontRef idx="minor">
+            <a:schemeClr val="lt1"/>
+          </a:fontRef>
+        </p:style>
+        <p:txBody>
+          <a:bodyPr rtlCol="0" anchor="ctr"/>
+          <a:lstStyle/>
+          <a:p>
+            <a:pPr algn="ctr"/>
+            <a:r>
+              <a:rPr lang="zh-TW" altLang="en-US" dirty="0" smtClean="0"/>
+              <a:t>未依規定讓車</a:t>
+            </a:r>
+            <a:endParaRPr lang="en-US" altLang="zh-TW" dirty="0" smtClean="0"/>
+          </a:p>
+          <a:p>
+            <a:pPr algn="ctr"/>
+            <a:r>
+              <a:rPr lang="en-US" altLang="zh-TW" dirty="0" smtClean="0"/>
+              <a:t>111</a:t>
+            </a:r>
+          </a:p>
+          <a:p>
+            <a:pPr algn="ctr"/>
+            <a:r>
+              <a:rPr lang="en-US" altLang="zh-TW" dirty="0" smtClean="0"/>
+              <a:t>23.42%</a:t>
+            </a:r>
+            <a:endParaRPr lang="zh-TW" altLang="en-US" dirty="0"/>
+          </a:p>
+        </p:txBody>
+      </p:sp>
+      <p:sp>
+        <p:nvSpPr>
+          <p:cNvPr id="20" name="矩形 19"/>
+          <p:cNvSpPr/>
+          <p:nvPr/>
+        </p:nvSpPr>
+        <p:spPr>
+          <a:xfrm>
+            <a:off x="5634681" y="4104502"/>
+            <a:ext cx="1865870" cy="848498"/>
+          </a:xfrm>
+          <a:prstGeom prst="rect">
+            <a:avLst/>
+          </a:prstGeom>
+        </p:spPr>
+        <p:style>
+          <a:lnRef idx="2">
+            <a:schemeClr val="accent1">
+              <a:shade val="50000"/>
+            </a:schemeClr>
+          </a:lnRef>
+          <a:fillRef idx="1">
+            <a:schemeClr val="accent1"/>
+          </a:fillRef>
+          <a:effectRef idx="0">
+            <a:schemeClr val="accent1"/>
+          </a:effectRef>
+          <a:fontRef idx="minor">
+            <a:schemeClr val="lt1"/>
+          </a:fontRef>
+        </p:style>
+        <p:txBody>
+          <a:bodyPr rtlCol="0" anchor="ctr"/>
+          <a:lstStyle/>
+          <a:p>
+            <a:pPr algn="ctr"/>
+            <a:r>
+              <a:rPr lang="zh-TW" altLang="en-US" dirty="0" smtClean="0"/>
+              <a:t>未注意車前狀態</a:t>
+            </a:r>
+            <a:endParaRPr lang="en-US" altLang="zh-TW" dirty="0" smtClean="0"/>
+          </a:p>
+          <a:p>
+            <a:pPr algn="ctr"/>
+            <a:r>
+              <a:rPr lang="en-US" altLang="zh-TW" dirty="0" smtClean="0"/>
+              <a:t>93</a:t>
+            </a:r>
+          </a:p>
+          <a:p>
+            <a:pPr algn="ctr"/>
+            <a:r>
+              <a:rPr lang="en-US" altLang="zh-TW" dirty="0" smtClean="0"/>
+              <a:t>16.62%</a:t>
+            </a:r>
+            <a:endParaRPr lang="zh-TW" altLang="en-US" dirty="0"/>
+          </a:p>
+        </p:txBody>
+      </p:sp>
+      <p:sp>
+        <p:nvSpPr>
+          <p:cNvPr id="21" name="矩形 20"/>
+          <p:cNvSpPr/>
+          <p:nvPr/>
+        </p:nvSpPr>
+        <p:spPr>
+          <a:xfrm>
+            <a:off x="7705467" y="4104502"/>
+            <a:ext cx="2292179" cy="848498"/>
+          </a:xfrm>
+          <a:prstGeom prst="rect">
+            <a:avLst/>
+          </a:prstGeom>
+        </p:spPr>
+        <p:style>
+          <a:lnRef idx="2">
+            <a:schemeClr val="accent1">
+              <a:shade val="50000"/>
+            </a:schemeClr>
+          </a:lnRef>
+          <a:fillRef idx="1">
+            <a:schemeClr val="accent1"/>
+          </a:fillRef>
+          <a:effectRef idx="0">
+            <a:schemeClr val="accent1"/>
+          </a:effectRef>
+          <a:fontRef idx="minor">
+            <a:schemeClr val="lt1"/>
+          </a:fontRef>
+        </p:style>
+        <p:txBody>
+          <a:bodyPr rtlCol="0" anchor="ctr"/>
+          <a:lstStyle/>
+          <a:p>
+            <a:pPr algn="ctr"/>
+            <a:r>
+              <a:rPr lang="zh-TW" altLang="en-US" dirty="0" smtClean="0"/>
+              <a:t>違反號誌管制或指揮</a:t>
+            </a:r>
+            <a:r>
+              <a:rPr lang="en-US" altLang="zh-TW" dirty="0" smtClean="0"/>
+              <a:t>73</a:t>
+            </a:r>
+          </a:p>
+          <a:p>
+            <a:pPr algn="ctr"/>
+            <a:r>
+              <a:rPr lang="en-US" altLang="zh-TW" dirty="0" smtClean="0"/>
+              <a:t>31.06%</a:t>
+            </a:r>
+            <a:endParaRPr lang="zh-TW" altLang="en-US" dirty="0"/>
+          </a:p>
+        </p:txBody>
+      </p:sp>
+      <p:sp>
+        <p:nvSpPr>
+          <p:cNvPr id="22" name="矩形 21"/>
+          <p:cNvSpPr/>
+          <p:nvPr/>
+        </p:nvSpPr>
+        <p:spPr>
+          <a:xfrm>
+            <a:off x="10202562" y="4104502"/>
+            <a:ext cx="1635211" cy="848498"/>
+          </a:xfrm>
+          <a:prstGeom prst="rect">
+            <a:avLst/>
+          </a:prstGeom>
+        </p:spPr>
+        <p:style>
+          <a:lnRef idx="2">
+            <a:schemeClr val="accent1">
+              <a:shade val="50000"/>
+            </a:schemeClr>
+          </a:lnRef>
+          <a:fillRef idx="1">
+            <a:schemeClr val="accent1"/>
+          </a:fillRef>
+          <a:effectRef idx="0">
+            <a:schemeClr val="accent1"/>
+          </a:effectRef>
+          <a:fontRef idx="minor">
+            <a:schemeClr val="lt1"/>
+          </a:fontRef>
+        </p:style>
+        <p:txBody>
+          <a:bodyPr rtlCol="0" anchor="ctr"/>
+          <a:lstStyle/>
+          <a:p>
+            <a:r>
+              <a:rPr lang="zh-TW" altLang="en-US" dirty="0" smtClean="0"/>
+              <a:t>未依規定讓車</a:t>
+            </a:r>
+          </a:p>
+          <a:p>
+            <a:pPr algn="ctr"/>
+            <a:r>
+              <a:rPr lang="en-US" altLang="zh-TW" dirty="0"/>
+              <a:t>5</a:t>
+            </a:r>
+            <a:r>
+              <a:rPr lang="en-US" altLang="zh-TW" dirty="0" smtClean="0"/>
+              <a:t>3</a:t>
+            </a:r>
+          </a:p>
+          <a:p>
+            <a:pPr algn="ctr"/>
+            <a:r>
+              <a:rPr lang="en-US" altLang="zh-TW" dirty="0" smtClean="0"/>
+              <a:t>22.55%</a:t>
+            </a:r>
+            <a:endParaRPr lang="zh-TW" altLang="en-US" dirty="0"/>
+          </a:p>
+        </p:txBody>
+      </p:sp>
+      <p:cxnSp>
+        <p:nvCxnSpPr>
+          <p:cNvPr id="9" name="直線接點 8"/>
+          <p:cNvCxnSpPr>
+            <a:stCxn id="5" idx="2"/>
+            <a:endCxn id="6" idx="0"/>
+          </p:cNvCxnSpPr>
+          <p:nvPr/>
+        </p:nvCxnSpPr>
+        <p:spPr>
+          <a:xfrm flipH="1">
+            <a:off x="6054811" y="1872734"/>
+            <a:ext cx="1779372" cy="572529"/>
+          </a:xfrm>
+          <a:prstGeom prst="line">
+            <a:avLst/>
+          </a:prstGeom>
+        </p:spPr>
+        <p:style>
+          <a:lnRef idx="1">
+            <a:schemeClr val="accent1"/>
+          </a:lnRef>
+          <a:fillRef idx="0">
+            <a:schemeClr val="accent1"/>
+          </a:fillRef>
+          <a:effectRef idx="0">
+            <a:schemeClr val="accent1"/>
+          </a:effectRef>
+          <a:fontRef idx="minor">
+            <a:schemeClr val="tx1"/>
+          </a:fontRef>
+        </p:style>
+      </p:cxnSp>
+      <p:cxnSp>
+        <p:nvCxnSpPr>
+          <p:cNvPr id="23" name="直線接點 22"/>
+          <p:cNvCxnSpPr>
+            <a:stCxn id="5" idx="2"/>
+            <a:endCxn id="7" idx="0"/>
+          </p:cNvCxnSpPr>
+          <p:nvPr/>
+        </p:nvCxnSpPr>
+        <p:spPr>
+          <a:xfrm>
+            <a:off x="7834183" y="1872734"/>
+            <a:ext cx="1848701" cy="572529"/>
+          </a:xfrm>
+          <a:prstGeom prst="line">
+            <a:avLst/>
+          </a:prstGeom>
+        </p:spPr>
+        <p:style>
+          <a:lnRef idx="1">
+            <a:schemeClr val="accent1"/>
+          </a:lnRef>
+          <a:fillRef idx="0">
+            <a:schemeClr val="accent1"/>
+          </a:fillRef>
+          <a:effectRef idx="0">
+            <a:schemeClr val="accent1"/>
+          </a:effectRef>
+          <a:fontRef idx="minor">
+            <a:schemeClr val="tx1"/>
+          </a:fontRef>
+        </p:style>
+      </p:cxnSp>
+      <p:cxnSp>
+        <p:nvCxnSpPr>
+          <p:cNvPr id="25" name="直線接點 24"/>
+          <p:cNvCxnSpPr>
+            <a:stCxn id="6" idx="2"/>
+            <a:endCxn id="15" idx="0"/>
+          </p:cNvCxnSpPr>
+          <p:nvPr/>
+        </p:nvCxnSpPr>
+        <p:spPr>
+          <a:xfrm flipH="1">
+            <a:off x="4709983" y="3293761"/>
+            <a:ext cx="1344828" cy="810741"/>
+          </a:xfrm>
+          <a:prstGeom prst="line">
+            <a:avLst/>
+          </a:prstGeom>
+        </p:spPr>
+        <p:style>
+          <a:lnRef idx="1">
+            <a:schemeClr val="accent1"/>
+          </a:lnRef>
+          <a:fillRef idx="0">
+            <a:schemeClr val="accent1"/>
+          </a:fillRef>
+          <a:effectRef idx="0">
+            <a:schemeClr val="accent1"/>
+          </a:effectRef>
+          <a:fontRef idx="minor">
+            <a:schemeClr val="tx1"/>
+          </a:fontRef>
+        </p:style>
+      </p:cxnSp>
+      <p:cxnSp>
+        <p:nvCxnSpPr>
+          <p:cNvPr id="27" name="直線接點 26"/>
+          <p:cNvCxnSpPr>
+            <a:stCxn id="6" idx="2"/>
+            <a:endCxn id="20" idx="0"/>
+          </p:cNvCxnSpPr>
+          <p:nvPr/>
+        </p:nvCxnSpPr>
+        <p:spPr>
+          <a:xfrm>
+            <a:off x="6054811" y="3293761"/>
+            <a:ext cx="512805" cy="810741"/>
+          </a:xfrm>
+          <a:prstGeom prst="line">
+            <a:avLst/>
+          </a:prstGeom>
+        </p:spPr>
+        <p:style>
+          <a:lnRef idx="1">
+            <a:schemeClr val="accent1"/>
+          </a:lnRef>
+          <a:fillRef idx="0">
+            <a:schemeClr val="accent1"/>
+          </a:fillRef>
+          <a:effectRef idx="0">
+            <a:schemeClr val="accent1"/>
+          </a:effectRef>
+          <a:fontRef idx="minor">
+            <a:schemeClr val="tx1"/>
+          </a:fontRef>
+        </p:style>
+      </p:cxnSp>
+      <p:cxnSp>
+        <p:nvCxnSpPr>
+          <p:cNvPr id="29" name="直線接點 28"/>
+          <p:cNvCxnSpPr>
+            <a:stCxn id="7" idx="2"/>
+            <a:endCxn id="21" idx="0"/>
+          </p:cNvCxnSpPr>
+          <p:nvPr/>
+        </p:nvCxnSpPr>
+        <p:spPr>
+          <a:xfrm flipH="1">
+            <a:off x="8851557" y="3293761"/>
+            <a:ext cx="831327" cy="810741"/>
+          </a:xfrm>
+          <a:prstGeom prst="line">
+            <a:avLst/>
+          </a:prstGeom>
+        </p:spPr>
+        <p:style>
+          <a:lnRef idx="1">
+            <a:schemeClr val="accent1"/>
+          </a:lnRef>
+          <a:fillRef idx="0">
+            <a:schemeClr val="accent1"/>
+          </a:fillRef>
+          <a:effectRef idx="0">
+            <a:schemeClr val="accent1"/>
+          </a:effectRef>
+          <a:fontRef idx="minor">
+            <a:schemeClr val="tx1"/>
+          </a:fontRef>
+        </p:style>
+      </p:cxnSp>
+      <p:cxnSp>
+        <p:nvCxnSpPr>
+          <p:cNvPr id="31" name="直線接點 30"/>
+          <p:cNvCxnSpPr>
+            <a:stCxn id="7" idx="2"/>
+            <a:endCxn id="22" idx="0"/>
+          </p:cNvCxnSpPr>
+          <p:nvPr/>
+        </p:nvCxnSpPr>
+        <p:spPr>
+          <a:xfrm>
+            <a:off x="9682884" y="3293761"/>
+            <a:ext cx="1337284" cy="810741"/>
+          </a:xfrm>
+          <a:prstGeom prst="line">
+            <a:avLst/>
+          </a:prstGeom>
+        </p:spPr>
+        <p:style>
+          <a:lnRef idx="1">
+            <a:schemeClr val="accent1"/>
+          </a:lnRef>
+          <a:fillRef idx="0">
+            <a:schemeClr val="accent1"/>
+          </a:fillRef>
+          <a:effectRef idx="0">
+            <a:schemeClr val="accent1"/>
+          </a:effectRef>
+          <a:fontRef idx="minor">
+            <a:schemeClr val="tx1"/>
+          </a:fontRef>
+        </p:style>
+      </p:cxnSp>
+      <p:sp>
+        <p:nvSpPr>
+          <p:cNvPr id="19" name="乘號 18"/>
+          <p:cNvSpPr/>
+          <p:nvPr/>
+        </p:nvSpPr>
+        <p:spPr>
+          <a:xfrm>
+            <a:off x="0" y="0"/>
+            <a:ext cx="12192000" cy="6858000"/>
+          </a:xfrm>
+          <a:prstGeom prst="mathMultiply">
+            <a:avLst>
+              <a:gd name="adj1" fmla="val 3520"/>
+            </a:avLst>
+          </a:prstGeom>
+          <a:solidFill>
+            <a:srgbClr val="FF0000"/>
+          </a:solidFill>
+          <a:ln>
+            <a:solidFill>
+              <a:srgbClr val="FF0000"/>
+            </a:solidFill>
+          </a:ln>
+        </p:spPr>
+        <p:style>
+          <a:lnRef idx="2">
+            <a:schemeClr val="accent1">
+              <a:shade val="50000"/>
+            </a:schemeClr>
+          </a:lnRef>
+          <a:fillRef idx="1">
+            <a:schemeClr val="accent1"/>
+          </a:fillRef>
+          <a:effectRef idx="0">
+            <a:schemeClr val="accent1"/>
+          </a:effectRef>
+          <a:fontRef idx="minor">
+            <a:schemeClr val="lt1"/>
+          </a:fontRef>
+        </p:style>
+        <p:txBody>
+          <a:bodyPr rtlCol="0" anchor="ctr"/>
+          <a:lstStyle/>
+          <a:p>
+            <a:pPr algn="ctr"/>
+            <a:endParaRPr lang="zh-TW" altLang="en-US">
+              <a:solidFill>
+                <a:srgbClr val="FF0000"/>
+              </a:solidFill>
+            </a:endParaRPr>
+          </a:p>
+        </p:txBody>
+      </p:sp>
+    </p:spTree>
+    <p:extLst>
+      <p:ext uri="{BB962C8B-B14F-4D97-AF65-F5344CB8AC3E}">
+        <p14:creationId xmlns:p14="http://schemas.microsoft.com/office/powerpoint/2010/main" val="3620387885"/>
+      </p:ext>
+    </p:extLst>
+  </p:cSld>
+  <p:clrMapOvr>
+    <a:masterClrMapping/>
+  </p:clrMapOvr>
+  <mc:AlternateContent xmlns:mc="http://schemas.openxmlformats.org/markup-compatibility/2006" xmlns:p14="http://schemas.microsoft.com/office/powerpoint/2010/main">
+    <mc:Choice Requires="p14">
+      <p:transition spd="slow" p14:dur="2000"/>
+    </mc:Choice>
+    <mc:Fallback xmlns="">
+      <p:transition spd="slow"/>
+    </mc:Fallback>
+  </mc:AlternateContent>
+</p:sld>
+</file>
+
+<file path=ppt/slides/slide4.xml><?xml version="1.0" encoding="utf-8"?>
 <p:sld xmlns:a="http://schemas.openxmlformats.org/drawingml/2006/main" xmlns:r="http://schemas.openxmlformats.org/officeDocument/2006/relationships" xmlns:p="http://schemas.openxmlformats.org/presentationml/2006/main">
   <p:cSld>
     <p:spTree>
@@ -2968,86 +5154,24 @@
       </p:grpSpPr>
       <p:sp>
         <p:nvSpPr>
-          <p:cNvPr id="6" name="矩形 5"/>
-          <p:cNvSpPr/>
-          <p:nvPr/>
-        </p:nvSpPr>
-        <p:spPr>
-          <a:xfrm>
-            <a:off x="329512" y="562399"/>
-            <a:ext cx="8826843" cy="1754326"/>
-          </a:xfrm>
-          <a:prstGeom prst="rect">
-            <a:avLst/>
-          </a:prstGeom>
-        </p:spPr>
-        <p:txBody>
-          <a:bodyPr wrap="square">
-            <a:spAutoFit/>
-          </a:bodyPr>
-          <a:lstStyle/>
-          <a:p>
-            <a:pPr>
-              <a:lnSpc>
-                <a:spcPct val="150000"/>
-              </a:lnSpc>
-            </a:pPr>
-            <a:r>
-              <a:rPr lang="zh-TW" altLang="en-US" dirty="0" smtClean="0"/>
-              <a:t>事故類型及型態大類別名稱  車與車  834  57.99999999999999%</a:t>
-            </a:r>
-          </a:p>
-          <a:p>
-            <a:pPr>
-              <a:lnSpc>
-                <a:spcPct val="150000"/>
-              </a:lnSpc>
-            </a:pPr>
-            <a:r>
-              <a:rPr lang="zh-TW" altLang="en-US" dirty="0" smtClean="0"/>
-              <a:t>事故類型及型態大類別名稱  汽(機)車本身  417  28.999999999999996%</a:t>
-            </a:r>
-          </a:p>
-          <a:p>
-            <a:pPr>
-              <a:lnSpc>
-                <a:spcPct val="150000"/>
-              </a:lnSpc>
-            </a:pPr>
-            <a:r>
-              <a:rPr lang="zh-TW" altLang="en-US" dirty="0" smtClean="0"/>
-              <a:t>事故類型及型態大類別名稱  人與汽(機)車  188  13.0%</a:t>
-            </a:r>
-          </a:p>
-          <a:p>
-            <a:pPr>
-              <a:lnSpc>
-                <a:spcPct val="150000"/>
-              </a:lnSpc>
-            </a:pPr>
-            <a:r>
-              <a:rPr lang="zh-TW" altLang="en-US" dirty="0" smtClean="0"/>
-              <a:t>事故類型及型態大類別名稱  平交道事故  1  0.0%</a:t>
-            </a:r>
-            <a:endParaRPr lang="zh-TW" altLang="en-US" dirty="0"/>
-          </a:p>
-        </p:txBody>
-      </p:sp>
-      <p:sp>
-        <p:nvSpPr>
-          <p:cNvPr id="7" name="文字方塊 6"/>
+          <p:cNvPr id="4" name="文字方塊 3"/>
           <p:cNvSpPr txBox="1"/>
           <p:nvPr/>
         </p:nvSpPr>
         <p:spPr>
           <a:xfrm>
-            <a:off x="329512" y="3113903"/>
-            <a:ext cx="4801314" cy="369332"/>
+            <a:off x="0" y="0"/>
+            <a:ext cx="1210588" cy="400110"/>
           </a:xfrm>
           <a:prstGeom prst="rect">
             <a:avLst/>
           </a:prstGeom>
           <a:noFill/>
+          <a:ln>
+            <a:solidFill>
+              <a:schemeClr val="tx2"/>
+            </a:solidFill>
+          </a:ln>
         </p:spPr>
         <p:txBody>
           <a:bodyPr wrap="none" rtlCol="0">
@@ -3056,17 +5180,699 @@
           <a:lstStyle/>
           <a:p>
             <a:r>
-              <a:rPr lang="zh-TW" altLang="en-US" dirty="0" smtClean="0"/>
-              <a:t>車與車的事故是最多的，著重於車與車的事故</a:t>
-            </a:r>
-            <a:endParaRPr lang="zh-TW" altLang="en-US" dirty="0"/>
+              <a:rPr lang="zh-TW" altLang="en-US" sz="2000" dirty="0" smtClean="0"/>
+              <a:t>欄位名稱</a:t>
+            </a:r>
+            <a:endParaRPr lang="zh-TW" altLang="en-US" sz="2000" dirty="0"/>
+          </a:p>
+        </p:txBody>
+      </p:sp>
+      <p:sp>
+        <p:nvSpPr>
+          <p:cNvPr id="5" name="文字方塊 4"/>
+          <p:cNvSpPr txBox="1"/>
+          <p:nvPr/>
+        </p:nvSpPr>
+        <p:spPr>
+          <a:xfrm>
+            <a:off x="364126" y="761709"/>
+            <a:ext cx="4650617" cy="3970318"/>
+          </a:xfrm>
+          <a:prstGeom prst="rect">
+            <a:avLst/>
+          </a:prstGeom>
+          <a:noFill/>
+        </p:spPr>
+        <p:txBody>
+          <a:bodyPr wrap="square" rtlCol="0">
+            <a:spAutoFit/>
+          </a:bodyPr>
+          <a:lstStyle/>
+          <a:p>
+            <a:pPr marL="285750" indent="-285750">
+              <a:buFont typeface="Arial" panose="020B0604020202020204" pitchFamily="34" charset="0"/>
+              <a:buChar char="•"/>
+            </a:pPr>
+            <a:r>
+              <a:rPr lang="zh-TW" altLang="en-US" b="1" dirty="0"/>
+              <a:t>日期與時間</a:t>
+            </a:r>
+            <a:endParaRPr lang="en-US" altLang="zh-TW" b="1" dirty="0" smtClean="0"/>
+          </a:p>
+          <a:p>
+            <a:pPr marL="742950" lvl="1" indent="-285750">
+              <a:buFont typeface="Arial" panose="020B0604020202020204" pitchFamily="34" charset="0"/>
+              <a:buChar char="•"/>
+            </a:pPr>
+            <a:r>
+              <a:rPr lang="zh-TW" altLang="en-US" dirty="0"/>
+              <a:t>發生</a:t>
+            </a:r>
+            <a:r>
+              <a:rPr lang="zh-TW" altLang="en-US" dirty="0" smtClean="0"/>
+              <a:t>年度</a:t>
+            </a:r>
+            <a:endParaRPr lang="en-US" altLang="zh-TW" dirty="0" smtClean="0"/>
+          </a:p>
+          <a:p>
+            <a:pPr marL="742950" lvl="1" indent="-285750">
+              <a:buFont typeface="Arial" panose="020B0604020202020204" pitchFamily="34" charset="0"/>
+              <a:buChar char="•"/>
+            </a:pPr>
+            <a:r>
+              <a:rPr lang="zh-TW" altLang="en-US" dirty="0"/>
+              <a:t>發生</a:t>
+            </a:r>
+            <a:r>
+              <a:rPr lang="zh-TW" altLang="en-US" dirty="0" smtClean="0"/>
+              <a:t>月份</a:t>
+            </a:r>
+            <a:endParaRPr lang="en-US" altLang="zh-TW" dirty="0" smtClean="0"/>
+          </a:p>
+          <a:p>
+            <a:pPr marL="742950" lvl="1" indent="-285750">
+              <a:buFont typeface="Arial" panose="020B0604020202020204" pitchFamily="34" charset="0"/>
+              <a:buChar char="•"/>
+            </a:pPr>
+            <a:r>
+              <a:rPr lang="zh-TW" altLang="en-US" dirty="0"/>
+              <a:t>發生</a:t>
+            </a:r>
+            <a:r>
+              <a:rPr lang="zh-TW" altLang="en-US" dirty="0" smtClean="0"/>
+              <a:t>日期</a:t>
+            </a:r>
+            <a:endParaRPr lang="en-US" altLang="zh-TW" dirty="0" smtClean="0"/>
+          </a:p>
+          <a:p>
+            <a:pPr marL="742950" lvl="1" indent="-285750">
+              <a:buFont typeface="Arial" panose="020B0604020202020204" pitchFamily="34" charset="0"/>
+              <a:buChar char="•"/>
+            </a:pPr>
+            <a:r>
+              <a:rPr lang="zh-TW" altLang="en-US" dirty="0"/>
+              <a:t>發生</a:t>
+            </a:r>
+            <a:r>
+              <a:rPr lang="zh-TW" altLang="en-US" dirty="0" smtClean="0"/>
+              <a:t>時間</a:t>
+            </a:r>
+            <a:endParaRPr lang="en-US" altLang="zh-TW" dirty="0"/>
+          </a:p>
+          <a:p>
+            <a:pPr marL="285750" indent="-285750">
+              <a:buFont typeface="Arial" panose="020B0604020202020204" pitchFamily="34" charset="0"/>
+              <a:buChar char="•"/>
+            </a:pPr>
+            <a:r>
+              <a:rPr lang="zh-TW" altLang="en-US" dirty="0" smtClean="0"/>
+              <a:t>事故類別名稱</a:t>
+            </a:r>
+            <a:endParaRPr lang="en-US" altLang="zh-TW" dirty="0" smtClean="0"/>
+          </a:p>
+          <a:p>
+            <a:pPr marL="285750" indent="-285750">
+              <a:buFont typeface="Arial" panose="020B0604020202020204" pitchFamily="34" charset="0"/>
+              <a:buChar char="•"/>
+            </a:pPr>
+            <a:r>
+              <a:rPr lang="zh-TW" altLang="en-US" dirty="0"/>
+              <a:t>處理</a:t>
+            </a:r>
+            <a:r>
+              <a:rPr lang="zh-TW" altLang="en-US" dirty="0" smtClean="0"/>
+              <a:t>單位名稱警局層</a:t>
+            </a:r>
+            <a:endParaRPr lang="en-US" altLang="zh-TW" dirty="0" smtClean="0"/>
+          </a:p>
+          <a:p>
+            <a:pPr marL="285750" indent="-285750">
+              <a:buFont typeface="Arial" panose="020B0604020202020204" pitchFamily="34" charset="0"/>
+              <a:buChar char="•"/>
+            </a:pPr>
+            <a:r>
+              <a:rPr lang="zh-TW" altLang="en-US" dirty="0"/>
+              <a:t>發生</a:t>
+            </a:r>
+            <a:r>
+              <a:rPr lang="zh-TW" altLang="en-US" dirty="0" smtClean="0"/>
+              <a:t>地點</a:t>
+            </a:r>
+            <a:endParaRPr lang="en-US" altLang="zh-TW" dirty="0" smtClean="0"/>
+          </a:p>
+          <a:p>
+            <a:pPr marL="285750" indent="-285750">
+              <a:buFont typeface="Arial" panose="020B0604020202020204" pitchFamily="34" charset="0"/>
+              <a:buChar char="•"/>
+            </a:pPr>
+            <a:r>
+              <a:rPr lang="zh-TW" altLang="en-US" b="1" dirty="0" smtClean="0"/>
+              <a:t>環境</a:t>
+            </a:r>
+            <a:endParaRPr lang="en-US" altLang="zh-TW" b="1" dirty="0" smtClean="0"/>
+          </a:p>
+          <a:p>
+            <a:pPr marL="742950" lvl="1" indent="-285750">
+              <a:buFont typeface="Arial" panose="020B0604020202020204" pitchFamily="34" charset="0"/>
+              <a:buChar char="•"/>
+            </a:pPr>
+            <a:r>
+              <a:rPr lang="zh-TW" altLang="en-US" dirty="0"/>
+              <a:t>天候</a:t>
+            </a:r>
+            <a:r>
+              <a:rPr lang="zh-TW" altLang="en-US" dirty="0" smtClean="0"/>
+              <a:t>名稱</a:t>
+            </a:r>
+            <a:endParaRPr lang="en-US" altLang="zh-TW" dirty="0" smtClean="0"/>
+          </a:p>
+          <a:p>
+            <a:pPr marL="742950" lvl="1" indent="-285750">
+              <a:buFont typeface="Arial" panose="020B0604020202020204" pitchFamily="34" charset="0"/>
+              <a:buChar char="•"/>
+            </a:pPr>
+            <a:r>
+              <a:rPr lang="zh-TW" altLang="en-US" dirty="0"/>
+              <a:t>光線</a:t>
+            </a:r>
+            <a:r>
+              <a:rPr lang="zh-TW" altLang="en-US" dirty="0" smtClean="0"/>
+              <a:t>名稱</a:t>
+            </a:r>
+            <a:endParaRPr lang="en-US" altLang="zh-TW" dirty="0"/>
+          </a:p>
+          <a:p>
+            <a:pPr marL="285750" indent="-285750">
+              <a:buFont typeface="Arial" panose="020B0604020202020204" pitchFamily="34" charset="0"/>
+              <a:buChar char="•"/>
+            </a:pPr>
+            <a:r>
+              <a:rPr lang="zh-TW" altLang="en-US" b="1" dirty="0" smtClean="0"/>
+              <a:t>其他</a:t>
+            </a:r>
+            <a:endParaRPr lang="en-US" altLang="zh-TW" b="1" dirty="0" smtClean="0"/>
+          </a:p>
+          <a:p>
+            <a:pPr marL="742950" lvl="1" indent="-285750">
+              <a:buFont typeface="Arial" panose="020B0604020202020204" pitchFamily="34" charset="0"/>
+              <a:buChar char="•"/>
+            </a:pPr>
+            <a:r>
+              <a:rPr lang="zh-TW" altLang="en-US" dirty="0" smtClean="0"/>
+              <a:t>經度</a:t>
+            </a:r>
+            <a:endParaRPr lang="en-US" altLang="zh-TW" dirty="0" smtClean="0"/>
+          </a:p>
+          <a:p>
+            <a:pPr marL="742950" lvl="1" indent="-285750">
+              <a:buFont typeface="Arial" panose="020B0604020202020204" pitchFamily="34" charset="0"/>
+              <a:buChar char="•"/>
+            </a:pPr>
+            <a:r>
+              <a:rPr lang="zh-TW" altLang="en-US" dirty="0"/>
+              <a:t>緯度</a:t>
+            </a:r>
+            <a:endParaRPr lang="en-US" altLang="zh-TW" dirty="0" smtClean="0"/>
+          </a:p>
+        </p:txBody>
+      </p:sp>
+      <p:sp>
+        <p:nvSpPr>
+          <p:cNvPr id="6" name="矩形 5"/>
+          <p:cNvSpPr/>
+          <p:nvPr/>
+        </p:nvSpPr>
+        <p:spPr>
+          <a:xfrm>
+            <a:off x="5417126" y="369332"/>
+            <a:ext cx="6650181" cy="6186309"/>
+          </a:xfrm>
+          <a:prstGeom prst="rect">
+            <a:avLst/>
+          </a:prstGeom>
+        </p:spPr>
+        <p:txBody>
+          <a:bodyPr wrap="square">
+            <a:spAutoFit/>
+          </a:bodyPr>
+          <a:lstStyle/>
+          <a:p>
+            <a:pPr marL="285750" indent="-285750">
+              <a:buFont typeface="Arial" panose="020B0604020202020204" pitchFamily="34" charset="0"/>
+              <a:buChar char="•"/>
+            </a:pPr>
+            <a:r>
+              <a:rPr lang="zh-TW" altLang="en-US" b="1" dirty="0"/>
+              <a:t>道路狀況</a:t>
+            </a:r>
+            <a:endParaRPr lang="en-US" altLang="zh-TW" b="1" dirty="0"/>
+          </a:p>
+          <a:p>
+            <a:pPr marL="742950" lvl="1" indent="-285750">
+              <a:buFont typeface="Arial" panose="020B0604020202020204" pitchFamily="34" charset="0"/>
+              <a:buChar char="•"/>
+            </a:pPr>
+            <a:r>
+              <a:rPr lang="zh-TW" altLang="en-US" dirty="0"/>
+              <a:t>路面狀況</a:t>
+            </a:r>
+            <a:r>
+              <a:rPr lang="en-US" altLang="zh-TW" dirty="0"/>
+              <a:t>-</a:t>
+            </a:r>
+            <a:r>
+              <a:rPr lang="zh-TW" altLang="en-US" dirty="0"/>
+              <a:t>路面鋪裝名稱</a:t>
+            </a:r>
+            <a:endParaRPr lang="en-US" altLang="zh-TW" dirty="0"/>
+          </a:p>
+          <a:p>
+            <a:pPr marL="742950" lvl="1" indent="-285750">
+              <a:buFont typeface="Arial" panose="020B0604020202020204" pitchFamily="34" charset="0"/>
+              <a:buChar char="•"/>
+            </a:pPr>
+            <a:r>
+              <a:rPr lang="zh-TW" altLang="en-US" dirty="0"/>
+              <a:t>路面狀況</a:t>
+            </a:r>
+            <a:r>
+              <a:rPr lang="en-US" altLang="zh-TW" dirty="0"/>
+              <a:t>-</a:t>
+            </a:r>
+            <a:r>
+              <a:rPr lang="zh-TW" altLang="en-US" dirty="0"/>
+              <a:t>路面狀態名稱</a:t>
+            </a:r>
+            <a:endParaRPr lang="en-US" altLang="zh-TW" dirty="0"/>
+          </a:p>
+          <a:p>
+            <a:pPr marL="742950" lvl="1" indent="-285750">
+              <a:buFont typeface="Arial" panose="020B0604020202020204" pitchFamily="34" charset="0"/>
+              <a:buChar char="•"/>
+            </a:pPr>
+            <a:r>
+              <a:rPr lang="zh-TW" altLang="en-US" dirty="0"/>
+              <a:t>路面狀況</a:t>
+            </a:r>
+            <a:r>
+              <a:rPr lang="en-US" altLang="zh-TW" dirty="0"/>
+              <a:t>-</a:t>
+            </a:r>
+            <a:r>
+              <a:rPr lang="zh-TW" altLang="en-US" dirty="0"/>
+              <a:t>路面缺陷名稱</a:t>
+            </a:r>
+            <a:endParaRPr lang="en-US" altLang="zh-TW" dirty="0"/>
+          </a:p>
+          <a:p>
+            <a:pPr marL="742950" lvl="1" indent="-285750">
+              <a:buFont typeface="Arial" panose="020B0604020202020204" pitchFamily="34" charset="0"/>
+              <a:buChar char="•"/>
+            </a:pPr>
+            <a:r>
+              <a:rPr lang="zh-TW" altLang="en-US" b="1" dirty="0"/>
+              <a:t>道路障礙</a:t>
+            </a:r>
+            <a:endParaRPr lang="en-US" altLang="zh-TW" b="1" dirty="0"/>
+          </a:p>
+          <a:p>
+            <a:pPr marL="1200150" lvl="2" indent="-285750">
+              <a:buFont typeface="Arial" panose="020B0604020202020204" pitchFamily="34" charset="0"/>
+              <a:buChar char="•"/>
+            </a:pPr>
+            <a:r>
+              <a:rPr lang="zh-TW" altLang="en-US" dirty="0"/>
+              <a:t>道路障礙</a:t>
+            </a:r>
+            <a:r>
+              <a:rPr lang="en-US" altLang="zh-TW" dirty="0"/>
+              <a:t>-</a:t>
+            </a:r>
+            <a:r>
+              <a:rPr lang="zh-TW" altLang="en-US" dirty="0"/>
+              <a:t>障礙物名稱</a:t>
+            </a:r>
+            <a:endParaRPr lang="en-US" altLang="zh-TW" dirty="0"/>
+          </a:p>
+          <a:p>
+            <a:pPr marL="1200150" lvl="2" indent="-285750">
+              <a:buFont typeface="Arial" panose="020B0604020202020204" pitchFamily="34" charset="0"/>
+              <a:buChar char="•"/>
+            </a:pPr>
+            <a:r>
+              <a:rPr lang="zh-TW" altLang="en-US" dirty="0"/>
+              <a:t>道路障礙</a:t>
+            </a:r>
+            <a:r>
+              <a:rPr lang="en-US" altLang="zh-TW" dirty="0"/>
+              <a:t>-</a:t>
+            </a:r>
+            <a:r>
+              <a:rPr lang="zh-TW" altLang="en-US" dirty="0"/>
+              <a:t>視距品質名稱</a:t>
+            </a:r>
+            <a:endParaRPr lang="en-US" altLang="zh-TW" dirty="0"/>
+          </a:p>
+          <a:p>
+            <a:pPr marL="1200150" lvl="2" indent="-285750">
+              <a:buFont typeface="Arial" panose="020B0604020202020204" pitchFamily="34" charset="0"/>
+              <a:buChar char="•"/>
+            </a:pPr>
+            <a:r>
+              <a:rPr lang="zh-TW" altLang="en-US" dirty="0"/>
+              <a:t>道路障礙</a:t>
+            </a:r>
+            <a:r>
+              <a:rPr lang="en-US" altLang="zh-TW" dirty="0"/>
+              <a:t>-</a:t>
+            </a:r>
+            <a:r>
+              <a:rPr lang="zh-TW" altLang="en-US" dirty="0"/>
+              <a:t>視距名稱</a:t>
+            </a:r>
+            <a:r>
+              <a:rPr lang="en-US" altLang="zh-TW" dirty="0"/>
+              <a:t>(</a:t>
+            </a:r>
+            <a:r>
+              <a:rPr lang="zh-TW" altLang="en-US" dirty="0"/>
+              <a:t>造成視距不良的物體或道路狀況</a:t>
+            </a:r>
+            <a:r>
+              <a:rPr lang="en-US" altLang="zh-TW" dirty="0"/>
+              <a:t>)</a:t>
+            </a:r>
+          </a:p>
+          <a:p>
+            <a:pPr marL="742950" lvl="1" indent="-285750">
+              <a:buFont typeface="Arial" panose="020B0604020202020204" pitchFamily="34" charset="0"/>
+              <a:buChar char="•"/>
+            </a:pPr>
+            <a:r>
+              <a:rPr lang="zh-TW" altLang="en-US" b="1" dirty="0"/>
+              <a:t>號誌</a:t>
+            </a:r>
+            <a:endParaRPr lang="en-US" altLang="zh-TW" b="1" dirty="0"/>
+          </a:p>
+          <a:p>
+            <a:pPr marL="1200150" lvl="2" indent="-285750">
+              <a:buFont typeface="Arial" panose="020B0604020202020204" pitchFamily="34" charset="0"/>
+              <a:buChar char="•"/>
+            </a:pPr>
+            <a:r>
+              <a:rPr lang="zh-TW" altLang="en-US" dirty="0"/>
+              <a:t>號誌</a:t>
+            </a:r>
+            <a:r>
+              <a:rPr lang="en-US" altLang="zh-TW" dirty="0"/>
+              <a:t>-</a:t>
+            </a:r>
+            <a:r>
+              <a:rPr lang="zh-TW" altLang="en-US" dirty="0"/>
+              <a:t>號誌種類名稱</a:t>
+            </a:r>
+            <a:endParaRPr lang="en-US" altLang="zh-TW" dirty="0"/>
+          </a:p>
+          <a:p>
+            <a:pPr marL="1200150" lvl="2" indent="-285750">
+              <a:buFont typeface="Arial" panose="020B0604020202020204" pitchFamily="34" charset="0"/>
+              <a:buChar char="•"/>
+            </a:pPr>
+            <a:r>
+              <a:rPr lang="zh-TW" altLang="en-US" dirty="0"/>
+              <a:t>號誌</a:t>
+            </a:r>
+            <a:r>
+              <a:rPr lang="en-US" altLang="zh-TW" dirty="0"/>
+              <a:t>-</a:t>
+            </a:r>
+            <a:r>
+              <a:rPr lang="zh-TW" altLang="en-US" dirty="0"/>
+              <a:t>號誌動作名稱</a:t>
+            </a:r>
+            <a:endParaRPr lang="en-US" altLang="zh-TW" dirty="0"/>
+          </a:p>
+          <a:p>
+            <a:pPr marL="742950" lvl="1" indent="-285750">
+              <a:buFont typeface="Arial" panose="020B0604020202020204" pitchFamily="34" charset="0"/>
+              <a:buChar char="•"/>
+            </a:pPr>
+            <a:r>
+              <a:rPr lang="zh-TW" altLang="en-US" b="1" dirty="0"/>
+              <a:t>車道劃分</a:t>
+            </a:r>
+            <a:r>
+              <a:rPr lang="zh-TW" altLang="en-US" b="1" dirty="0" smtClean="0"/>
+              <a:t>設施</a:t>
+            </a:r>
+            <a:endParaRPr lang="en-US" altLang="zh-TW" b="1" dirty="0" smtClean="0"/>
+          </a:p>
+          <a:p>
+            <a:pPr marL="1200150" lvl="2" indent="-285750">
+              <a:buFont typeface="Arial" panose="020B0604020202020204" pitchFamily="34" charset="0"/>
+              <a:buChar char="•"/>
+            </a:pPr>
+            <a:r>
+              <a:rPr lang="zh-TW" altLang="en-US" dirty="0"/>
+              <a:t>車道劃分設施</a:t>
+            </a:r>
+            <a:r>
+              <a:rPr lang="en-US" altLang="zh-TW" dirty="0"/>
+              <a:t>-</a:t>
+            </a:r>
+            <a:r>
+              <a:rPr lang="zh-TW" altLang="en-US" dirty="0"/>
+              <a:t>分向</a:t>
+            </a:r>
+            <a:r>
+              <a:rPr lang="zh-TW" altLang="en-US" dirty="0" smtClean="0"/>
+              <a:t>設施大類別名稱</a:t>
+            </a:r>
+            <a:endParaRPr lang="en-US" altLang="zh-TW" dirty="0"/>
+          </a:p>
+          <a:p>
+            <a:pPr marL="1200150" lvl="2" indent="-285750">
+              <a:buFont typeface="Arial" panose="020B0604020202020204" pitchFamily="34" charset="0"/>
+              <a:buChar char="•"/>
+            </a:pPr>
+            <a:r>
+              <a:rPr lang="zh-TW" altLang="en-US" dirty="0"/>
+              <a:t>車道劃分</a:t>
+            </a:r>
+            <a:r>
+              <a:rPr lang="zh-TW" altLang="en-US" dirty="0" smtClean="0"/>
+              <a:t>設施</a:t>
+            </a:r>
+            <a:r>
+              <a:rPr lang="en-US" altLang="zh-TW" dirty="0" smtClean="0"/>
+              <a:t>-</a:t>
+            </a:r>
+            <a:r>
+              <a:rPr lang="zh-TW" altLang="en-US" dirty="0" smtClean="0"/>
+              <a:t>分向設施子類別名稱</a:t>
+            </a:r>
+            <a:endParaRPr lang="en-US" altLang="zh-TW" dirty="0" smtClean="0"/>
+          </a:p>
+          <a:p>
+            <a:pPr marL="1200150" lvl="2" indent="-285750">
+              <a:buFont typeface="Arial" panose="020B0604020202020204" pitchFamily="34" charset="0"/>
+              <a:buChar char="•"/>
+            </a:pPr>
+            <a:r>
+              <a:rPr lang="zh-TW" altLang="en-US" dirty="0"/>
+              <a:t>車道劃分設施</a:t>
+            </a:r>
+            <a:r>
+              <a:rPr lang="en-US" altLang="zh-TW" dirty="0" smtClean="0"/>
+              <a:t>-</a:t>
+            </a:r>
+            <a:r>
+              <a:rPr lang="zh-TW" altLang="en-US" dirty="0" smtClean="0"/>
+              <a:t>分道設施</a:t>
+            </a:r>
+            <a:r>
+              <a:rPr lang="en-US" altLang="zh-TW" dirty="0" smtClean="0"/>
+              <a:t>-</a:t>
+            </a:r>
+            <a:r>
+              <a:rPr lang="zh-TW" altLang="en-US" dirty="0" smtClean="0"/>
+              <a:t>快車道或一般車道間名稱</a:t>
+            </a:r>
+            <a:endParaRPr lang="en-US" altLang="zh-TW" dirty="0" smtClean="0"/>
+          </a:p>
+          <a:p>
+            <a:pPr marL="1200150" lvl="2" indent="-285750">
+              <a:buFont typeface="Arial" panose="020B0604020202020204" pitchFamily="34" charset="0"/>
+              <a:buChar char="•"/>
+            </a:pPr>
+            <a:r>
+              <a:rPr lang="zh-TW" altLang="en-US" dirty="0"/>
+              <a:t>車道劃分</a:t>
+            </a:r>
+            <a:r>
+              <a:rPr lang="zh-TW" altLang="en-US" dirty="0" smtClean="0"/>
+              <a:t>設施</a:t>
+            </a:r>
+            <a:r>
+              <a:rPr lang="en-US" altLang="zh-TW" dirty="0" smtClean="0"/>
+              <a:t>-</a:t>
+            </a:r>
+            <a:r>
+              <a:rPr lang="zh-TW" altLang="en-US" dirty="0" smtClean="0"/>
+              <a:t>分道設施</a:t>
+            </a:r>
+            <a:r>
+              <a:rPr lang="en-US" altLang="zh-TW" dirty="0" smtClean="0"/>
+              <a:t>-</a:t>
+            </a:r>
+            <a:r>
+              <a:rPr lang="zh-TW" altLang="en-US" dirty="0" smtClean="0"/>
+              <a:t>快慢車道間名稱</a:t>
+            </a:r>
+            <a:endParaRPr lang="en-US" altLang="zh-TW" dirty="0" smtClean="0"/>
+          </a:p>
+          <a:p>
+            <a:pPr marL="1200150" lvl="2" indent="-285750">
+              <a:buFont typeface="Arial" panose="020B0604020202020204" pitchFamily="34" charset="0"/>
+              <a:buChar char="•"/>
+            </a:pPr>
+            <a:r>
+              <a:rPr lang="zh-TW" altLang="en-US" dirty="0" smtClean="0"/>
+              <a:t>車道劃分設施</a:t>
+            </a:r>
+            <a:r>
+              <a:rPr lang="en-US" altLang="zh-TW" dirty="0" smtClean="0"/>
+              <a:t>-</a:t>
+            </a:r>
+            <a:r>
+              <a:rPr lang="zh-TW" altLang="en-US" dirty="0" smtClean="0"/>
+              <a:t>分道設施</a:t>
+            </a:r>
+            <a:r>
+              <a:rPr lang="en-US" altLang="zh-TW" dirty="0" smtClean="0"/>
+              <a:t>-</a:t>
+            </a:r>
+            <a:r>
+              <a:rPr lang="zh-TW" altLang="en-US" dirty="0" smtClean="0"/>
+              <a:t>路面邊線名稱</a:t>
+            </a:r>
+            <a:endParaRPr lang="en-US" altLang="zh-TW" dirty="0"/>
+          </a:p>
+          <a:p>
+            <a:pPr marL="285750" indent="-285750">
+              <a:buFont typeface="Arial" panose="020B0604020202020204" pitchFamily="34" charset="0"/>
+              <a:buChar char="•"/>
+            </a:pPr>
+            <a:r>
+              <a:rPr lang="zh-TW" altLang="en-US" b="1" dirty="0"/>
+              <a:t>道路</a:t>
+            </a:r>
+            <a:endParaRPr lang="en-US" altLang="zh-TW" b="1" dirty="0"/>
+          </a:p>
+          <a:p>
+            <a:pPr marL="742950" lvl="1" indent="-285750">
+              <a:buFont typeface="Arial" panose="020B0604020202020204" pitchFamily="34" charset="0"/>
+              <a:buChar char="•"/>
+            </a:pPr>
+            <a:r>
+              <a:rPr lang="zh-TW" altLang="en-US" dirty="0"/>
+              <a:t>道路類別</a:t>
+            </a:r>
+            <a:endParaRPr lang="en-US" altLang="zh-TW" dirty="0"/>
+          </a:p>
+          <a:p>
+            <a:pPr marL="742950" lvl="1" indent="-285750">
+              <a:buFont typeface="Arial" panose="020B0604020202020204" pitchFamily="34" charset="0"/>
+              <a:buChar char="•"/>
+            </a:pPr>
+            <a:r>
+              <a:rPr lang="zh-TW" altLang="en-US" dirty="0"/>
+              <a:t>速限</a:t>
+            </a:r>
+            <a:endParaRPr lang="en-US" altLang="zh-TW" dirty="0"/>
+          </a:p>
+          <a:p>
+            <a:pPr marL="742950" lvl="1" indent="-285750">
+              <a:buFont typeface="Arial" panose="020B0604020202020204" pitchFamily="34" charset="0"/>
+              <a:buChar char="•"/>
+            </a:pPr>
+            <a:r>
+              <a:rPr lang="zh-TW" altLang="en-US" dirty="0"/>
+              <a:t>道路型態大類別名稱</a:t>
+            </a:r>
+            <a:endParaRPr lang="en-US" altLang="zh-TW" dirty="0"/>
+          </a:p>
+          <a:p>
+            <a:pPr marL="742950" lvl="1" indent="-285750">
+              <a:buFont typeface="Arial" panose="020B0604020202020204" pitchFamily="34" charset="0"/>
+              <a:buChar char="•"/>
+            </a:pPr>
+            <a:r>
+              <a:rPr lang="zh-TW" altLang="en-US" dirty="0"/>
+              <a:t>道路型態子類別名稱</a:t>
+            </a:r>
+            <a:endParaRPr lang="en-US" altLang="zh-TW" dirty="0"/>
+          </a:p>
+        </p:txBody>
+      </p:sp>
+      <p:sp>
+        <p:nvSpPr>
+          <p:cNvPr id="8" name="文字方塊 7"/>
+          <p:cNvSpPr txBox="1"/>
+          <p:nvPr/>
+        </p:nvSpPr>
+        <p:spPr>
+          <a:xfrm>
+            <a:off x="0" y="6396335"/>
+            <a:ext cx="4315605" cy="461665"/>
+          </a:xfrm>
+          <a:prstGeom prst="rect">
+            <a:avLst/>
+          </a:prstGeom>
+          <a:noFill/>
+        </p:spPr>
+        <p:txBody>
+          <a:bodyPr wrap="none" rtlCol="0">
+            <a:spAutoFit/>
+          </a:bodyPr>
+          <a:lstStyle/>
+          <a:p>
+            <a:r>
+              <a:rPr lang="en-US" altLang="zh-TW" sz="2400" b="1" dirty="0" smtClean="0">
+                <a:solidFill>
+                  <a:srgbClr val="FF0000"/>
+                </a:solidFill>
+              </a:rPr>
+              <a:t>!</a:t>
+            </a:r>
+            <a:r>
+              <a:rPr lang="zh-TW" altLang="en-US" b="1" dirty="0" smtClean="0">
+                <a:solidFill>
+                  <a:srgbClr val="FF0000"/>
+                </a:solidFill>
+              </a:rPr>
+              <a:t>  </a:t>
+            </a:r>
+            <a:r>
+              <a:rPr lang="zh-TW" altLang="en-US" dirty="0" smtClean="0">
+                <a:solidFill>
+                  <a:srgbClr val="FF0000"/>
+                </a:solidFill>
+              </a:rPr>
+              <a:t>粗體字是我自訂的分類，實際資料沒有</a:t>
+            </a:r>
+            <a:endParaRPr lang="zh-TW" altLang="en-US" dirty="0">
+              <a:solidFill>
+                <a:srgbClr val="FF0000"/>
+              </a:solidFill>
+            </a:endParaRPr>
           </a:p>
         </p:txBody>
       </p:sp>
     </p:spTree>
     <p:extLst>
       <p:ext uri="{BB962C8B-B14F-4D97-AF65-F5344CB8AC3E}">
-        <p14:creationId xmlns:p14="http://schemas.microsoft.com/office/powerpoint/2010/main" val="82738776"/>
+        <p14:creationId xmlns:p14="http://schemas.microsoft.com/office/powerpoint/2010/main" val="3632280800"/>
       </p:ext>
     </p:extLst>
   </p:cSld>
@@ -3076,7 +5882,7 @@
 </p:sld>
 </file>
 
-<file path=ppt/slides/slide2.xml><?xml version="1.0" encoding="utf-8"?>
+<file path=ppt/slides/slide5.xml><?xml version="1.0" encoding="utf-8"?>
 <p:sld xmlns:a="http://schemas.openxmlformats.org/drawingml/2006/main" xmlns:r="http://schemas.openxmlformats.org/officeDocument/2006/relationships" xmlns:p="http://schemas.openxmlformats.org/presentationml/2006/main">
   <p:cSld>
     <p:spTree>
@@ -3095,19 +5901,559 @@
       </p:grpSpPr>
       <p:sp>
         <p:nvSpPr>
-          <p:cNvPr id="4" name="文字方塊 3"/>
+          <p:cNvPr id="4" name="矩形 3"/>
+          <p:cNvSpPr/>
+          <p:nvPr/>
+        </p:nvSpPr>
+        <p:spPr>
+          <a:xfrm>
+            <a:off x="5777346" y="400110"/>
+            <a:ext cx="6553200" cy="6186309"/>
+          </a:xfrm>
+          <a:prstGeom prst="rect">
+            <a:avLst/>
+          </a:prstGeom>
+        </p:spPr>
+        <p:txBody>
+          <a:bodyPr wrap="square">
+            <a:spAutoFit/>
+          </a:bodyPr>
+          <a:lstStyle/>
+          <a:p>
+            <a:pPr marL="285750" indent="-285750">
+              <a:buFont typeface="Arial" panose="020B0604020202020204" pitchFamily="34" charset="0"/>
+              <a:buChar char="•"/>
+            </a:pPr>
+            <a:r>
+              <a:rPr lang="zh-TW" altLang="en-US" b="1" dirty="0"/>
+              <a:t>事故</a:t>
+            </a:r>
+            <a:endParaRPr lang="en-US" altLang="zh-TW" b="1" dirty="0"/>
+          </a:p>
+          <a:p>
+            <a:pPr marL="742950" lvl="1" indent="-285750">
+              <a:buFont typeface="Arial" panose="020B0604020202020204" pitchFamily="34" charset="0"/>
+              <a:buChar char="•"/>
+            </a:pPr>
+            <a:r>
+              <a:rPr lang="zh-TW" altLang="en-US" b="1" dirty="0"/>
+              <a:t>事故位置</a:t>
+            </a:r>
+            <a:endParaRPr lang="en-US" altLang="zh-TW" b="1" dirty="0"/>
+          </a:p>
+          <a:p>
+            <a:pPr marL="1200150" lvl="2" indent="-285750">
+              <a:buFont typeface="Arial" panose="020B0604020202020204" pitchFamily="34" charset="0"/>
+              <a:buChar char="•"/>
+            </a:pPr>
+            <a:r>
+              <a:rPr lang="zh-TW" altLang="en-US" dirty="0"/>
+              <a:t>事故位置大類別名稱</a:t>
+            </a:r>
+            <a:endParaRPr lang="en-US" altLang="zh-TW" dirty="0"/>
+          </a:p>
+          <a:p>
+            <a:pPr marL="1200150" lvl="2" indent="-285750">
+              <a:buFont typeface="Arial" panose="020B0604020202020204" pitchFamily="34" charset="0"/>
+              <a:buChar char="•"/>
+            </a:pPr>
+            <a:r>
+              <a:rPr lang="zh-TW" altLang="en-US" dirty="0"/>
+              <a:t>事故位置子類別名稱</a:t>
+            </a:r>
+            <a:endParaRPr lang="en-US" altLang="zh-TW" dirty="0"/>
+          </a:p>
+          <a:p>
+            <a:pPr marL="742950" lvl="1" indent="-285750">
+              <a:buFont typeface="Arial" panose="020B0604020202020204" pitchFamily="34" charset="0"/>
+              <a:buChar char="•"/>
+            </a:pPr>
+            <a:r>
+              <a:rPr lang="zh-TW" altLang="en-US" b="1" dirty="0"/>
+              <a:t>事故型態</a:t>
+            </a:r>
+            <a:endParaRPr lang="en-US" altLang="zh-TW" b="1" dirty="0"/>
+          </a:p>
+          <a:p>
+            <a:pPr marL="1200150" lvl="2" indent="-285750">
+              <a:buFont typeface="Arial" panose="020B0604020202020204" pitchFamily="34" charset="0"/>
+              <a:buChar char="•"/>
+            </a:pPr>
+            <a:r>
+              <a:rPr lang="zh-TW" altLang="en-US" dirty="0"/>
+              <a:t>事故類型及型態大類別名稱</a:t>
+            </a:r>
+            <a:endParaRPr lang="en-US" altLang="zh-TW" dirty="0"/>
+          </a:p>
+          <a:p>
+            <a:pPr marL="1200150" lvl="2" indent="-285750">
+              <a:buFont typeface="Arial" panose="020B0604020202020204" pitchFamily="34" charset="0"/>
+              <a:buChar char="•"/>
+            </a:pPr>
+            <a:r>
+              <a:rPr lang="zh-TW" altLang="en-US" dirty="0"/>
+              <a:t>事故類型及型態子類別</a:t>
+            </a:r>
+            <a:r>
+              <a:rPr lang="zh-TW" altLang="en-US" dirty="0" smtClean="0"/>
+              <a:t>名稱</a:t>
+            </a:r>
+            <a:endParaRPr lang="en-US" altLang="zh-TW" dirty="0" smtClean="0"/>
+          </a:p>
+          <a:p>
+            <a:pPr marL="285750" indent="-285750">
+              <a:buFont typeface="Arial" panose="020B0604020202020204" pitchFamily="34" charset="0"/>
+              <a:buChar char="•"/>
+            </a:pPr>
+            <a:r>
+              <a:rPr lang="zh-TW" altLang="en-US" b="1" dirty="0"/>
+              <a:t>事故</a:t>
+            </a:r>
+            <a:r>
+              <a:rPr lang="zh-TW" altLang="en-US" b="1" dirty="0" smtClean="0"/>
+              <a:t>當事者相關類別</a:t>
+            </a:r>
+            <a:endParaRPr lang="en-US" altLang="zh-TW" b="1" dirty="0" smtClean="0"/>
+          </a:p>
+          <a:p>
+            <a:pPr marL="742950" lvl="1" indent="-285750">
+              <a:buFont typeface="Arial" panose="020B0604020202020204" pitchFamily="34" charset="0"/>
+              <a:buChar char="•"/>
+            </a:pPr>
+            <a:r>
+              <a:rPr lang="zh-TW" altLang="en-US" dirty="0" smtClean="0"/>
+              <a:t>死亡受傷人數</a:t>
+            </a:r>
+            <a:endParaRPr lang="en-US" altLang="zh-TW" dirty="0" smtClean="0"/>
+          </a:p>
+          <a:p>
+            <a:pPr marL="742950" lvl="1" indent="-285750">
+              <a:buFont typeface="Arial" panose="020B0604020202020204" pitchFamily="34" charset="0"/>
+              <a:buChar char="•"/>
+            </a:pPr>
+            <a:r>
+              <a:rPr lang="zh-TW" altLang="en-US" dirty="0"/>
+              <a:t>當事者</a:t>
+            </a:r>
+            <a:r>
+              <a:rPr lang="zh-TW" altLang="en-US" dirty="0" smtClean="0"/>
+              <a:t>順位</a:t>
+            </a:r>
+            <a:endParaRPr lang="en-US" altLang="zh-TW" dirty="0" smtClean="0"/>
+          </a:p>
+          <a:p>
+            <a:pPr marL="742950" lvl="1" indent="-285750">
+              <a:buFont typeface="Arial" panose="020B0604020202020204" pitchFamily="34" charset="0"/>
+              <a:buChar char="•"/>
+            </a:pPr>
+            <a:r>
+              <a:rPr lang="zh-TW" altLang="en-US" dirty="0"/>
+              <a:t>當事者區分</a:t>
+            </a:r>
+            <a:r>
+              <a:rPr lang="en-US" altLang="zh-TW" dirty="0"/>
+              <a:t>-</a:t>
+            </a:r>
+            <a:r>
+              <a:rPr lang="zh-TW" altLang="en-US" dirty="0"/>
+              <a:t>類別</a:t>
+            </a:r>
+            <a:r>
+              <a:rPr lang="en-US" altLang="zh-TW" dirty="0"/>
+              <a:t>-</a:t>
+            </a:r>
+            <a:r>
+              <a:rPr lang="zh-TW" altLang="en-US" dirty="0"/>
+              <a:t>大類別名稱</a:t>
+            </a:r>
+            <a:r>
+              <a:rPr lang="en-US" altLang="zh-TW" dirty="0"/>
+              <a:t>-</a:t>
+            </a:r>
+            <a:r>
+              <a:rPr lang="zh-TW" altLang="en-US" dirty="0"/>
+              <a:t>車</a:t>
+            </a:r>
+            <a:r>
+              <a:rPr lang="zh-TW" altLang="en-US" dirty="0" smtClean="0"/>
+              <a:t>種</a:t>
+            </a:r>
+            <a:endParaRPr lang="en-US" altLang="zh-TW" dirty="0" smtClean="0"/>
+          </a:p>
+          <a:p>
+            <a:pPr marL="742950" lvl="1" indent="-285750">
+              <a:buFont typeface="Arial" panose="020B0604020202020204" pitchFamily="34" charset="0"/>
+              <a:buChar char="•"/>
+            </a:pPr>
+            <a:r>
+              <a:rPr lang="zh-TW" altLang="en-US" dirty="0"/>
+              <a:t>當事者</a:t>
+            </a:r>
+            <a:r>
+              <a:rPr lang="zh-TW" altLang="en-US" dirty="0" smtClean="0"/>
+              <a:t>區分</a:t>
+            </a:r>
+            <a:r>
+              <a:rPr lang="en-US" altLang="zh-TW" dirty="0" smtClean="0"/>
+              <a:t>-</a:t>
+            </a:r>
+            <a:r>
+              <a:rPr lang="zh-TW" altLang="en-US" dirty="0" smtClean="0"/>
+              <a:t>類別</a:t>
+            </a:r>
+            <a:r>
+              <a:rPr lang="en-US" altLang="zh-TW" dirty="0" smtClean="0"/>
+              <a:t>-</a:t>
+            </a:r>
+            <a:r>
+              <a:rPr lang="zh-TW" altLang="en-US" dirty="0" smtClean="0"/>
+              <a:t>子類別名稱</a:t>
+            </a:r>
+            <a:endParaRPr lang="en-US" altLang="zh-TW" dirty="0" smtClean="0"/>
+          </a:p>
+          <a:p>
+            <a:pPr marL="742950" lvl="1" indent="-285750">
+              <a:buFont typeface="Arial" panose="020B0604020202020204" pitchFamily="34" charset="0"/>
+              <a:buChar char="•"/>
+            </a:pPr>
+            <a:r>
+              <a:rPr lang="zh-TW" altLang="en-US" dirty="0"/>
+              <a:t>當事者</a:t>
+            </a:r>
+            <a:r>
+              <a:rPr lang="zh-TW" altLang="en-US" dirty="0" smtClean="0"/>
+              <a:t>屬</a:t>
+            </a:r>
+            <a:r>
+              <a:rPr lang="en-US" altLang="zh-TW" dirty="0" smtClean="0"/>
+              <a:t>-</a:t>
+            </a:r>
+            <a:r>
+              <a:rPr lang="zh-TW" altLang="en-US" dirty="0" smtClean="0"/>
+              <a:t>性</a:t>
+            </a:r>
+            <a:r>
+              <a:rPr lang="en-US" altLang="zh-TW" dirty="0" smtClean="0"/>
+              <a:t>-</a:t>
+            </a:r>
+            <a:r>
+              <a:rPr lang="zh-TW" altLang="en-US" dirty="0" smtClean="0"/>
+              <a:t>別名稱</a:t>
+            </a:r>
+            <a:endParaRPr lang="en-US" altLang="zh-TW" dirty="0" smtClean="0"/>
+          </a:p>
+          <a:p>
+            <a:pPr marL="742950" lvl="1" indent="-285750">
+              <a:buFont typeface="Arial" panose="020B0604020202020204" pitchFamily="34" charset="0"/>
+              <a:buChar char="•"/>
+            </a:pPr>
+            <a:r>
+              <a:rPr lang="zh-TW" altLang="en-US" dirty="0"/>
+              <a:t>當事者事故發生時</a:t>
+            </a:r>
+            <a:r>
+              <a:rPr lang="zh-TW" altLang="en-US" dirty="0" smtClean="0"/>
+              <a:t>年齡</a:t>
+            </a:r>
+            <a:endParaRPr lang="en-US" altLang="zh-TW" dirty="0" smtClean="0"/>
+          </a:p>
+          <a:p>
+            <a:pPr marL="742950" lvl="1" indent="-285750">
+              <a:buFont typeface="Arial" panose="020B0604020202020204" pitchFamily="34" charset="0"/>
+              <a:buChar char="•"/>
+            </a:pPr>
+            <a:r>
+              <a:rPr lang="zh-TW" altLang="en-US" dirty="0"/>
+              <a:t>保護</a:t>
+            </a:r>
+            <a:r>
+              <a:rPr lang="zh-TW" altLang="en-US" dirty="0" smtClean="0"/>
+              <a:t>裝置名稱行動電話或電腦或其他相類功能裝置名稱</a:t>
+            </a:r>
+            <a:endParaRPr lang="en-US" altLang="zh-TW" dirty="0" smtClean="0"/>
+          </a:p>
+          <a:p>
+            <a:pPr marL="742950" lvl="1" indent="-285750">
+              <a:buFont typeface="Arial" panose="020B0604020202020204" pitchFamily="34" charset="0"/>
+              <a:buChar char="•"/>
+            </a:pPr>
+            <a:r>
+              <a:rPr lang="zh-TW" altLang="en-US" dirty="0" smtClean="0"/>
+              <a:t>當事者行動狀態大類別名稱</a:t>
+            </a:r>
+            <a:endParaRPr lang="en-US" altLang="zh-TW" dirty="0" smtClean="0"/>
+          </a:p>
+          <a:p>
+            <a:pPr marL="742950" lvl="1" indent="-285750">
+              <a:buFont typeface="Arial" panose="020B0604020202020204" pitchFamily="34" charset="0"/>
+              <a:buChar char="•"/>
+            </a:pPr>
+            <a:r>
+              <a:rPr lang="zh-TW" altLang="en-US" dirty="0" smtClean="0"/>
+              <a:t>當事者行動狀態子類別名稱</a:t>
+            </a:r>
+            <a:endParaRPr lang="en-US" altLang="zh-TW" dirty="0" smtClean="0"/>
+          </a:p>
+          <a:p>
+            <a:pPr marL="742950" lvl="1" indent="-285750">
+              <a:buFont typeface="Arial" panose="020B0604020202020204" pitchFamily="34" charset="0"/>
+              <a:buChar char="•"/>
+            </a:pPr>
+            <a:r>
+              <a:rPr lang="zh-TW" altLang="en-US" b="1" dirty="0"/>
+              <a:t>車輛</a:t>
+            </a:r>
+            <a:r>
+              <a:rPr lang="zh-TW" altLang="en-US" b="1" dirty="0" smtClean="0"/>
+              <a:t>撞擊</a:t>
+            </a:r>
+            <a:endParaRPr lang="en-US" altLang="zh-TW" b="1" dirty="0" smtClean="0"/>
+          </a:p>
+          <a:p>
+            <a:pPr marL="1200150" lvl="2" indent="-285750">
+              <a:buFont typeface="Arial" panose="020B0604020202020204" pitchFamily="34" charset="0"/>
+              <a:buChar char="•"/>
+            </a:pPr>
+            <a:r>
+              <a:rPr lang="zh-TW" altLang="en-US" dirty="0"/>
+              <a:t>車輛撞擊</a:t>
+            </a:r>
+            <a:r>
+              <a:rPr lang="zh-TW" altLang="en-US" dirty="0" smtClean="0"/>
+              <a:t>部位大類別名稱</a:t>
+            </a:r>
+            <a:r>
+              <a:rPr lang="en-US" altLang="zh-TW" dirty="0" smtClean="0"/>
+              <a:t>-</a:t>
+            </a:r>
+            <a:r>
+              <a:rPr lang="zh-TW" altLang="en-US" dirty="0" smtClean="0"/>
+              <a:t>最初</a:t>
+            </a:r>
+            <a:endParaRPr lang="en-US" altLang="zh-TW" dirty="0" smtClean="0"/>
+          </a:p>
+          <a:p>
+            <a:pPr marL="1200150" lvl="2" indent="-285750">
+              <a:buFont typeface="Arial" panose="020B0604020202020204" pitchFamily="34" charset="0"/>
+              <a:buChar char="•"/>
+            </a:pPr>
+            <a:r>
+              <a:rPr lang="zh-TW" altLang="en-US" dirty="0"/>
+              <a:t>車輛撞擊</a:t>
+            </a:r>
+            <a:r>
+              <a:rPr lang="zh-TW" altLang="en-US" dirty="0" smtClean="0"/>
+              <a:t>部位子類別名稱</a:t>
+            </a:r>
+            <a:r>
+              <a:rPr lang="en-US" altLang="zh-TW" dirty="0" smtClean="0"/>
+              <a:t>-</a:t>
+            </a:r>
+            <a:r>
+              <a:rPr lang="zh-TW" altLang="en-US" dirty="0" smtClean="0"/>
+              <a:t>最初</a:t>
+            </a:r>
+            <a:endParaRPr lang="en-US" altLang="zh-TW" dirty="0" smtClean="0"/>
+          </a:p>
+          <a:p>
+            <a:pPr marL="1200150" lvl="2" indent="-285750">
+              <a:buFont typeface="Arial" panose="020B0604020202020204" pitchFamily="34" charset="0"/>
+              <a:buChar char="•"/>
+            </a:pPr>
+            <a:r>
+              <a:rPr lang="zh-TW" altLang="en-US" dirty="0"/>
+              <a:t>車輛</a:t>
+            </a:r>
+            <a:r>
+              <a:rPr lang="zh-TW" altLang="en-US" dirty="0" smtClean="0"/>
+              <a:t>撞擊部位大類別名稱</a:t>
+            </a:r>
+            <a:r>
+              <a:rPr lang="en-US" altLang="zh-TW" dirty="0" smtClean="0"/>
+              <a:t>-</a:t>
+            </a:r>
+            <a:r>
+              <a:rPr lang="zh-TW" altLang="en-US" dirty="0" smtClean="0"/>
+              <a:t>其他</a:t>
+            </a:r>
+            <a:endParaRPr lang="en-US" altLang="zh-TW" dirty="0" smtClean="0"/>
+          </a:p>
+          <a:p>
+            <a:pPr marL="1200150" lvl="2" indent="-285750">
+              <a:buFont typeface="Arial" panose="020B0604020202020204" pitchFamily="34" charset="0"/>
+              <a:buChar char="•"/>
+            </a:pPr>
+            <a:r>
+              <a:rPr lang="zh-TW" altLang="en-US" dirty="0"/>
+              <a:t>車輛撞擊部位子類別名稱</a:t>
+            </a:r>
+            <a:r>
+              <a:rPr lang="en-US" altLang="zh-TW" dirty="0"/>
+              <a:t>-</a:t>
+            </a:r>
+            <a:r>
+              <a:rPr lang="zh-TW" altLang="en-US" dirty="0"/>
+              <a:t>其他</a:t>
+            </a:r>
+            <a:endParaRPr lang="en-US" altLang="zh-TW" dirty="0"/>
+          </a:p>
+        </p:txBody>
+      </p:sp>
+      <p:sp>
+        <p:nvSpPr>
+          <p:cNvPr id="5" name="矩形 4"/>
+          <p:cNvSpPr/>
+          <p:nvPr/>
+        </p:nvSpPr>
+        <p:spPr>
+          <a:xfrm>
+            <a:off x="193964" y="972328"/>
+            <a:ext cx="6096000" cy="2031325"/>
+          </a:xfrm>
+          <a:prstGeom prst="rect">
+            <a:avLst/>
+          </a:prstGeom>
+        </p:spPr>
+        <p:txBody>
+          <a:bodyPr>
+            <a:spAutoFit/>
+          </a:bodyPr>
+          <a:lstStyle/>
+          <a:p>
+            <a:pPr marL="285750" indent="-285750">
+              <a:buFont typeface="Arial" panose="020B0604020202020204" pitchFamily="34" charset="0"/>
+              <a:buChar char="•"/>
+            </a:pPr>
+            <a:r>
+              <a:rPr lang="zh-TW" altLang="en-US" b="1" dirty="0" smtClean="0"/>
+              <a:t>肇事研判</a:t>
+            </a:r>
+            <a:endParaRPr lang="en-US" altLang="zh-TW" b="1" dirty="0" smtClean="0"/>
+          </a:p>
+          <a:p>
+            <a:pPr marL="742950" lvl="1" indent="-285750">
+              <a:buFont typeface="Arial" panose="020B0604020202020204" pitchFamily="34" charset="0"/>
+              <a:buChar char="•"/>
+            </a:pPr>
+            <a:r>
+              <a:rPr lang="zh-TW" altLang="en-US" dirty="0"/>
+              <a:t>肇因研判大類別名稱</a:t>
+            </a:r>
+            <a:r>
+              <a:rPr lang="en-US" altLang="zh-TW" dirty="0"/>
+              <a:t>-</a:t>
+            </a:r>
+            <a:r>
+              <a:rPr lang="zh-TW" altLang="en-US" dirty="0"/>
+              <a:t>主要</a:t>
+            </a:r>
+            <a:endParaRPr lang="en-US" altLang="zh-TW" dirty="0"/>
+          </a:p>
+          <a:p>
+            <a:pPr marL="742950" lvl="1" indent="-285750">
+              <a:buFont typeface="Arial" panose="020B0604020202020204" pitchFamily="34" charset="0"/>
+              <a:buChar char="•"/>
+            </a:pPr>
+            <a:r>
+              <a:rPr lang="zh-TW" altLang="en-US" dirty="0"/>
+              <a:t>肇因研判子類別名稱</a:t>
+            </a:r>
+            <a:r>
+              <a:rPr lang="en-US" altLang="zh-TW" dirty="0"/>
+              <a:t>-</a:t>
+            </a:r>
+            <a:r>
+              <a:rPr lang="zh-TW" altLang="en-US" dirty="0"/>
+              <a:t>主要</a:t>
+            </a:r>
+            <a:endParaRPr lang="en-US" altLang="zh-TW" dirty="0"/>
+          </a:p>
+          <a:p>
+            <a:pPr marL="742950" lvl="1" indent="-285750">
+              <a:buFont typeface="Arial" panose="020B0604020202020204" pitchFamily="34" charset="0"/>
+              <a:buChar char="•"/>
+            </a:pPr>
+            <a:r>
+              <a:rPr lang="zh-TW" altLang="en-US" dirty="0"/>
+              <a:t>肇因研判大類別名稱</a:t>
+            </a:r>
+            <a:r>
+              <a:rPr lang="en-US" altLang="zh-TW" dirty="0" smtClean="0"/>
+              <a:t>-</a:t>
+            </a:r>
+            <a:r>
+              <a:rPr lang="zh-TW" altLang="en-US" dirty="0"/>
+              <a:t>個別</a:t>
+            </a:r>
+            <a:endParaRPr lang="en-US" altLang="zh-TW" dirty="0"/>
+          </a:p>
+          <a:p>
+            <a:pPr marL="742950" lvl="1" indent="-285750">
+              <a:buFont typeface="Arial" panose="020B0604020202020204" pitchFamily="34" charset="0"/>
+              <a:buChar char="•"/>
+            </a:pPr>
+            <a:r>
+              <a:rPr lang="zh-TW" altLang="en-US" dirty="0"/>
+              <a:t>肇因研判子類別名稱</a:t>
+            </a:r>
+            <a:r>
+              <a:rPr lang="en-US" altLang="zh-TW" dirty="0" smtClean="0"/>
+              <a:t>-</a:t>
+            </a:r>
+            <a:r>
+              <a:rPr lang="zh-TW" altLang="en-US" dirty="0" smtClean="0"/>
+              <a:t>個別</a:t>
+            </a:r>
+            <a:endParaRPr lang="en-US" altLang="zh-TW" dirty="0" smtClean="0"/>
+          </a:p>
+          <a:p>
+            <a:pPr marL="742950" lvl="1" indent="-285750">
+              <a:buFont typeface="Arial" panose="020B0604020202020204" pitchFamily="34" charset="0"/>
+              <a:buChar char="•"/>
+            </a:pPr>
+            <a:r>
+              <a:rPr lang="zh-TW" altLang="en-US" dirty="0" smtClean="0"/>
+              <a:t>肇事逃逸類別名稱</a:t>
+            </a:r>
+            <a:r>
+              <a:rPr lang="en-US" altLang="zh-TW" dirty="0" smtClean="0"/>
+              <a:t>-</a:t>
+            </a:r>
+            <a:r>
+              <a:rPr lang="zh-TW" altLang="en-US" dirty="0" smtClean="0"/>
+              <a:t>是否肇逃</a:t>
+            </a:r>
+            <a:endParaRPr lang="en-US" altLang="zh-TW" dirty="0"/>
+          </a:p>
+          <a:p>
+            <a:pPr marL="285750" indent="-285750">
+              <a:buFont typeface="Arial" panose="020B0604020202020204" pitchFamily="34" charset="0"/>
+              <a:buChar char="•"/>
+            </a:pPr>
+            <a:endParaRPr lang="en-US" altLang="zh-TW" b="1" dirty="0" smtClean="0"/>
+          </a:p>
+        </p:txBody>
+      </p:sp>
+      <p:sp>
+        <p:nvSpPr>
+          <p:cNvPr id="6" name="文字方塊 5"/>
           <p:cNvSpPr txBox="1"/>
           <p:nvPr/>
         </p:nvSpPr>
         <p:spPr>
           <a:xfrm>
-            <a:off x="94734" y="86498"/>
-            <a:ext cx="2031325" cy="369332"/>
+            <a:off x="0" y="0"/>
+            <a:ext cx="1210588" cy="400110"/>
           </a:xfrm>
           <a:prstGeom prst="rect">
             <a:avLst/>
           </a:prstGeom>
           <a:noFill/>
+          <a:ln>
+            <a:solidFill>
+              <a:schemeClr val="tx2"/>
+            </a:solidFill>
+          </a:ln>
         </p:spPr>
         <p:txBody>
           <a:bodyPr wrap="none" rtlCol="0">
@@ -3116,1068 +6462,17 @@
           <a:lstStyle/>
           <a:p>
             <a:r>
-              <a:rPr lang="zh-TW" altLang="en-US" dirty="0" smtClean="0"/>
-              <a:t>分析車與車的事故</a:t>
-            </a:r>
-            <a:endParaRPr lang="zh-TW" altLang="en-US" dirty="0"/>
-          </a:p>
-        </p:txBody>
-      </p:sp>
-      <p:sp>
-        <p:nvSpPr>
-          <p:cNvPr id="5" name="矩形 4"/>
-          <p:cNvSpPr/>
-          <p:nvPr/>
-        </p:nvSpPr>
-        <p:spPr>
-          <a:xfrm>
-            <a:off x="7203989" y="1094258"/>
-            <a:ext cx="1507524" cy="778476"/>
-          </a:xfrm>
-          <a:prstGeom prst="rect">
-            <a:avLst/>
-          </a:prstGeom>
-        </p:spPr>
-        <p:style>
-          <a:lnRef idx="2">
-            <a:schemeClr val="accent1">
-              <a:shade val="50000"/>
-            </a:schemeClr>
-          </a:lnRef>
-          <a:fillRef idx="1">
-            <a:schemeClr val="accent1"/>
-          </a:fillRef>
-          <a:effectRef idx="0">
-            <a:schemeClr val="accent1"/>
-          </a:effectRef>
-          <a:fontRef idx="minor">
-            <a:schemeClr val="lt1"/>
-          </a:fontRef>
-        </p:style>
-        <p:txBody>
-          <a:bodyPr rtlCol="0" anchor="ctr"/>
-          <a:lstStyle/>
-          <a:p>
-            <a:pPr algn="ctr"/>
-            <a:r>
-              <a:rPr lang="zh-TW" altLang="en-US" dirty="0" smtClean="0"/>
-              <a:t>車與車事故</a:t>
-            </a:r>
-            <a:endParaRPr lang="en-US" altLang="zh-TW" dirty="0" smtClean="0"/>
-          </a:p>
-          <a:p>
-            <a:pPr algn="ctr"/>
-            <a:r>
-              <a:rPr lang="en-US" altLang="zh-TW" dirty="0" smtClean="0"/>
-              <a:t>834</a:t>
-            </a:r>
-            <a:endParaRPr lang="zh-TW" altLang="en-US" dirty="0"/>
-          </a:p>
-        </p:txBody>
-      </p:sp>
-      <p:sp>
-        <p:nvSpPr>
-          <p:cNvPr id="6" name="矩形 5"/>
-          <p:cNvSpPr/>
-          <p:nvPr/>
-        </p:nvSpPr>
-        <p:spPr>
-          <a:xfrm>
-            <a:off x="3945597" y="2695828"/>
-            <a:ext cx="1507524" cy="848498"/>
-          </a:xfrm>
-          <a:prstGeom prst="rect">
-            <a:avLst/>
-          </a:prstGeom>
-        </p:spPr>
-        <p:style>
-          <a:lnRef idx="2">
-            <a:schemeClr val="accent1">
-              <a:shade val="50000"/>
-            </a:schemeClr>
-          </a:lnRef>
-          <a:fillRef idx="1">
-            <a:schemeClr val="accent1"/>
-          </a:fillRef>
-          <a:effectRef idx="0">
-            <a:schemeClr val="accent1"/>
-          </a:effectRef>
-          <a:fontRef idx="minor">
-            <a:schemeClr val="lt1"/>
-          </a:fontRef>
-        </p:style>
-        <p:txBody>
-          <a:bodyPr rtlCol="0" anchor="ctr"/>
-          <a:lstStyle/>
-          <a:p>
-            <a:pPr algn="ctr"/>
-            <a:r>
-              <a:rPr lang="zh-TW" altLang="en-US" dirty="0" smtClean="0"/>
-              <a:t>側撞</a:t>
-            </a:r>
-            <a:endParaRPr lang="en-US" altLang="zh-TW" dirty="0" smtClean="0"/>
-          </a:p>
-          <a:p>
-            <a:pPr algn="ctr"/>
-            <a:r>
-              <a:rPr lang="en-US" altLang="zh-TW" dirty="0" smtClean="0"/>
-              <a:t>286</a:t>
-            </a:r>
-          </a:p>
-          <a:p>
-            <a:pPr algn="ctr"/>
-            <a:r>
-              <a:rPr lang="en-US" altLang="zh-TW" dirty="0" smtClean="0"/>
-              <a:t>34%</a:t>
-            </a:r>
-            <a:endParaRPr lang="zh-TW" altLang="en-US" dirty="0"/>
-          </a:p>
-        </p:txBody>
-      </p:sp>
-      <p:sp>
-        <p:nvSpPr>
-          <p:cNvPr id="7" name="矩形 6"/>
-          <p:cNvSpPr/>
-          <p:nvPr/>
-        </p:nvSpPr>
-        <p:spPr>
-          <a:xfrm>
-            <a:off x="6609497" y="2595474"/>
-            <a:ext cx="1507524" cy="848498"/>
-          </a:xfrm>
-          <a:prstGeom prst="rect">
-            <a:avLst/>
-          </a:prstGeom>
-        </p:spPr>
-        <p:style>
-          <a:lnRef idx="2">
-            <a:schemeClr val="accent1">
-              <a:shade val="50000"/>
-            </a:schemeClr>
-          </a:lnRef>
-          <a:fillRef idx="1">
-            <a:schemeClr val="accent1"/>
-          </a:fillRef>
-          <a:effectRef idx="0">
-            <a:schemeClr val="accent1"/>
-          </a:effectRef>
-          <a:fontRef idx="minor">
-            <a:schemeClr val="lt1"/>
-          </a:fontRef>
-        </p:style>
-        <p:txBody>
-          <a:bodyPr rtlCol="0" anchor="ctr"/>
-          <a:lstStyle/>
-          <a:p>
-            <a:pPr algn="ctr"/>
-            <a:r>
-              <a:rPr lang="zh-TW" altLang="en-US" dirty="0" smtClean="0"/>
-              <a:t>路口交岔撞</a:t>
-            </a:r>
-            <a:r>
-              <a:rPr lang="en-US" altLang="zh-TW" dirty="0" smtClean="0"/>
-              <a:t>162</a:t>
-            </a:r>
-          </a:p>
-          <a:p>
-            <a:pPr algn="ctr"/>
-            <a:r>
-              <a:rPr lang="en-US" altLang="zh-TW" dirty="0" smtClean="0"/>
-              <a:t>19%</a:t>
-            </a:r>
-            <a:endParaRPr lang="zh-TW" altLang="en-US" dirty="0"/>
-          </a:p>
-        </p:txBody>
-      </p:sp>
-      <p:sp>
-        <p:nvSpPr>
-          <p:cNvPr id="10" name="矩形 9"/>
-          <p:cNvSpPr/>
-          <p:nvPr/>
-        </p:nvSpPr>
-        <p:spPr>
-          <a:xfrm>
-            <a:off x="-1" y="1298830"/>
-            <a:ext cx="2954655" cy="369332"/>
-          </a:xfrm>
-          <a:prstGeom prst="rect">
-            <a:avLst/>
-          </a:prstGeom>
-        </p:spPr>
-        <p:txBody>
-          <a:bodyPr wrap="none">
-            <a:spAutoFit/>
-          </a:bodyPr>
-          <a:lstStyle/>
-          <a:p>
-            <a:r>
-              <a:rPr lang="zh-TW" altLang="en-US" dirty="0" smtClean="0"/>
-              <a:t>事故類型及型態大類別名稱</a:t>
-            </a:r>
-            <a:endParaRPr lang="zh-TW" altLang="en-US" dirty="0"/>
-          </a:p>
-        </p:txBody>
-      </p:sp>
-      <p:sp>
-        <p:nvSpPr>
-          <p:cNvPr id="11" name="矩形 10"/>
-          <p:cNvSpPr/>
-          <p:nvPr/>
-        </p:nvSpPr>
-        <p:spPr>
-          <a:xfrm>
-            <a:off x="-2" y="2684846"/>
-            <a:ext cx="2954655" cy="369332"/>
-          </a:xfrm>
-          <a:prstGeom prst="rect">
-            <a:avLst/>
-          </a:prstGeom>
-        </p:spPr>
-        <p:txBody>
-          <a:bodyPr wrap="none">
-            <a:spAutoFit/>
-          </a:bodyPr>
-          <a:lstStyle/>
-          <a:p>
-            <a:r>
-              <a:rPr lang="zh-TW" altLang="en-US" dirty="0" smtClean="0"/>
-              <a:t>事故類型及型態子類別名稱</a:t>
-            </a:r>
-            <a:endParaRPr lang="zh-TW" altLang="en-US" dirty="0"/>
-          </a:p>
-        </p:txBody>
-      </p:sp>
-      <p:sp>
-        <p:nvSpPr>
-          <p:cNvPr id="12" name="矩形 11"/>
-          <p:cNvSpPr/>
-          <p:nvPr/>
-        </p:nvSpPr>
-        <p:spPr>
-          <a:xfrm>
-            <a:off x="94734" y="4105873"/>
-            <a:ext cx="2262158" cy="369332"/>
-          </a:xfrm>
-          <a:prstGeom prst="rect">
-            <a:avLst/>
-          </a:prstGeom>
-        </p:spPr>
-        <p:txBody>
-          <a:bodyPr wrap="none">
-            <a:spAutoFit/>
-          </a:bodyPr>
-          <a:lstStyle/>
-          <a:p>
-            <a:r>
-              <a:rPr lang="zh-TW" altLang="en-US" dirty="0" smtClean="0"/>
-              <a:t>事故位置子類別名稱</a:t>
-            </a:r>
-            <a:endParaRPr lang="zh-TW" altLang="en-US" dirty="0"/>
-          </a:p>
-        </p:txBody>
-      </p:sp>
-      <p:sp>
-        <p:nvSpPr>
-          <p:cNvPr id="16" name="矩形 15"/>
-          <p:cNvSpPr/>
-          <p:nvPr/>
-        </p:nvSpPr>
-        <p:spPr>
-          <a:xfrm>
-            <a:off x="2398142" y="3744656"/>
-            <a:ext cx="1342768" cy="848498"/>
-          </a:xfrm>
-          <a:prstGeom prst="rect">
-            <a:avLst/>
-          </a:prstGeom>
-        </p:spPr>
-        <p:style>
-          <a:lnRef idx="2">
-            <a:schemeClr val="accent1">
-              <a:shade val="50000"/>
-            </a:schemeClr>
-          </a:lnRef>
-          <a:fillRef idx="1">
-            <a:schemeClr val="accent1"/>
-          </a:fillRef>
-          <a:effectRef idx="0">
-            <a:schemeClr val="accent1"/>
-          </a:effectRef>
-          <a:fontRef idx="minor">
-            <a:schemeClr val="lt1"/>
-          </a:fontRef>
-        </p:style>
-        <p:txBody>
-          <a:bodyPr rtlCol="0" anchor="ctr"/>
-          <a:lstStyle/>
-          <a:p>
-            <a:pPr algn="ctr"/>
-            <a:r>
-              <a:rPr lang="zh-TW" altLang="en-US" dirty="0" smtClean="0"/>
-              <a:t>交叉路口</a:t>
-            </a:r>
-            <a:r>
-              <a:rPr lang="zh-TW" altLang="en-US" dirty="0"/>
-              <a:t>內</a:t>
-            </a:r>
-            <a:endParaRPr lang="en-US" altLang="zh-TW" dirty="0" smtClean="0"/>
-          </a:p>
-          <a:p>
-            <a:pPr algn="ctr"/>
-            <a:r>
-              <a:rPr lang="en-US" altLang="zh-TW" dirty="0" smtClean="0"/>
-              <a:t>211</a:t>
-            </a:r>
-          </a:p>
-          <a:p>
-            <a:pPr algn="ctr"/>
-            <a:r>
-              <a:rPr lang="en-US" altLang="zh-TW" dirty="0" smtClean="0"/>
-              <a:t>74%</a:t>
-            </a:r>
-            <a:endParaRPr lang="zh-TW" altLang="en-US" dirty="0"/>
-          </a:p>
-        </p:txBody>
-      </p:sp>
-      <p:sp>
-        <p:nvSpPr>
-          <p:cNvPr id="17" name="矩形 16"/>
-          <p:cNvSpPr/>
-          <p:nvPr/>
-        </p:nvSpPr>
-        <p:spPr>
-          <a:xfrm>
-            <a:off x="3782374" y="3740893"/>
-            <a:ext cx="1342768" cy="848498"/>
-          </a:xfrm>
-          <a:prstGeom prst="rect">
-            <a:avLst/>
-          </a:prstGeom>
-        </p:spPr>
-        <p:style>
-          <a:lnRef idx="2">
-            <a:schemeClr val="accent1">
-              <a:shade val="50000"/>
-            </a:schemeClr>
-          </a:lnRef>
-          <a:fillRef idx="1">
-            <a:schemeClr val="accent1"/>
-          </a:fillRef>
-          <a:effectRef idx="0">
-            <a:schemeClr val="accent1"/>
-          </a:effectRef>
-          <a:fontRef idx="minor">
-            <a:schemeClr val="lt1"/>
-          </a:fontRef>
-        </p:style>
-        <p:txBody>
-          <a:bodyPr rtlCol="0" anchor="ctr"/>
-          <a:lstStyle/>
-          <a:p>
-            <a:pPr algn="ctr"/>
-            <a:r>
-              <a:rPr lang="zh-TW" altLang="en-US" dirty="0" smtClean="0"/>
-              <a:t>一般車道</a:t>
-            </a:r>
-            <a:endParaRPr lang="en-US" altLang="zh-TW" dirty="0" smtClean="0"/>
-          </a:p>
-          <a:p>
-            <a:pPr algn="ctr"/>
-            <a:r>
-              <a:rPr lang="en-US" altLang="zh-TW" dirty="0" smtClean="0"/>
-              <a:t>35</a:t>
-            </a:r>
-          </a:p>
-          <a:p>
-            <a:pPr algn="ctr"/>
-            <a:r>
-              <a:rPr lang="en-US" altLang="zh-TW" dirty="0" smtClean="0"/>
-              <a:t>12%</a:t>
-            </a:r>
-            <a:endParaRPr lang="zh-TW" altLang="en-US" dirty="0"/>
-          </a:p>
-        </p:txBody>
-      </p:sp>
-      <p:sp>
-        <p:nvSpPr>
-          <p:cNvPr id="18" name="矩形 17"/>
-          <p:cNvSpPr/>
-          <p:nvPr/>
-        </p:nvSpPr>
-        <p:spPr>
-          <a:xfrm>
-            <a:off x="5172154" y="3744656"/>
-            <a:ext cx="1342768" cy="848498"/>
-          </a:xfrm>
-          <a:prstGeom prst="rect">
-            <a:avLst/>
-          </a:prstGeom>
-        </p:spPr>
-        <p:style>
-          <a:lnRef idx="2">
-            <a:schemeClr val="accent1">
-              <a:shade val="50000"/>
-            </a:schemeClr>
-          </a:lnRef>
-          <a:fillRef idx="1">
-            <a:schemeClr val="accent1"/>
-          </a:fillRef>
-          <a:effectRef idx="0">
-            <a:schemeClr val="accent1"/>
-          </a:effectRef>
-          <a:fontRef idx="minor">
-            <a:schemeClr val="lt1"/>
-          </a:fontRef>
-        </p:style>
-        <p:txBody>
-          <a:bodyPr rtlCol="0" anchor="ctr"/>
-          <a:lstStyle/>
-          <a:p>
-            <a:pPr algn="ctr"/>
-            <a:r>
-              <a:rPr lang="zh-TW" altLang="en-US" dirty="0" smtClean="0"/>
-              <a:t>交叉口附近</a:t>
-            </a:r>
-            <a:endParaRPr lang="en-US" altLang="zh-TW" dirty="0" smtClean="0"/>
-          </a:p>
-          <a:p>
-            <a:pPr algn="ctr"/>
-            <a:r>
-              <a:rPr lang="en-US" altLang="zh-TW" dirty="0" smtClean="0"/>
-              <a:t>18</a:t>
-            </a:r>
-          </a:p>
-          <a:p>
-            <a:pPr algn="ctr"/>
-            <a:r>
-              <a:rPr lang="en-US" altLang="zh-TW" dirty="0"/>
-              <a:t>6</a:t>
-            </a:r>
-            <a:r>
-              <a:rPr lang="en-US" altLang="zh-TW" dirty="0" smtClean="0"/>
-              <a:t>%</a:t>
-            </a:r>
-            <a:endParaRPr lang="zh-TW" altLang="en-US" dirty="0"/>
-          </a:p>
-        </p:txBody>
-      </p:sp>
-      <p:sp>
-        <p:nvSpPr>
-          <p:cNvPr id="19" name="矩形 18"/>
-          <p:cNvSpPr/>
-          <p:nvPr/>
-        </p:nvSpPr>
-        <p:spPr>
-          <a:xfrm>
-            <a:off x="6725739" y="3740893"/>
-            <a:ext cx="1342768" cy="848498"/>
-          </a:xfrm>
-          <a:prstGeom prst="rect">
-            <a:avLst/>
-          </a:prstGeom>
-        </p:spPr>
-        <p:style>
-          <a:lnRef idx="2">
-            <a:schemeClr val="accent1">
-              <a:shade val="50000"/>
-            </a:schemeClr>
-          </a:lnRef>
-          <a:fillRef idx="1">
-            <a:schemeClr val="accent1"/>
-          </a:fillRef>
-          <a:effectRef idx="0">
-            <a:schemeClr val="accent1"/>
-          </a:effectRef>
-          <a:fontRef idx="minor">
-            <a:schemeClr val="lt1"/>
-          </a:fontRef>
-        </p:style>
-        <p:txBody>
-          <a:bodyPr rtlCol="0" anchor="ctr"/>
-          <a:lstStyle/>
-          <a:p>
-            <a:pPr algn="ctr"/>
-            <a:r>
-              <a:rPr lang="zh-TW" altLang="en-US" dirty="0" smtClean="0"/>
-              <a:t>交叉</a:t>
-            </a:r>
-            <a:r>
-              <a:rPr lang="zh-TW" altLang="en-US" dirty="0"/>
-              <a:t>路</a:t>
-            </a:r>
-            <a:r>
-              <a:rPr lang="zh-TW" altLang="en-US" dirty="0" smtClean="0"/>
-              <a:t>口</a:t>
-            </a:r>
-            <a:r>
-              <a:rPr lang="zh-TW" altLang="en-US" dirty="0"/>
-              <a:t>內</a:t>
-            </a:r>
-            <a:endParaRPr lang="en-US" altLang="zh-TW" dirty="0" smtClean="0"/>
-          </a:p>
-          <a:p>
-            <a:pPr algn="ctr"/>
-            <a:r>
-              <a:rPr lang="en-US" altLang="zh-TW" dirty="0" smtClean="0"/>
-              <a:t>159</a:t>
-            </a:r>
-          </a:p>
-          <a:p>
-            <a:pPr algn="ctr"/>
-            <a:r>
-              <a:rPr lang="en-US" altLang="zh-TW" dirty="0" smtClean="0"/>
-              <a:t>98%</a:t>
-            </a:r>
-            <a:endParaRPr lang="zh-TW" altLang="en-US" dirty="0"/>
-          </a:p>
-        </p:txBody>
-      </p:sp>
-      <p:cxnSp>
-        <p:nvCxnSpPr>
-          <p:cNvPr id="21" name="直線接點 20"/>
-          <p:cNvCxnSpPr>
-            <a:stCxn id="5" idx="2"/>
-            <a:endCxn id="6" idx="0"/>
-          </p:cNvCxnSpPr>
-          <p:nvPr/>
-        </p:nvCxnSpPr>
-        <p:spPr>
-          <a:xfrm flipH="1">
-            <a:off x="4699359" y="1872734"/>
-            <a:ext cx="3258392" cy="823094"/>
-          </a:xfrm>
-          <a:prstGeom prst="line">
-            <a:avLst/>
-          </a:prstGeom>
-        </p:spPr>
-        <p:style>
-          <a:lnRef idx="1">
-            <a:schemeClr val="accent1"/>
-          </a:lnRef>
-          <a:fillRef idx="0">
-            <a:schemeClr val="accent1"/>
-          </a:fillRef>
-          <a:effectRef idx="0">
-            <a:schemeClr val="accent1"/>
-          </a:effectRef>
-          <a:fontRef idx="minor">
-            <a:schemeClr val="tx1"/>
-          </a:fontRef>
-        </p:style>
-      </p:cxnSp>
-      <p:cxnSp>
-        <p:nvCxnSpPr>
-          <p:cNvPr id="23" name="直線接點 22"/>
-          <p:cNvCxnSpPr>
-            <a:stCxn id="5" idx="2"/>
-            <a:endCxn id="7" idx="0"/>
-          </p:cNvCxnSpPr>
-          <p:nvPr/>
-        </p:nvCxnSpPr>
-        <p:spPr>
-          <a:xfrm flipH="1">
-            <a:off x="7363259" y="1872734"/>
-            <a:ext cx="594492" cy="722740"/>
-          </a:xfrm>
-          <a:prstGeom prst="line">
-            <a:avLst/>
-          </a:prstGeom>
-        </p:spPr>
-        <p:style>
-          <a:lnRef idx="1">
-            <a:schemeClr val="accent1"/>
-          </a:lnRef>
-          <a:fillRef idx="0">
-            <a:schemeClr val="accent1"/>
-          </a:fillRef>
-          <a:effectRef idx="0">
-            <a:schemeClr val="accent1"/>
-          </a:effectRef>
-          <a:fontRef idx="minor">
-            <a:schemeClr val="tx1"/>
-          </a:fontRef>
-        </p:style>
-      </p:cxnSp>
-      <p:cxnSp>
-        <p:nvCxnSpPr>
-          <p:cNvPr id="25" name="直線接點 24"/>
-          <p:cNvCxnSpPr>
-            <a:stCxn id="6" idx="2"/>
-            <a:endCxn id="16" idx="0"/>
-          </p:cNvCxnSpPr>
-          <p:nvPr/>
-        </p:nvCxnSpPr>
-        <p:spPr>
-          <a:xfrm flipH="1">
-            <a:off x="3069526" y="3544326"/>
-            <a:ext cx="1629833" cy="200330"/>
-          </a:xfrm>
-          <a:prstGeom prst="line">
-            <a:avLst/>
-          </a:prstGeom>
-        </p:spPr>
-        <p:style>
-          <a:lnRef idx="1">
-            <a:schemeClr val="accent1"/>
-          </a:lnRef>
-          <a:fillRef idx="0">
-            <a:schemeClr val="accent1"/>
-          </a:fillRef>
-          <a:effectRef idx="0">
-            <a:schemeClr val="accent1"/>
-          </a:effectRef>
-          <a:fontRef idx="minor">
-            <a:schemeClr val="tx1"/>
-          </a:fontRef>
-        </p:style>
-      </p:cxnSp>
-      <p:cxnSp>
-        <p:nvCxnSpPr>
-          <p:cNvPr id="31" name="直線接點 30"/>
-          <p:cNvCxnSpPr>
-            <a:stCxn id="7" idx="2"/>
-            <a:endCxn id="19" idx="0"/>
-          </p:cNvCxnSpPr>
-          <p:nvPr/>
-        </p:nvCxnSpPr>
-        <p:spPr>
-          <a:xfrm>
-            <a:off x="7363259" y="3443972"/>
-            <a:ext cx="33864" cy="296921"/>
-          </a:xfrm>
-          <a:prstGeom prst="line">
-            <a:avLst/>
-          </a:prstGeom>
-        </p:spPr>
-        <p:style>
-          <a:lnRef idx="1">
-            <a:schemeClr val="accent1"/>
-          </a:lnRef>
-          <a:fillRef idx="0">
-            <a:schemeClr val="accent1"/>
-          </a:fillRef>
-          <a:effectRef idx="0">
-            <a:schemeClr val="accent1"/>
-          </a:effectRef>
-          <a:fontRef idx="minor">
-            <a:schemeClr val="tx1"/>
-          </a:fontRef>
-        </p:style>
-      </p:cxnSp>
-      <p:cxnSp>
-        <p:nvCxnSpPr>
-          <p:cNvPr id="37" name="直線接點 36"/>
-          <p:cNvCxnSpPr>
-            <a:stCxn id="6" idx="2"/>
-            <a:endCxn id="17" idx="0"/>
-          </p:cNvCxnSpPr>
-          <p:nvPr/>
-        </p:nvCxnSpPr>
-        <p:spPr>
-          <a:xfrm flipH="1">
-            <a:off x="4453758" y="3544326"/>
-            <a:ext cx="245601" cy="196567"/>
-          </a:xfrm>
-          <a:prstGeom prst="line">
-            <a:avLst/>
-          </a:prstGeom>
-        </p:spPr>
-        <p:style>
-          <a:lnRef idx="1">
-            <a:schemeClr val="accent1"/>
-          </a:lnRef>
-          <a:fillRef idx="0">
-            <a:schemeClr val="accent1"/>
-          </a:fillRef>
-          <a:effectRef idx="0">
-            <a:schemeClr val="accent1"/>
-          </a:effectRef>
-          <a:fontRef idx="minor">
-            <a:schemeClr val="tx1"/>
-          </a:fontRef>
-        </p:style>
-      </p:cxnSp>
-      <p:cxnSp>
-        <p:nvCxnSpPr>
-          <p:cNvPr id="39" name="直線接點 38"/>
-          <p:cNvCxnSpPr>
-            <a:stCxn id="18" idx="0"/>
-            <a:endCxn id="6" idx="2"/>
-          </p:cNvCxnSpPr>
-          <p:nvPr/>
-        </p:nvCxnSpPr>
-        <p:spPr>
-          <a:xfrm flipH="1" flipV="1">
-            <a:off x="4699359" y="3544326"/>
-            <a:ext cx="1144179" cy="200330"/>
-          </a:xfrm>
-          <a:prstGeom prst="line">
-            <a:avLst/>
-          </a:prstGeom>
-        </p:spPr>
-        <p:style>
-          <a:lnRef idx="1">
-            <a:schemeClr val="accent1"/>
-          </a:lnRef>
-          <a:fillRef idx="0">
-            <a:schemeClr val="accent1"/>
-          </a:fillRef>
-          <a:effectRef idx="0">
-            <a:schemeClr val="accent1"/>
-          </a:effectRef>
-          <a:fontRef idx="minor">
-            <a:schemeClr val="tx1"/>
-          </a:fontRef>
-        </p:style>
-      </p:cxnSp>
-      <p:sp>
-        <p:nvSpPr>
-          <p:cNvPr id="46" name="文字方塊 45"/>
-          <p:cNvSpPr txBox="1"/>
-          <p:nvPr/>
-        </p:nvSpPr>
-        <p:spPr>
-          <a:xfrm>
-            <a:off x="1940011" y="5498757"/>
-            <a:ext cx="184731" cy="369332"/>
-          </a:xfrm>
-          <a:prstGeom prst="rect">
-            <a:avLst/>
-          </a:prstGeom>
-          <a:noFill/>
-        </p:spPr>
-        <p:txBody>
-          <a:bodyPr wrap="none" rtlCol="0">
-            <a:spAutoFit/>
-          </a:bodyPr>
-          <a:lstStyle/>
-          <a:p>
-            <a:endParaRPr lang="zh-TW" altLang="en-US" dirty="0"/>
-          </a:p>
-        </p:txBody>
-      </p:sp>
-      <p:sp>
-        <p:nvSpPr>
-          <p:cNvPr id="47" name="文字方塊 46"/>
-          <p:cNvSpPr txBox="1"/>
-          <p:nvPr/>
-        </p:nvSpPr>
-        <p:spPr>
-          <a:xfrm>
-            <a:off x="654908" y="5622324"/>
-            <a:ext cx="6417141" cy="369332"/>
-          </a:xfrm>
-          <a:prstGeom prst="rect">
-            <a:avLst/>
-          </a:prstGeom>
-          <a:noFill/>
-        </p:spPr>
-        <p:txBody>
-          <a:bodyPr wrap="none" rtlCol="0">
-            <a:spAutoFit/>
-          </a:bodyPr>
-          <a:lstStyle/>
-          <a:p>
-            <a:r>
-              <a:rPr lang="zh-TW" altLang="en-US" dirty="0" smtClean="0"/>
-              <a:t>由分析結果可得知，大部分事故發生的地方以交叉入口為主</a:t>
-            </a:r>
-            <a:endParaRPr lang="zh-TW" altLang="en-US" dirty="0"/>
-          </a:p>
-        </p:txBody>
-      </p:sp>
-      <p:sp>
-        <p:nvSpPr>
-          <p:cNvPr id="57" name="矩形 56"/>
-          <p:cNvSpPr/>
-          <p:nvPr/>
-        </p:nvSpPr>
-        <p:spPr>
-          <a:xfrm>
-            <a:off x="8753039" y="2511162"/>
-            <a:ext cx="1507524" cy="848498"/>
-          </a:xfrm>
-          <a:prstGeom prst="rect">
-            <a:avLst/>
-          </a:prstGeom>
-        </p:spPr>
-        <p:style>
-          <a:lnRef idx="2">
-            <a:schemeClr val="accent1">
-              <a:shade val="50000"/>
-            </a:schemeClr>
-          </a:lnRef>
-          <a:fillRef idx="1">
-            <a:schemeClr val="accent1"/>
-          </a:fillRef>
-          <a:effectRef idx="0">
-            <a:schemeClr val="accent1"/>
-          </a:effectRef>
-          <a:fontRef idx="minor">
-            <a:schemeClr val="lt1"/>
-          </a:fontRef>
-        </p:style>
-        <p:txBody>
-          <a:bodyPr rtlCol="0" anchor="ctr"/>
-          <a:lstStyle/>
-          <a:p>
-            <a:pPr algn="ctr"/>
-            <a:r>
-              <a:rPr lang="zh-TW" altLang="en-US" dirty="0" smtClean="0"/>
-              <a:t>其他</a:t>
-            </a:r>
-            <a:endParaRPr lang="en-US" altLang="zh-TW" dirty="0" smtClean="0"/>
-          </a:p>
-          <a:p>
-            <a:pPr algn="ctr"/>
-            <a:r>
-              <a:rPr lang="en-US" altLang="zh-TW" dirty="0" smtClean="0"/>
-              <a:t>122</a:t>
-            </a:r>
-          </a:p>
-          <a:p>
-            <a:pPr algn="ctr"/>
-            <a:r>
-              <a:rPr lang="en-US" altLang="zh-TW" dirty="0" smtClean="0"/>
-              <a:t>15%</a:t>
-            </a:r>
-            <a:endParaRPr lang="zh-TW" altLang="en-US" dirty="0"/>
-          </a:p>
-        </p:txBody>
-      </p:sp>
-      <p:sp>
-        <p:nvSpPr>
-          <p:cNvPr id="58" name="矩形 57"/>
-          <p:cNvSpPr/>
-          <p:nvPr/>
-        </p:nvSpPr>
-        <p:spPr>
-          <a:xfrm>
-            <a:off x="8306798" y="3740893"/>
-            <a:ext cx="1342768" cy="848498"/>
-          </a:xfrm>
-          <a:prstGeom prst="rect">
-            <a:avLst/>
-          </a:prstGeom>
-        </p:spPr>
-        <p:style>
-          <a:lnRef idx="2">
-            <a:schemeClr val="accent1">
-              <a:shade val="50000"/>
-            </a:schemeClr>
-          </a:lnRef>
-          <a:fillRef idx="1">
-            <a:schemeClr val="accent1"/>
-          </a:fillRef>
-          <a:effectRef idx="0">
-            <a:schemeClr val="accent1"/>
-          </a:effectRef>
-          <a:fontRef idx="minor">
-            <a:schemeClr val="lt1"/>
-          </a:fontRef>
-        </p:style>
-        <p:txBody>
-          <a:bodyPr rtlCol="0" anchor="ctr"/>
-          <a:lstStyle/>
-          <a:p>
-            <a:pPr algn="ctr"/>
-            <a:r>
-              <a:rPr lang="zh-TW" altLang="en-US" dirty="0" smtClean="0"/>
-              <a:t>交叉</a:t>
-            </a:r>
-            <a:r>
-              <a:rPr lang="zh-TW" altLang="en-US" dirty="0"/>
-              <a:t>路</a:t>
-            </a:r>
-            <a:r>
-              <a:rPr lang="zh-TW" altLang="en-US" dirty="0" smtClean="0"/>
-              <a:t>口</a:t>
-            </a:r>
-            <a:r>
-              <a:rPr lang="zh-TW" altLang="en-US" dirty="0"/>
-              <a:t>內</a:t>
-            </a:r>
-            <a:endParaRPr lang="en-US" altLang="zh-TW" dirty="0" smtClean="0"/>
-          </a:p>
-          <a:p>
-            <a:pPr algn="ctr"/>
-            <a:r>
-              <a:rPr lang="en-US" altLang="zh-TW" dirty="0" smtClean="0"/>
-              <a:t>40</a:t>
-            </a:r>
-          </a:p>
-          <a:p>
-            <a:pPr algn="ctr"/>
-            <a:r>
-              <a:rPr lang="en-US" altLang="zh-TW" dirty="0" smtClean="0"/>
-              <a:t>32.79%</a:t>
-            </a:r>
-            <a:endParaRPr lang="zh-TW" altLang="en-US" dirty="0"/>
-          </a:p>
-        </p:txBody>
-      </p:sp>
-      <p:cxnSp>
-        <p:nvCxnSpPr>
-          <p:cNvPr id="59" name="直線接點 58"/>
-          <p:cNvCxnSpPr>
-            <a:stCxn id="5" idx="2"/>
-            <a:endCxn id="57" idx="0"/>
-          </p:cNvCxnSpPr>
-          <p:nvPr/>
-        </p:nvCxnSpPr>
-        <p:spPr>
-          <a:xfrm>
-            <a:off x="7957751" y="1872734"/>
-            <a:ext cx="1549050" cy="638428"/>
-          </a:xfrm>
-          <a:prstGeom prst="line">
-            <a:avLst/>
-          </a:prstGeom>
-        </p:spPr>
-        <p:style>
-          <a:lnRef idx="1">
-            <a:schemeClr val="accent1"/>
-          </a:lnRef>
-          <a:fillRef idx="0">
-            <a:schemeClr val="accent1"/>
-          </a:fillRef>
-          <a:effectRef idx="0">
-            <a:schemeClr val="accent1"/>
-          </a:effectRef>
-          <a:fontRef idx="minor">
-            <a:schemeClr val="tx1"/>
-          </a:fontRef>
-        </p:style>
-      </p:cxnSp>
-      <p:cxnSp>
-        <p:nvCxnSpPr>
-          <p:cNvPr id="60" name="直線接點 59"/>
-          <p:cNvCxnSpPr>
-            <a:stCxn id="57" idx="2"/>
-            <a:endCxn id="58" idx="0"/>
-          </p:cNvCxnSpPr>
-          <p:nvPr/>
-        </p:nvCxnSpPr>
-        <p:spPr>
-          <a:xfrm flipH="1">
-            <a:off x="8978182" y="3359660"/>
-            <a:ext cx="528619" cy="381233"/>
-          </a:xfrm>
-          <a:prstGeom prst="line">
-            <a:avLst/>
-          </a:prstGeom>
-        </p:spPr>
-        <p:style>
-          <a:lnRef idx="1">
-            <a:schemeClr val="accent1"/>
-          </a:lnRef>
-          <a:fillRef idx="0">
-            <a:schemeClr val="accent1"/>
-          </a:fillRef>
-          <a:effectRef idx="0">
-            <a:schemeClr val="accent1"/>
-          </a:effectRef>
-          <a:fontRef idx="minor">
-            <a:schemeClr val="tx1"/>
-          </a:fontRef>
-        </p:style>
-      </p:cxnSp>
-      <p:sp>
-        <p:nvSpPr>
-          <p:cNvPr id="66" name="矩形 65"/>
-          <p:cNvSpPr/>
-          <p:nvPr/>
-        </p:nvSpPr>
-        <p:spPr>
-          <a:xfrm>
-            <a:off x="9696578" y="3736687"/>
-            <a:ext cx="1342768" cy="848498"/>
-          </a:xfrm>
-          <a:prstGeom prst="rect">
-            <a:avLst/>
-          </a:prstGeom>
-        </p:spPr>
-        <p:style>
-          <a:lnRef idx="2">
-            <a:schemeClr val="accent1">
-              <a:shade val="50000"/>
-            </a:schemeClr>
-          </a:lnRef>
-          <a:fillRef idx="1">
-            <a:schemeClr val="accent1"/>
-          </a:fillRef>
-          <a:effectRef idx="0">
-            <a:schemeClr val="accent1"/>
-          </a:effectRef>
-          <a:fontRef idx="minor">
-            <a:schemeClr val="lt1"/>
-          </a:fontRef>
-        </p:style>
-        <p:txBody>
-          <a:bodyPr rtlCol="0" anchor="ctr"/>
-          <a:lstStyle/>
-          <a:p>
-            <a:pPr algn="ctr"/>
-            <a:r>
-              <a:rPr lang="zh-TW" altLang="en-US" dirty="0" smtClean="0"/>
-              <a:t>一般車道</a:t>
-            </a:r>
-            <a:endParaRPr lang="en-US" altLang="zh-TW" dirty="0" smtClean="0"/>
-          </a:p>
-          <a:p>
-            <a:pPr algn="ctr"/>
-            <a:r>
-              <a:rPr lang="en-US" altLang="zh-TW" dirty="0" smtClean="0"/>
-              <a:t>42</a:t>
-            </a:r>
-          </a:p>
-          <a:p>
-            <a:pPr algn="ctr"/>
-            <a:r>
-              <a:rPr lang="en-US" altLang="zh-TW" dirty="0" smtClean="0"/>
-              <a:t>34.43%</a:t>
-            </a:r>
-            <a:endParaRPr lang="zh-TW" altLang="en-US" dirty="0"/>
-          </a:p>
-        </p:txBody>
-      </p:sp>
-      <p:cxnSp>
-        <p:nvCxnSpPr>
-          <p:cNvPr id="68" name="直線接點 67"/>
-          <p:cNvCxnSpPr>
-            <a:stCxn id="66" idx="0"/>
-            <a:endCxn id="57" idx="2"/>
-          </p:cNvCxnSpPr>
-          <p:nvPr/>
-        </p:nvCxnSpPr>
-        <p:spPr>
-          <a:xfrm flipH="1" flipV="1">
-            <a:off x="9506801" y="3359660"/>
-            <a:ext cx="861161" cy="377027"/>
-          </a:xfrm>
-          <a:prstGeom prst="line">
-            <a:avLst/>
-          </a:prstGeom>
-        </p:spPr>
-        <p:style>
-          <a:lnRef idx="1">
-            <a:schemeClr val="accent1"/>
-          </a:lnRef>
-          <a:fillRef idx="0">
-            <a:schemeClr val="accent1"/>
-          </a:fillRef>
-          <a:effectRef idx="0">
-            <a:schemeClr val="accent1"/>
-          </a:effectRef>
-          <a:fontRef idx="minor">
-            <a:schemeClr val="tx1"/>
-          </a:fontRef>
-        </p:style>
-      </p:cxnSp>
+              <a:rPr lang="zh-TW" altLang="en-US" sz="2000" dirty="0" smtClean="0"/>
+              <a:t>欄位名稱</a:t>
+            </a:r>
+            <a:endParaRPr lang="zh-TW" altLang="en-US" sz="2000" dirty="0"/>
+          </a:p>
+        </p:txBody>
+      </p:sp>
     </p:spTree>
     <p:extLst>
       <p:ext uri="{BB962C8B-B14F-4D97-AF65-F5344CB8AC3E}">
-        <p14:creationId xmlns:p14="http://schemas.microsoft.com/office/powerpoint/2010/main" val="3279747601"/>
+        <p14:creationId xmlns:p14="http://schemas.microsoft.com/office/powerpoint/2010/main" val="3663919359"/>
       </p:ext>
     </p:extLst>
   </p:cSld>
@@ -4187,7 +6482,7 @@
 </p:sld>
 </file>
 
-<file path=ppt/slides/slide3.xml><?xml version="1.0" encoding="utf-8"?>
+<file path=ppt/slides/slide6.xml><?xml version="1.0" encoding="utf-8"?>
 <p:sld xmlns:a="http://schemas.openxmlformats.org/drawingml/2006/main" xmlns:r="http://schemas.openxmlformats.org/officeDocument/2006/relationships" xmlns:p="http://schemas.openxmlformats.org/presentationml/2006/main">
   <p:cSld>
     <p:spTree>
@@ -4206,19 +6501,24 @@
       </p:grpSpPr>
       <p:sp>
         <p:nvSpPr>
-          <p:cNvPr id="4" name="文字方塊 3"/>
+          <p:cNvPr id="9" name="文字方塊 8"/>
           <p:cNvSpPr txBox="1"/>
           <p:nvPr/>
         </p:nvSpPr>
         <p:spPr>
           <a:xfrm>
-            <a:off x="94734" y="86498"/>
-            <a:ext cx="2031325" cy="369332"/>
+            <a:off x="0" y="36822"/>
+            <a:ext cx="1338828" cy="369332"/>
           </a:xfrm>
           <a:prstGeom prst="rect">
             <a:avLst/>
           </a:prstGeom>
           <a:noFill/>
+          <a:ln>
+            <a:solidFill>
+              <a:schemeClr val="tx2"/>
+            </a:solidFill>
+          </a:ln>
         </p:spPr>
         <p:txBody>
           <a:bodyPr wrap="none" rtlCol="0">
@@ -4228,7 +6528,7 @@
           <a:p>
             <a:r>
               <a:rPr lang="zh-TW" altLang="en-US" dirty="0" smtClean="0"/>
-              <a:t>分析車與車的事故</a:t>
+              <a:t>決策樹分析</a:t>
             </a:r>
             <a:endParaRPr lang="zh-TW" altLang="en-US" dirty="0"/>
           </a:p>
@@ -4236,51 +6536,69 @@
       </p:sp>
       <p:sp>
         <p:nvSpPr>
-          <p:cNvPr id="5" name="矩形 4"/>
-          <p:cNvSpPr/>
+          <p:cNvPr id="10" name="文字方塊 9"/>
+          <p:cNvSpPr txBox="1"/>
           <p:nvPr/>
         </p:nvSpPr>
         <p:spPr>
           <a:xfrm>
-            <a:off x="7080421" y="1094258"/>
-            <a:ext cx="1507524" cy="778476"/>
+            <a:off x="207818" y="969819"/>
+            <a:ext cx="3126177" cy="923330"/>
           </a:xfrm>
           <a:prstGeom prst="rect">
             <a:avLst/>
           </a:prstGeom>
-        </p:spPr>
-        <p:style>
-          <a:lnRef idx="2">
-            <a:schemeClr val="accent1">
-              <a:shade val="50000"/>
-            </a:schemeClr>
-          </a:lnRef>
-          <a:fillRef idx="1">
-            <a:schemeClr val="accent1"/>
-          </a:fillRef>
-          <a:effectRef idx="0">
-            <a:schemeClr val="accent1"/>
-          </a:effectRef>
-          <a:fontRef idx="minor">
-            <a:schemeClr val="lt1"/>
-          </a:fontRef>
-        </p:style>
-        <p:txBody>
-          <a:bodyPr rtlCol="0" anchor="ctr"/>
-          <a:lstStyle/>
-          <a:p>
-            <a:pPr algn="ctr"/>
-            <a:r>
-              <a:rPr lang="zh-TW" altLang="en-US" dirty="0" smtClean="0"/>
-              <a:t>車與車事故</a:t>
-            </a:r>
-            <a:endParaRPr lang="en-US" altLang="zh-TW" dirty="0" smtClean="0"/>
-          </a:p>
-          <a:p>
-            <a:pPr algn="ctr"/>
+          <a:noFill/>
+        </p:spPr>
+        <p:txBody>
+          <a:bodyPr wrap="none" rtlCol="0">
+            <a:spAutoFit/>
+          </a:bodyPr>
+          <a:lstStyle/>
+          <a:p>
             <a:r>
               <a:rPr lang="en-US" altLang="zh-TW" dirty="0" smtClean="0"/>
-              <a:t>834</a:t>
+              <a:t>1</a:t>
+            </a:r>
+          </a:p>
+          <a:p>
+            <a:r>
+              <a:rPr lang="zh-TW" altLang="en-US" dirty="0" smtClean="0"/>
+              <a:t>使用欄位；</a:t>
+            </a:r>
+            <a:r>
+              <a:rPr lang="en-US" altLang="zh-TW" dirty="0" smtClean="0"/>
+              <a:t>(</a:t>
+            </a:r>
+            <a:r>
+              <a:rPr lang="zh-TW" altLang="en-US" dirty="0"/>
+              <a:t>待定</a:t>
+            </a:r>
+            <a:r>
+              <a:rPr lang="en-US" altLang="zh-TW" dirty="0" smtClean="0"/>
+              <a:t>)</a:t>
+            </a:r>
+          </a:p>
+          <a:p>
+            <a:r>
+              <a:rPr lang="en-US" altLang="zh-TW" dirty="0" smtClean="0"/>
+              <a:t>label</a:t>
+            </a:r>
+            <a:r>
+              <a:rPr lang="zh-TW" altLang="en-US" dirty="0" smtClean="0"/>
+              <a:t>：事故類別名稱</a:t>
+            </a:r>
+            <a:r>
+              <a:rPr lang="en-US" altLang="zh-TW" dirty="0" smtClean="0"/>
+              <a:t>(A1</a:t>
+            </a:r>
+            <a:r>
+              <a:rPr lang="zh-TW" altLang="en-US" dirty="0" smtClean="0"/>
+              <a:t>，</a:t>
+            </a:r>
+            <a:r>
+              <a:rPr lang="en-US" altLang="zh-TW" dirty="0" smtClean="0"/>
+              <a:t>A2)</a:t>
             </a:r>
             <a:endParaRPr lang="zh-TW" altLang="en-US" dirty="0"/>
           </a:p>
@@ -4288,649 +6606,144 @@
       </p:sp>
       <p:sp>
         <p:nvSpPr>
-          <p:cNvPr id="6" name="矩形 5"/>
-          <p:cNvSpPr/>
+          <p:cNvPr id="11" name="文字方塊 10"/>
+          <p:cNvSpPr txBox="1"/>
           <p:nvPr/>
         </p:nvSpPr>
         <p:spPr>
           <a:xfrm>
-            <a:off x="5301049" y="2445263"/>
-            <a:ext cx="1507524" cy="848498"/>
+            <a:off x="207818" y="2701637"/>
+            <a:ext cx="10792691" cy="923330"/>
           </a:xfrm>
           <a:prstGeom prst="rect">
             <a:avLst/>
           </a:prstGeom>
-        </p:spPr>
-        <p:style>
-          <a:lnRef idx="2">
-            <a:schemeClr val="accent1">
-              <a:shade val="50000"/>
-            </a:schemeClr>
-          </a:lnRef>
-          <a:fillRef idx="1">
-            <a:schemeClr val="accent1"/>
-          </a:fillRef>
-          <a:effectRef idx="0">
-            <a:schemeClr val="accent1"/>
-          </a:effectRef>
-          <a:fontRef idx="minor">
-            <a:schemeClr val="lt1"/>
-          </a:fontRef>
-        </p:style>
-        <p:txBody>
-          <a:bodyPr rtlCol="0" anchor="ctr"/>
-          <a:lstStyle/>
-          <a:p>
-            <a:pPr algn="ctr"/>
-            <a:r>
-              <a:rPr lang="zh-TW" altLang="en-US" dirty="0" smtClean="0"/>
-              <a:t>無號誌</a:t>
-            </a:r>
-            <a:endParaRPr lang="en-US" altLang="zh-TW" dirty="0" smtClean="0"/>
-          </a:p>
-          <a:p>
-            <a:pPr algn="ctr"/>
-            <a:r>
-              <a:rPr lang="en-US" altLang="zh-TW" dirty="0" smtClean="0"/>
-              <a:t>474</a:t>
-            </a:r>
-          </a:p>
-          <a:p>
-            <a:pPr algn="ctr"/>
-            <a:r>
-              <a:rPr lang="en-US" altLang="zh-TW" dirty="0" smtClean="0"/>
-              <a:t>57%</a:t>
-            </a:r>
-            <a:endParaRPr lang="zh-TW" altLang="en-US" dirty="0"/>
-          </a:p>
-        </p:txBody>
-      </p:sp>
-      <p:sp>
-        <p:nvSpPr>
-          <p:cNvPr id="7" name="矩形 6"/>
-          <p:cNvSpPr/>
-          <p:nvPr/>
-        </p:nvSpPr>
-        <p:spPr>
-          <a:xfrm>
-            <a:off x="8850168" y="2445263"/>
-            <a:ext cx="1665431" cy="848498"/>
-          </a:xfrm>
-          <a:prstGeom prst="rect">
-            <a:avLst/>
-          </a:prstGeom>
-        </p:spPr>
-        <p:style>
-          <a:lnRef idx="2">
-            <a:schemeClr val="accent1">
-              <a:shade val="50000"/>
-            </a:schemeClr>
-          </a:lnRef>
-          <a:fillRef idx="1">
-            <a:schemeClr val="accent1"/>
-          </a:fillRef>
-          <a:effectRef idx="0">
-            <a:schemeClr val="accent1"/>
-          </a:effectRef>
-          <a:fontRef idx="minor">
-            <a:schemeClr val="lt1"/>
-          </a:fontRef>
-        </p:style>
-        <p:txBody>
-          <a:bodyPr rtlCol="0" anchor="ctr"/>
-          <a:lstStyle/>
-          <a:p>
-            <a:pPr algn="ctr"/>
-            <a:r>
-              <a:rPr lang="zh-TW" altLang="en-US" dirty="0" smtClean="0"/>
-              <a:t>行車管制號誌</a:t>
-            </a:r>
-            <a:r>
-              <a:rPr lang="en-US" altLang="zh-TW" dirty="0" smtClean="0"/>
-              <a:t>235</a:t>
-            </a:r>
-          </a:p>
-          <a:p>
-            <a:pPr algn="ctr"/>
-            <a:r>
-              <a:rPr lang="en-US" altLang="zh-TW" dirty="0" smtClean="0"/>
-              <a:t>28%</a:t>
-            </a:r>
-            <a:endParaRPr lang="zh-TW" altLang="en-US" dirty="0"/>
-          </a:p>
-        </p:txBody>
-      </p:sp>
-      <p:sp>
-        <p:nvSpPr>
-          <p:cNvPr id="10" name="矩形 9"/>
-          <p:cNvSpPr/>
-          <p:nvPr/>
-        </p:nvSpPr>
-        <p:spPr>
-          <a:xfrm>
-            <a:off x="-1" y="1298830"/>
-            <a:ext cx="2954655" cy="369332"/>
-          </a:xfrm>
-          <a:prstGeom prst="rect">
-            <a:avLst/>
-          </a:prstGeom>
-        </p:spPr>
-        <p:txBody>
-          <a:bodyPr wrap="none">
+          <a:noFill/>
+        </p:spPr>
+        <p:txBody>
+          <a:bodyPr wrap="square" rtlCol="0">
             <a:spAutoFit/>
           </a:bodyPr>
           <a:lstStyle/>
           <a:p>
             <a:r>
-              <a:rPr lang="zh-TW" altLang="en-US" dirty="0" smtClean="0"/>
-              <a:t>事故類型及型態大類別名稱</a:t>
+              <a:rPr lang="en-US" altLang="zh-TW" dirty="0" smtClean="0"/>
+              <a:t>2</a:t>
+            </a:r>
+          </a:p>
+          <a:p>
+            <a:r>
+              <a:rPr lang="zh-TW" altLang="en-US" dirty="0" smtClean="0"/>
+              <a:t>使用欄位；</a:t>
+            </a:r>
+            <a:r>
+              <a:rPr lang="en-US" altLang="zh-TW" dirty="0" smtClean="0"/>
+              <a:t>(</a:t>
+            </a:r>
+            <a:r>
+              <a:rPr lang="zh-TW" altLang="en-US" dirty="0"/>
+              <a:t>待定</a:t>
+            </a:r>
+            <a:r>
+              <a:rPr lang="en-US" altLang="zh-TW" dirty="0" smtClean="0"/>
+              <a:t>)</a:t>
+            </a:r>
+          </a:p>
+          <a:p>
+            <a:r>
+              <a:rPr lang="en-US" altLang="zh-TW" dirty="0" smtClean="0"/>
+              <a:t>label</a:t>
+            </a:r>
+            <a:r>
+              <a:rPr lang="zh-TW" altLang="en-US" dirty="0" smtClean="0"/>
+              <a:t>：事故類型及型態名稱，大類別或子類別</a:t>
+            </a:r>
+            <a:r>
+              <a:rPr lang="en-US" altLang="zh-TW" dirty="0" smtClean="0"/>
+              <a:t>(</a:t>
+            </a:r>
+            <a:r>
+              <a:rPr lang="zh-TW" altLang="en-US" dirty="0" smtClean="0"/>
+              <a:t>大</a:t>
+            </a:r>
+            <a:r>
+              <a:rPr lang="zh-TW" altLang="en-US" dirty="0"/>
+              <a:t>類別：車與</a:t>
+            </a:r>
+            <a:r>
+              <a:rPr lang="zh-TW" altLang="en-US" dirty="0" smtClean="0"/>
+              <a:t>車、汽</a:t>
+            </a:r>
+            <a:r>
+              <a:rPr lang="en-US" altLang="zh-TW" dirty="0"/>
+              <a:t>(</a:t>
+            </a:r>
+            <a:r>
+              <a:rPr lang="zh-TW" altLang="en-US" dirty="0"/>
+              <a:t>機</a:t>
+            </a:r>
+            <a:r>
+              <a:rPr lang="en-US" altLang="zh-TW" dirty="0"/>
+              <a:t>)</a:t>
+            </a:r>
+            <a:r>
+              <a:rPr lang="zh-TW" altLang="en-US" dirty="0"/>
+              <a:t>車</a:t>
+            </a:r>
+            <a:r>
+              <a:rPr lang="zh-TW" altLang="en-US" dirty="0" smtClean="0"/>
+              <a:t>本身</a:t>
+            </a:r>
+            <a:r>
+              <a:rPr lang="en-US" altLang="zh-TW" dirty="0" smtClean="0"/>
+              <a:t>…</a:t>
+            </a:r>
+            <a:r>
+              <a:rPr lang="zh-TW" altLang="en-US" dirty="0" smtClean="0"/>
+              <a:t>；子類別：追撞、側撞</a:t>
+            </a:r>
+            <a:r>
+              <a:rPr lang="en-US" altLang="zh-TW" dirty="0" smtClean="0"/>
+              <a:t>…)</a:t>
             </a:r>
             <a:endParaRPr lang="zh-TW" altLang="en-US" dirty="0"/>
           </a:p>
         </p:txBody>
       </p:sp>
-      <p:sp>
-        <p:nvSpPr>
-          <p:cNvPr id="13" name="矩形 12"/>
-          <p:cNvSpPr/>
-          <p:nvPr/>
-        </p:nvSpPr>
-        <p:spPr>
-          <a:xfrm>
-            <a:off x="59467" y="2680040"/>
-            <a:ext cx="2101857" cy="369332"/>
-          </a:xfrm>
-          <a:prstGeom prst="rect">
-            <a:avLst/>
-          </a:prstGeom>
-        </p:spPr>
-        <p:txBody>
-          <a:bodyPr wrap="none">
-            <a:spAutoFit/>
-          </a:bodyPr>
-          <a:lstStyle/>
-          <a:p>
-            <a:r>
-              <a:rPr lang="zh-TW" altLang="en-US" dirty="0" smtClean="0"/>
-              <a:t>號誌</a:t>
-            </a:r>
-            <a:r>
-              <a:rPr lang="en-US" altLang="zh-TW" dirty="0" smtClean="0"/>
-              <a:t>-</a:t>
-            </a:r>
-            <a:r>
-              <a:rPr lang="zh-TW" altLang="en-US" dirty="0" smtClean="0"/>
-              <a:t>號誌種類名稱</a:t>
-            </a:r>
-            <a:endParaRPr lang="zh-TW" altLang="en-US" dirty="0"/>
-          </a:p>
-        </p:txBody>
-      </p:sp>
-      <p:sp>
-        <p:nvSpPr>
-          <p:cNvPr id="2" name="矩形 1"/>
-          <p:cNvSpPr/>
-          <p:nvPr/>
-        </p:nvSpPr>
-        <p:spPr>
-          <a:xfrm>
-            <a:off x="94734" y="4430582"/>
-            <a:ext cx="2794355" cy="369332"/>
-          </a:xfrm>
-          <a:prstGeom prst="rect">
-            <a:avLst/>
-          </a:prstGeom>
-        </p:spPr>
-        <p:txBody>
-          <a:bodyPr wrap="none">
-            <a:spAutoFit/>
-          </a:bodyPr>
-          <a:lstStyle/>
-          <a:p>
-            <a:r>
-              <a:rPr lang="zh-TW" altLang="en-US" dirty="0" smtClean="0"/>
-              <a:t>肇因研判子類別名稱-主要</a:t>
-            </a:r>
-            <a:endParaRPr lang="zh-TW" altLang="en-US" dirty="0"/>
-          </a:p>
-        </p:txBody>
-      </p:sp>
-      <p:sp>
-        <p:nvSpPr>
-          <p:cNvPr id="15" name="矩形 14"/>
-          <p:cNvSpPr/>
-          <p:nvPr/>
-        </p:nvSpPr>
-        <p:spPr>
-          <a:xfrm>
-            <a:off x="3884139" y="4104502"/>
-            <a:ext cx="1651687" cy="848498"/>
-          </a:xfrm>
-          <a:prstGeom prst="rect">
-            <a:avLst/>
-          </a:prstGeom>
-        </p:spPr>
-        <p:style>
-          <a:lnRef idx="2">
-            <a:schemeClr val="accent1">
-              <a:shade val="50000"/>
-            </a:schemeClr>
-          </a:lnRef>
-          <a:fillRef idx="1">
-            <a:schemeClr val="accent1"/>
-          </a:fillRef>
-          <a:effectRef idx="0">
-            <a:schemeClr val="accent1"/>
-          </a:effectRef>
-          <a:fontRef idx="minor">
-            <a:schemeClr val="lt1"/>
-          </a:fontRef>
-        </p:style>
-        <p:txBody>
-          <a:bodyPr rtlCol="0" anchor="ctr"/>
-          <a:lstStyle/>
-          <a:p>
-            <a:pPr algn="ctr"/>
-            <a:r>
-              <a:rPr lang="zh-TW" altLang="en-US" dirty="0" smtClean="0"/>
-              <a:t>未依規定讓車</a:t>
-            </a:r>
-            <a:endParaRPr lang="en-US" altLang="zh-TW" dirty="0" smtClean="0"/>
-          </a:p>
-          <a:p>
-            <a:pPr algn="ctr"/>
-            <a:r>
-              <a:rPr lang="en-US" altLang="zh-TW" dirty="0" smtClean="0"/>
-              <a:t>111</a:t>
-            </a:r>
-          </a:p>
-          <a:p>
-            <a:pPr algn="ctr"/>
-            <a:r>
-              <a:rPr lang="en-US" altLang="zh-TW" dirty="0" smtClean="0"/>
-              <a:t>23.42%</a:t>
-            </a:r>
-            <a:endParaRPr lang="zh-TW" altLang="en-US" dirty="0"/>
-          </a:p>
-        </p:txBody>
-      </p:sp>
-      <p:sp>
-        <p:nvSpPr>
-          <p:cNvPr id="20" name="矩形 19"/>
-          <p:cNvSpPr/>
-          <p:nvPr/>
-        </p:nvSpPr>
-        <p:spPr>
-          <a:xfrm>
-            <a:off x="5634681" y="4104502"/>
-            <a:ext cx="1865870" cy="848498"/>
-          </a:xfrm>
-          <a:prstGeom prst="rect">
-            <a:avLst/>
-          </a:prstGeom>
-        </p:spPr>
-        <p:style>
-          <a:lnRef idx="2">
-            <a:schemeClr val="accent1">
-              <a:shade val="50000"/>
-            </a:schemeClr>
-          </a:lnRef>
-          <a:fillRef idx="1">
-            <a:schemeClr val="accent1"/>
-          </a:fillRef>
-          <a:effectRef idx="0">
-            <a:schemeClr val="accent1"/>
-          </a:effectRef>
-          <a:fontRef idx="minor">
-            <a:schemeClr val="lt1"/>
-          </a:fontRef>
-        </p:style>
-        <p:txBody>
-          <a:bodyPr rtlCol="0" anchor="ctr"/>
-          <a:lstStyle/>
-          <a:p>
-            <a:pPr algn="ctr"/>
-            <a:r>
-              <a:rPr lang="zh-TW" altLang="en-US" dirty="0" smtClean="0"/>
-              <a:t>未注意車前狀態</a:t>
-            </a:r>
-            <a:endParaRPr lang="en-US" altLang="zh-TW" dirty="0" smtClean="0"/>
-          </a:p>
-          <a:p>
-            <a:pPr algn="ctr"/>
-            <a:r>
-              <a:rPr lang="en-US" altLang="zh-TW" dirty="0" smtClean="0"/>
-              <a:t>93</a:t>
-            </a:r>
-          </a:p>
-          <a:p>
-            <a:pPr algn="ctr"/>
-            <a:r>
-              <a:rPr lang="en-US" altLang="zh-TW" dirty="0" smtClean="0"/>
-              <a:t>16.62%</a:t>
-            </a:r>
-            <a:endParaRPr lang="zh-TW" altLang="en-US" dirty="0"/>
-          </a:p>
-        </p:txBody>
-      </p:sp>
-      <p:sp>
-        <p:nvSpPr>
-          <p:cNvPr id="21" name="矩形 20"/>
-          <p:cNvSpPr/>
-          <p:nvPr/>
-        </p:nvSpPr>
-        <p:spPr>
-          <a:xfrm>
-            <a:off x="7705467" y="4104502"/>
-            <a:ext cx="2292179" cy="848498"/>
-          </a:xfrm>
-          <a:prstGeom prst="rect">
-            <a:avLst/>
-          </a:prstGeom>
-        </p:spPr>
-        <p:style>
-          <a:lnRef idx="2">
-            <a:schemeClr val="accent1">
-              <a:shade val="50000"/>
-            </a:schemeClr>
-          </a:lnRef>
-          <a:fillRef idx="1">
-            <a:schemeClr val="accent1"/>
-          </a:fillRef>
-          <a:effectRef idx="0">
-            <a:schemeClr val="accent1"/>
-          </a:effectRef>
-          <a:fontRef idx="minor">
-            <a:schemeClr val="lt1"/>
-          </a:fontRef>
-        </p:style>
-        <p:txBody>
-          <a:bodyPr rtlCol="0" anchor="ctr"/>
-          <a:lstStyle/>
-          <a:p>
-            <a:pPr algn="ctr"/>
-            <a:r>
-              <a:rPr lang="zh-TW" altLang="en-US" dirty="0" smtClean="0"/>
-              <a:t>違反號誌管制或指揮</a:t>
-            </a:r>
-            <a:r>
-              <a:rPr lang="en-US" altLang="zh-TW" dirty="0" smtClean="0"/>
-              <a:t>73</a:t>
-            </a:r>
-          </a:p>
-          <a:p>
-            <a:pPr algn="ctr"/>
-            <a:r>
-              <a:rPr lang="en-US" altLang="zh-TW" dirty="0" smtClean="0"/>
-              <a:t>31.06%</a:t>
-            </a:r>
-            <a:endParaRPr lang="zh-TW" altLang="en-US" dirty="0"/>
-          </a:p>
-        </p:txBody>
-      </p:sp>
-      <p:sp>
-        <p:nvSpPr>
-          <p:cNvPr id="22" name="矩形 21"/>
-          <p:cNvSpPr/>
-          <p:nvPr/>
-        </p:nvSpPr>
-        <p:spPr>
-          <a:xfrm>
-            <a:off x="10202562" y="4104502"/>
-            <a:ext cx="1635211" cy="848498"/>
-          </a:xfrm>
-          <a:prstGeom prst="rect">
-            <a:avLst/>
-          </a:prstGeom>
-        </p:spPr>
-        <p:style>
-          <a:lnRef idx="2">
-            <a:schemeClr val="accent1">
-              <a:shade val="50000"/>
-            </a:schemeClr>
-          </a:lnRef>
-          <a:fillRef idx="1">
-            <a:schemeClr val="accent1"/>
-          </a:fillRef>
-          <a:effectRef idx="0">
-            <a:schemeClr val="accent1"/>
-          </a:effectRef>
-          <a:fontRef idx="minor">
-            <a:schemeClr val="lt1"/>
-          </a:fontRef>
-        </p:style>
-        <p:txBody>
-          <a:bodyPr rtlCol="0" anchor="ctr"/>
-          <a:lstStyle/>
-          <a:p>
-            <a:r>
-              <a:rPr lang="zh-TW" altLang="en-US" dirty="0" smtClean="0"/>
-              <a:t>未依規定讓車</a:t>
-            </a:r>
-          </a:p>
-          <a:p>
-            <a:pPr algn="ctr"/>
-            <a:r>
-              <a:rPr lang="en-US" altLang="zh-TW" dirty="0"/>
-              <a:t>5</a:t>
-            </a:r>
-            <a:r>
-              <a:rPr lang="en-US" altLang="zh-TW" dirty="0" smtClean="0"/>
-              <a:t>3</a:t>
-            </a:r>
-          </a:p>
-          <a:p>
-            <a:pPr algn="ctr"/>
-            <a:r>
-              <a:rPr lang="en-US" altLang="zh-TW" dirty="0" smtClean="0"/>
-              <a:t>22.55%</a:t>
-            </a:r>
-            <a:endParaRPr lang="zh-TW" altLang="en-US" dirty="0"/>
-          </a:p>
-        </p:txBody>
-      </p:sp>
-      <p:cxnSp>
-        <p:nvCxnSpPr>
-          <p:cNvPr id="9" name="直線接點 8"/>
-          <p:cNvCxnSpPr>
-            <a:stCxn id="5" idx="2"/>
-            <a:endCxn id="6" idx="0"/>
-          </p:cNvCxnSpPr>
-          <p:nvPr/>
-        </p:nvCxnSpPr>
-        <p:spPr>
-          <a:xfrm flipH="1">
-            <a:off x="6054811" y="1872734"/>
-            <a:ext cx="1779372" cy="572529"/>
-          </a:xfrm>
-          <a:prstGeom prst="line">
-            <a:avLst/>
-          </a:prstGeom>
-        </p:spPr>
-        <p:style>
-          <a:lnRef idx="1">
-            <a:schemeClr val="accent1"/>
-          </a:lnRef>
-          <a:fillRef idx="0">
-            <a:schemeClr val="accent1"/>
-          </a:fillRef>
-          <a:effectRef idx="0">
-            <a:schemeClr val="accent1"/>
-          </a:effectRef>
-          <a:fontRef idx="minor">
-            <a:schemeClr val="tx1"/>
-          </a:fontRef>
-        </p:style>
-      </p:cxnSp>
-      <p:cxnSp>
-        <p:nvCxnSpPr>
-          <p:cNvPr id="23" name="直線接點 22"/>
-          <p:cNvCxnSpPr>
-            <a:stCxn id="5" idx="2"/>
-            <a:endCxn id="7" idx="0"/>
-          </p:cNvCxnSpPr>
-          <p:nvPr/>
-        </p:nvCxnSpPr>
-        <p:spPr>
-          <a:xfrm>
-            <a:off x="7834183" y="1872734"/>
-            <a:ext cx="1848701" cy="572529"/>
-          </a:xfrm>
-          <a:prstGeom prst="line">
-            <a:avLst/>
-          </a:prstGeom>
-        </p:spPr>
-        <p:style>
-          <a:lnRef idx="1">
-            <a:schemeClr val="accent1"/>
-          </a:lnRef>
-          <a:fillRef idx="0">
-            <a:schemeClr val="accent1"/>
-          </a:fillRef>
-          <a:effectRef idx="0">
-            <a:schemeClr val="accent1"/>
-          </a:effectRef>
-          <a:fontRef idx="minor">
-            <a:schemeClr val="tx1"/>
-          </a:fontRef>
-        </p:style>
-      </p:cxnSp>
-      <p:cxnSp>
-        <p:nvCxnSpPr>
-          <p:cNvPr id="25" name="直線接點 24"/>
-          <p:cNvCxnSpPr>
-            <a:stCxn id="6" idx="2"/>
-            <a:endCxn id="15" idx="0"/>
-          </p:cNvCxnSpPr>
-          <p:nvPr/>
-        </p:nvCxnSpPr>
-        <p:spPr>
-          <a:xfrm flipH="1">
-            <a:off x="4709983" y="3293761"/>
-            <a:ext cx="1344828" cy="810741"/>
-          </a:xfrm>
-          <a:prstGeom prst="line">
-            <a:avLst/>
-          </a:prstGeom>
-        </p:spPr>
-        <p:style>
-          <a:lnRef idx="1">
-            <a:schemeClr val="accent1"/>
-          </a:lnRef>
-          <a:fillRef idx="0">
-            <a:schemeClr val="accent1"/>
-          </a:fillRef>
-          <a:effectRef idx="0">
-            <a:schemeClr val="accent1"/>
-          </a:effectRef>
-          <a:fontRef idx="minor">
-            <a:schemeClr val="tx1"/>
-          </a:fontRef>
-        </p:style>
-      </p:cxnSp>
-      <p:cxnSp>
-        <p:nvCxnSpPr>
-          <p:cNvPr id="27" name="直線接點 26"/>
-          <p:cNvCxnSpPr>
-            <a:stCxn id="6" idx="2"/>
-            <a:endCxn id="20" idx="0"/>
-          </p:cNvCxnSpPr>
-          <p:nvPr/>
-        </p:nvCxnSpPr>
-        <p:spPr>
-          <a:xfrm>
-            <a:off x="6054811" y="3293761"/>
-            <a:ext cx="512805" cy="810741"/>
-          </a:xfrm>
-          <a:prstGeom prst="line">
-            <a:avLst/>
-          </a:prstGeom>
-        </p:spPr>
-        <p:style>
-          <a:lnRef idx="1">
-            <a:schemeClr val="accent1"/>
-          </a:lnRef>
-          <a:fillRef idx="0">
-            <a:schemeClr val="accent1"/>
-          </a:fillRef>
-          <a:effectRef idx="0">
-            <a:schemeClr val="accent1"/>
-          </a:effectRef>
-          <a:fontRef idx="minor">
-            <a:schemeClr val="tx1"/>
-          </a:fontRef>
-        </p:style>
-      </p:cxnSp>
-      <p:cxnSp>
-        <p:nvCxnSpPr>
-          <p:cNvPr id="29" name="直線接點 28"/>
-          <p:cNvCxnSpPr>
-            <a:stCxn id="7" idx="2"/>
-            <a:endCxn id="21" idx="0"/>
-          </p:cNvCxnSpPr>
-          <p:nvPr/>
-        </p:nvCxnSpPr>
-        <p:spPr>
-          <a:xfrm flipH="1">
-            <a:off x="8851557" y="3293761"/>
-            <a:ext cx="831327" cy="810741"/>
-          </a:xfrm>
-          <a:prstGeom prst="line">
-            <a:avLst/>
-          </a:prstGeom>
-        </p:spPr>
-        <p:style>
-          <a:lnRef idx="1">
-            <a:schemeClr val="accent1"/>
-          </a:lnRef>
-          <a:fillRef idx="0">
-            <a:schemeClr val="accent1"/>
-          </a:fillRef>
-          <a:effectRef idx="0">
-            <a:schemeClr val="accent1"/>
-          </a:effectRef>
-          <a:fontRef idx="minor">
-            <a:schemeClr val="tx1"/>
-          </a:fontRef>
-        </p:style>
-      </p:cxnSp>
-      <p:cxnSp>
-        <p:nvCxnSpPr>
-          <p:cNvPr id="31" name="直線接點 30"/>
-          <p:cNvCxnSpPr>
-            <a:stCxn id="7" idx="2"/>
-            <a:endCxn id="22" idx="0"/>
-          </p:cNvCxnSpPr>
-          <p:nvPr/>
-        </p:nvCxnSpPr>
-        <p:spPr>
-          <a:xfrm>
-            <a:off x="9682884" y="3293761"/>
-            <a:ext cx="1337284" cy="810741"/>
-          </a:xfrm>
-          <a:prstGeom prst="line">
-            <a:avLst/>
-          </a:prstGeom>
-        </p:spPr>
-        <p:style>
-          <a:lnRef idx="1">
-            <a:schemeClr val="accent1"/>
-          </a:lnRef>
-          <a:fillRef idx="0">
-            <a:schemeClr val="accent1"/>
-          </a:fillRef>
-          <a:effectRef idx="0">
-            <a:schemeClr val="accent1"/>
-          </a:effectRef>
-          <a:fontRef idx="minor">
-            <a:schemeClr val="tx1"/>
-          </a:fontRef>
-        </p:style>
-      </p:cxnSp>
     </p:spTree>
     <p:extLst>
       <p:ext uri="{BB962C8B-B14F-4D97-AF65-F5344CB8AC3E}">
-        <p14:creationId xmlns:p14="http://schemas.microsoft.com/office/powerpoint/2010/main" val="3620387885"/>
+        <p14:creationId xmlns:p14="http://schemas.microsoft.com/office/powerpoint/2010/main" val="2454021610"/>
+      </p:ext>
+    </p:extLst>
+  </p:cSld>
+  <p:clrMapOvr>
+    <a:masterClrMapping/>
+  </p:clrMapOvr>
+</p:sld>
+</file>
+
+<file path=ppt/slides/slide7.xml><?xml version="1.0" encoding="utf-8"?>
+<p:sld xmlns:a="http://schemas.openxmlformats.org/drawingml/2006/main" xmlns:r="http://schemas.openxmlformats.org/officeDocument/2006/relationships" xmlns:p="http://schemas.openxmlformats.org/presentationml/2006/main">
+  <p:cSld>
+    <p:spTree>
+      <p:nvGrpSpPr>
+        <p:cNvPr id="1" name=""/>
+        <p:cNvGrpSpPr/>
+        <p:nvPr/>
+      </p:nvGrpSpPr>
+      <p:grpSpPr>
+        <a:xfrm>
+          <a:off x="0" y="0"/>
+          <a:ext cx="0" cy="0"/>
+          <a:chOff x="0" y="0"/>
+          <a:chExt cx="0" cy="0"/>
+        </a:xfrm>
+      </p:grpSpPr>
+    </p:spTree>
+    <p:extLst>
+      <p:ext uri="{BB962C8B-B14F-4D97-AF65-F5344CB8AC3E}">
+        <p14:creationId xmlns:p14="http://schemas.microsoft.com/office/powerpoint/2010/main" val="491286701"/>
       </p:ext>
     </p:extLst>
   </p:cSld>
